--- a/Materi/Pertemuan - 13.pptx
+++ b/Materi/Pertemuan - 13.pptx
@@ -5,38 +5,41 @@
     <p:sldMasterId id="2147483659" r:id="rId1"/>
   </p:sldMasterIdLst>
   <p:notesMasterIdLst>
-    <p:notesMasterId r:id="rId9"/>
+    <p:notesMasterId r:id="rId12"/>
   </p:notesMasterIdLst>
   <p:sldIdLst>
     <p:sldId id="379" r:id="rId2"/>
-    <p:sldId id="442" r:id="rId3"/>
-    <p:sldId id="449" r:id="rId4"/>
-    <p:sldId id="418" r:id="rId5"/>
-    <p:sldId id="416" r:id="rId6"/>
-    <p:sldId id="441" r:id="rId7"/>
-    <p:sldId id="376" r:id="rId8"/>
+    <p:sldId id="449" r:id="rId3"/>
+    <p:sldId id="418" r:id="rId4"/>
+    <p:sldId id="416" r:id="rId5"/>
+    <p:sldId id="450" r:id="rId6"/>
+    <p:sldId id="451" r:id="rId7"/>
+    <p:sldId id="452" r:id="rId8"/>
+    <p:sldId id="453" r:id="rId9"/>
+    <p:sldId id="441" r:id="rId10"/>
+    <p:sldId id="376" r:id="rId11"/>
   </p:sldIdLst>
   <p:sldSz cx="9144000" cy="5143500" type="screen16x9"/>
   <p:notesSz cx="6858000" cy="9144000"/>
   <p:embeddedFontLst>
     <p:embeddedFont>
       <p:font typeface="Calibri" panose="020F0502020204030204" pitchFamily="34" charset="0"/>
-      <p:regular r:id="rId10"/>
-      <p:bold r:id="rId11"/>
-      <p:italic r:id="rId12"/>
-      <p:boldItalic r:id="rId13"/>
+      <p:regular r:id="rId13"/>
+      <p:bold r:id="rId14"/>
+      <p:italic r:id="rId15"/>
+      <p:boldItalic r:id="rId16"/>
     </p:embeddedFont>
     <p:embeddedFont>
       <p:font typeface="Montserrat" panose="00000500000000000000" pitchFamily="2" charset="0"/>
-      <p:regular r:id="rId14"/>
-      <p:bold r:id="rId15"/>
-      <p:italic r:id="rId16"/>
-      <p:boldItalic r:id="rId17"/>
+      <p:regular r:id="rId17"/>
+      <p:bold r:id="rId18"/>
+      <p:italic r:id="rId19"/>
+      <p:boldItalic r:id="rId20"/>
     </p:embeddedFont>
     <p:embeddedFont>
       <p:font typeface="Montserrat ExtraBold" panose="00000900000000000000" pitchFamily="2" charset="0"/>
-      <p:bold r:id="rId18"/>
-      <p:boldItalic r:id="rId19"/>
+      <p:bold r:id="rId21"/>
+      <p:boldItalic r:id="rId22"/>
     </p:embeddedFont>
   </p:embeddedFontLst>
   <p:defaultTextStyle>
@@ -875,12 +878,12 @@
 </p:notes>
 </file>
 
-<file path=ppt/notesSlides/notesSlide2.xml><?xml version="1.0" encoding="utf-8"?>
+<file path=ppt/notesSlides/notesSlide10.xml><?xml version="1.0" encoding="utf-8"?>
 <p:notes xmlns:a="http://schemas.openxmlformats.org/drawingml/2006/main" xmlns:r="http://schemas.openxmlformats.org/officeDocument/2006/relationships" xmlns:p="http://schemas.openxmlformats.org/presentationml/2006/main" showMasterSp="0" showMasterPhAnim="0">
   <p:cSld>
     <p:spTree>
       <p:nvGrpSpPr>
-        <p:cNvPr id="1" name="Shape 77"/>
+        <p:cNvPr id="1" name="Shape 1458"/>
         <p:cNvGrpSpPr/>
         <p:nvPr/>
       </p:nvGrpSpPr>
@@ -894,7 +897,7 @@
       </p:grpSpPr>
       <p:sp>
         <p:nvSpPr>
-          <p:cNvPr id="78" name="Google Shape;78;g136c21aa1b1_0_0:notes"/>
+          <p:cNvPr id="1459" name="Google Shape;1459;g12f26464ced_1_272:notes"/>
           <p:cNvSpPr>
             <a:spLocks noGrp="1" noRot="1" noChangeAspect="1"/>
           </p:cNvSpPr>
@@ -945,7 +948,7 @@
       </p:sp>
       <p:sp>
         <p:nvSpPr>
-          <p:cNvPr id="79" name="Google Shape;79;g136c21aa1b1_0_0:notes"/>
+          <p:cNvPr id="1460" name="Google Shape;1460;g12f26464ced_1_272:notes"/>
           <p:cNvSpPr txBox="1">
             <a:spLocks noGrp="1"/>
           </p:cNvSpPr>
@@ -990,9 +993,131 @@
         </p:txBody>
       </p:sp>
     </p:spTree>
+  </p:cSld>
+  <p:clrMapOvr>
+    <a:masterClrMapping/>
+  </p:clrMapOvr>
+</p:notes>
+</file>
+
+<file path=ppt/notesSlides/notesSlide2.xml><?xml version="1.0" encoding="utf-8"?>
+<p:notes xmlns:a="http://schemas.openxmlformats.org/drawingml/2006/main" xmlns:r="http://schemas.openxmlformats.org/officeDocument/2006/relationships" xmlns:p="http://schemas.openxmlformats.org/presentationml/2006/main" showMasterSp="0" showMasterPhAnim="0">
+  <p:cSld>
+    <p:spTree>
+      <p:nvGrpSpPr>
+        <p:cNvPr id="1" name="Shape 77"/>
+        <p:cNvGrpSpPr/>
+        <p:nvPr/>
+      </p:nvGrpSpPr>
+      <p:grpSpPr>
+        <a:xfrm>
+          <a:off x="0" y="0"/>
+          <a:ext cx="0" cy="0"/>
+          <a:chOff x="0" y="0"/>
+          <a:chExt cx="0" cy="0"/>
+        </a:xfrm>
+      </p:grpSpPr>
+      <p:sp>
+        <p:nvSpPr>
+          <p:cNvPr id="78" name="Google Shape;78;g136c21aa1b1_0_0:notes"/>
+          <p:cNvSpPr>
+            <a:spLocks noGrp="1" noRot="1" noChangeAspect="1"/>
+          </p:cNvSpPr>
+          <p:nvPr>
+            <p:ph type="sldImg" idx="2"/>
+          </p:nvPr>
+        </p:nvSpPr>
+        <p:spPr>
+          <a:xfrm>
+            <a:off x="381000" y="685800"/>
+            <a:ext cx="6096000" cy="3429000"/>
+          </a:xfrm>
+          <a:custGeom>
+            <a:avLst/>
+            <a:gdLst/>
+            <a:ahLst/>
+            <a:cxnLst/>
+            <a:rect l="l" t="t" r="r" b="b"/>
+            <a:pathLst>
+              <a:path w="120000" h="120000" extrusionOk="0">
+                <a:moveTo>
+                  <a:pt x="0" y="0"/>
+                </a:moveTo>
+                <a:lnTo>
+                  <a:pt x="120000" y="0"/>
+                </a:lnTo>
+                <a:lnTo>
+                  <a:pt x="120000" y="120000"/>
+                </a:lnTo>
+                <a:lnTo>
+                  <a:pt x="0" y="120000"/>
+                </a:lnTo>
+                <a:close/>
+              </a:path>
+            </a:pathLst>
+          </a:custGeom>
+          <a:noFill/>
+          <a:ln w="9525" cap="flat" cmpd="sng">
+            <a:solidFill>
+              <a:srgbClr val="000000"/>
+            </a:solidFill>
+            <a:prstDash val="solid"/>
+            <a:round/>
+            <a:headEnd type="none" w="sm" len="sm"/>
+            <a:tailEnd type="none" w="sm" len="sm"/>
+          </a:ln>
+        </p:spPr>
+      </p:sp>
+      <p:sp>
+        <p:nvSpPr>
+          <p:cNvPr id="79" name="Google Shape;79;g136c21aa1b1_0_0:notes"/>
+          <p:cNvSpPr txBox="1">
+            <a:spLocks noGrp="1"/>
+          </p:cNvSpPr>
+          <p:nvPr>
+            <p:ph type="body" idx="1"/>
+          </p:nvPr>
+        </p:nvSpPr>
+        <p:spPr>
+          <a:xfrm>
+            <a:off x="685800" y="4343400"/>
+            <a:ext cx="5486400" cy="4114800"/>
+          </a:xfrm>
+          <a:prstGeom prst="rect">
+            <a:avLst/>
+          </a:prstGeom>
+          <a:noFill/>
+          <a:ln>
+            <a:noFill/>
+          </a:ln>
+        </p:spPr>
+        <p:txBody>
+          <a:bodyPr spcFirstLastPara="1" wrap="square" lIns="91425" tIns="91425" rIns="91425" bIns="91425" anchor="t" anchorCtr="0">
+            <a:noAutofit/>
+          </a:bodyPr>
+          <a:lstStyle/>
+          <a:p>
+            <a:pPr marL="0" lvl="0" indent="0" algn="l" rtl="0">
+              <a:lnSpc>
+                <a:spcPct val="100000"/>
+              </a:lnSpc>
+              <a:spcBef>
+                <a:spcPts val="0"/>
+              </a:spcBef>
+              <a:spcAft>
+                <a:spcPts val="0"/>
+              </a:spcAft>
+              <a:buSzPts val="1100"/>
+              <a:buNone/>
+            </a:pPr>
+            <a:endParaRPr/>
+          </a:p>
+        </p:txBody>
+      </p:sp>
+    </p:spTree>
     <p:extLst>
       <p:ext uri="{BB962C8B-B14F-4D97-AF65-F5344CB8AC3E}">
-        <p14:creationId xmlns:p14="http://schemas.microsoft.com/office/powerpoint/2010/main" val="3841178415"/>
+        <p14:creationId xmlns:p14="http://schemas.microsoft.com/office/powerpoint/2010/main" val="3986326480"/>
       </p:ext>
     </p:extLst>
   </p:cSld>
@@ -1119,7 +1244,7 @@
     </p:spTree>
     <p:extLst>
       <p:ext uri="{BB962C8B-B14F-4D97-AF65-F5344CB8AC3E}">
-        <p14:creationId xmlns:p14="http://schemas.microsoft.com/office/powerpoint/2010/main" val="3986326480"/>
+        <p14:creationId xmlns:p14="http://schemas.microsoft.com/office/powerpoint/2010/main" val="2461312408"/>
       </p:ext>
     </p:extLst>
   </p:cSld>
@@ -1246,7 +1371,7 @@
     </p:spTree>
     <p:extLst>
       <p:ext uri="{BB962C8B-B14F-4D97-AF65-F5344CB8AC3E}">
-        <p14:creationId xmlns:p14="http://schemas.microsoft.com/office/powerpoint/2010/main" val="2461312408"/>
+        <p14:creationId xmlns:p14="http://schemas.microsoft.com/office/powerpoint/2010/main" val="2596208464"/>
       </p:ext>
     </p:extLst>
   </p:cSld>
@@ -1373,7 +1498,7 @@
     </p:spTree>
     <p:extLst>
       <p:ext uri="{BB962C8B-B14F-4D97-AF65-F5344CB8AC3E}">
-        <p14:creationId xmlns:p14="http://schemas.microsoft.com/office/powerpoint/2010/main" val="2596208464"/>
+        <p14:creationId xmlns:p14="http://schemas.microsoft.com/office/powerpoint/2010/main" val="2279034785"/>
       </p:ext>
     </p:extLst>
   </p:cSld>
@@ -1500,7 +1625,7 @@
     </p:spTree>
     <p:extLst>
       <p:ext uri="{BB962C8B-B14F-4D97-AF65-F5344CB8AC3E}">
-        <p14:creationId xmlns:p14="http://schemas.microsoft.com/office/powerpoint/2010/main" val="2183448161"/>
+        <p14:creationId xmlns:p14="http://schemas.microsoft.com/office/powerpoint/2010/main" val="3827337515"/>
       </p:ext>
     </p:extLst>
   </p:cSld>
@@ -1515,7 +1640,7 @@
   <p:cSld>
     <p:spTree>
       <p:nvGrpSpPr>
-        <p:cNvPr id="1" name="Shape 1458"/>
+        <p:cNvPr id="1" name="Shape 77"/>
         <p:cNvGrpSpPr/>
         <p:nvPr/>
       </p:nvGrpSpPr>
@@ -1529,7 +1654,7 @@
       </p:grpSpPr>
       <p:sp>
         <p:nvSpPr>
-          <p:cNvPr id="1459" name="Google Shape;1459;g12f26464ced_1_272:notes"/>
+          <p:cNvPr id="78" name="Google Shape;78;g136c21aa1b1_0_0:notes"/>
           <p:cNvSpPr>
             <a:spLocks noGrp="1" noRot="1" noChangeAspect="1"/>
           </p:cNvSpPr>
@@ -1580,7 +1705,7 @@
       </p:sp>
       <p:sp>
         <p:nvSpPr>
-          <p:cNvPr id="1460" name="Google Shape;1460;g12f26464ced_1_272:notes"/>
+          <p:cNvPr id="79" name="Google Shape;79;g136c21aa1b1_0_0:notes"/>
           <p:cNvSpPr txBox="1">
             <a:spLocks noGrp="1"/>
           </p:cNvSpPr>
@@ -1625,6 +1750,265 @@
         </p:txBody>
       </p:sp>
     </p:spTree>
+    <p:extLst>
+      <p:ext uri="{BB962C8B-B14F-4D97-AF65-F5344CB8AC3E}">
+        <p14:creationId xmlns:p14="http://schemas.microsoft.com/office/powerpoint/2010/main" val="2444010036"/>
+      </p:ext>
+    </p:extLst>
+  </p:cSld>
+  <p:clrMapOvr>
+    <a:masterClrMapping/>
+  </p:clrMapOvr>
+</p:notes>
+</file>
+
+<file path=ppt/notesSlides/notesSlide8.xml><?xml version="1.0" encoding="utf-8"?>
+<p:notes xmlns:a="http://schemas.openxmlformats.org/drawingml/2006/main" xmlns:r="http://schemas.openxmlformats.org/officeDocument/2006/relationships" xmlns:p="http://schemas.openxmlformats.org/presentationml/2006/main" showMasterSp="0" showMasterPhAnim="0">
+  <p:cSld>
+    <p:spTree>
+      <p:nvGrpSpPr>
+        <p:cNvPr id="1" name="Shape 77"/>
+        <p:cNvGrpSpPr/>
+        <p:nvPr/>
+      </p:nvGrpSpPr>
+      <p:grpSpPr>
+        <a:xfrm>
+          <a:off x="0" y="0"/>
+          <a:ext cx="0" cy="0"/>
+          <a:chOff x="0" y="0"/>
+          <a:chExt cx="0" cy="0"/>
+        </a:xfrm>
+      </p:grpSpPr>
+      <p:sp>
+        <p:nvSpPr>
+          <p:cNvPr id="78" name="Google Shape;78;g136c21aa1b1_0_0:notes"/>
+          <p:cNvSpPr>
+            <a:spLocks noGrp="1" noRot="1" noChangeAspect="1"/>
+          </p:cNvSpPr>
+          <p:nvPr>
+            <p:ph type="sldImg" idx="2"/>
+          </p:nvPr>
+        </p:nvSpPr>
+        <p:spPr>
+          <a:xfrm>
+            <a:off x="381000" y="685800"/>
+            <a:ext cx="6096000" cy="3429000"/>
+          </a:xfrm>
+          <a:custGeom>
+            <a:avLst/>
+            <a:gdLst/>
+            <a:ahLst/>
+            <a:cxnLst/>
+            <a:rect l="l" t="t" r="r" b="b"/>
+            <a:pathLst>
+              <a:path w="120000" h="120000" extrusionOk="0">
+                <a:moveTo>
+                  <a:pt x="0" y="0"/>
+                </a:moveTo>
+                <a:lnTo>
+                  <a:pt x="120000" y="0"/>
+                </a:lnTo>
+                <a:lnTo>
+                  <a:pt x="120000" y="120000"/>
+                </a:lnTo>
+                <a:lnTo>
+                  <a:pt x="0" y="120000"/>
+                </a:lnTo>
+                <a:close/>
+              </a:path>
+            </a:pathLst>
+          </a:custGeom>
+          <a:noFill/>
+          <a:ln w="9525" cap="flat" cmpd="sng">
+            <a:solidFill>
+              <a:srgbClr val="000000"/>
+            </a:solidFill>
+            <a:prstDash val="solid"/>
+            <a:round/>
+            <a:headEnd type="none" w="sm" len="sm"/>
+            <a:tailEnd type="none" w="sm" len="sm"/>
+          </a:ln>
+        </p:spPr>
+      </p:sp>
+      <p:sp>
+        <p:nvSpPr>
+          <p:cNvPr id="79" name="Google Shape;79;g136c21aa1b1_0_0:notes"/>
+          <p:cNvSpPr txBox="1">
+            <a:spLocks noGrp="1"/>
+          </p:cNvSpPr>
+          <p:nvPr>
+            <p:ph type="body" idx="1"/>
+          </p:nvPr>
+        </p:nvSpPr>
+        <p:spPr>
+          <a:xfrm>
+            <a:off x="685800" y="4343400"/>
+            <a:ext cx="5486400" cy="4114800"/>
+          </a:xfrm>
+          <a:prstGeom prst="rect">
+            <a:avLst/>
+          </a:prstGeom>
+          <a:noFill/>
+          <a:ln>
+            <a:noFill/>
+          </a:ln>
+        </p:spPr>
+        <p:txBody>
+          <a:bodyPr spcFirstLastPara="1" wrap="square" lIns="91425" tIns="91425" rIns="91425" bIns="91425" anchor="t" anchorCtr="0">
+            <a:noAutofit/>
+          </a:bodyPr>
+          <a:lstStyle/>
+          <a:p>
+            <a:pPr marL="0" lvl="0" indent="0" algn="l" rtl="0">
+              <a:lnSpc>
+                <a:spcPct val="100000"/>
+              </a:lnSpc>
+              <a:spcBef>
+                <a:spcPts val="0"/>
+              </a:spcBef>
+              <a:spcAft>
+                <a:spcPts val="0"/>
+              </a:spcAft>
+              <a:buSzPts val="1100"/>
+              <a:buNone/>
+            </a:pPr>
+            <a:endParaRPr/>
+          </a:p>
+        </p:txBody>
+      </p:sp>
+    </p:spTree>
+    <p:extLst>
+      <p:ext uri="{BB962C8B-B14F-4D97-AF65-F5344CB8AC3E}">
+        <p14:creationId xmlns:p14="http://schemas.microsoft.com/office/powerpoint/2010/main" val="2305397208"/>
+      </p:ext>
+    </p:extLst>
+  </p:cSld>
+  <p:clrMapOvr>
+    <a:masterClrMapping/>
+  </p:clrMapOvr>
+</p:notes>
+</file>
+
+<file path=ppt/notesSlides/notesSlide9.xml><?xml version="1.0" encoding="utf-8"?>
+<p:notes xmlns:a="http://schemas.openxmlformats.org/drawingml/2006/main" xmlns:r="http://schemas.openxmlformats.org/officeDocument/2006/relationships" xmlns:p="http://schemas.openxmlformats.org/presentationml/2006/main" showMasterSp="0" showMasterPhAnim="0">
+  <p:cSld>
+    <p:spTree>
+      <p:nvGrpSpPr>
+        <p:cNvPr id="1" name="Shape 77"/>
+        <p:cNvGrpSpPr/>
+        <p:nvPr/>
+      </p:nvGrpSpPr>
+      <p:grpSpPr>
+        <a:xfrm>
+          <a:off x="0" y="0"/>
+          <a:ext cx="0" cy="0"/>
+          <a:chOff x="0" y="0"/>
+          <a:chExt cx="0" cy="0"/>
+        </a:xfrm>
+      </p:grpSpPr>
+      <p:sp>
+        <p:nvSpPr>
+          <p:cNvPr id="78" name="Google Shape;78;g136c21aa1b1_0_0:notes"/>
+          <p:cNvSpPr>
+            <a:spLocks noGrp="1" noRot="1" noChangeAspect="1"/>
+          </p:cNvSpPr>
+          <p:nvPr>
+            <p:ph type="sldImg" idx="2"/>
+          </p:nvPr>
+        </p:nvSpPr>
+        <p:spPr>
+          <a:xfrm>
+            <a:off x="381000" y="685800"/>
+            <a:ext cx="6096000" cy="3429000"/>
+          </a:xfrm>
+          <a:custGeom>
+            <a:avLst/>
+            <a:gdLst/>
+            <a:ahLst/>
+            <a:cxnLst/>
+            <a:rect l="l" t="t" r="r" b="b"/>
+            <a:pathLst>
+              <a:path w="120000" h="120000" extrusionOk="0">
+                <a:moveTo>
+                  <a:pt x="0" y="0"/>
+                </a:moveTo>
+                <a:lnTo>
+                  <a:pt x="120000" y="0"/>
+                </a:lnTo>
+                <a:lnTo>
+                  <a:pt x="120000" y="120000"/>
+                </a:lnTo>
+                <a:lnTo>
+                  <a:pt x="0" y="120000"/>
+                </a:lnTo>
+                <a:close/>
+              </a:path>
+            </a:pathLst>
+          </a:custGeom>
+          <a:noFill/>
+          <a:ln w="9525" cap="flat" cmpd="sng">
+            <a:solidFill>
+              <a:srgbClr val="000000"/>
+            </a:solidFill>
+            <a:prstDash val="solid"/>
+            <a:round/>
+            <a:headEnd type="none" w="sm" len="sm"/>
+            <a:tailEnd type="none" w="sm" len="sm"/>
+          </a:ln>
+        </p:spPr>
+      </p:sp>
+      <p:sp>
+        <p:nvSpPr>
+          <p:cNvPr id="79" name="Google Shape;79;g136c21aa1b1_0_0:notes"/>
+          <p:cNvSpPr txBox="1">
+            <a:spLocks noGrp="1"/>
+          </p:cNvSpPr>
+          <p:nvPr>
+            <p:ph type="body" idx="1"/>
+          </p:nvPr>
+        </p:nvSpPr>
+        <p:spPr>
+          <a:xfrm>
+            <a:off x="685800" y="4343400"/>
+            <a:ext cx="5486400" cy="4114800"/>
+          </a:xfrm>
+          <a:prstGeom prst="rect">
+            <a:avLst/>
+          </a:prstGeom>
+          <a:noFill/>
+          <a:ln>
+            <a:noFill/>
+          </a:ln>
+        </p:spPr>
+        <p:txBody>
+          <a:bodyPr spcFirstLastPara="1" wrap="square" lIns="91425" tIns="91425" rIns="91425" bIns="91425" anchor="t" anchorCtr="0">
+            <a:noAutofit/>
+          </a:bodyPr>
+          <a:lstStyle/>
+          <a:p>
+            <a:pPr marL="0" lvl="0" indent="0" algn="l" rtl="0">
+              <a:lnSpc>
+                <a:spcPct val="100000"/>
+              </a:lnSpc>
+              <a:spcBef>
+                <a:spcPts val="0"/>
+              </a:spcBef>
+              <a:spcAft>
+                <a:spcPts val="0"/>
+              </a:spcAft>
+              <a:buSzPts val="1100"/>
+              <a:buNone/>
+            </a:pPr>
+            <a:endParaRPr/>
+          </a:p>
+        </p:txBody>
+      </p:sp>
+    </p:spTree>
+    <p:extLst>
+      <p:ext uri="{BB962C8B-B14F-4D97-AF65-F5344CB8AC3E}">
+        <p14:creationId xmlns:p14="http://schemas.microsoft.com/office/powerpoint/2010/main" val="2183448161"/>
+      </p:ext>
+    </p:extLst>
   </p:cSld>
   <p:clrMapOvr>
     <a:masterClrMapping/>
@@ -6214,7 +6598,7 @@
                 <a:cs typeface="Montserrat"/>
                 <a:sym typeface="Montserrat"/>
               </a:rPr>
-              <a:t> ke-7</a:t>
+              <a:t> ke-13</a:t>
             </a:r>
             <a:endParaRPr lang="en-ID" sz="2100" b="0" i="0" u="none" strike="noStrike" cap="none" dirty="0">
               <a:solidFill>
@@ -6262,6 +6646,415 @@
         <p14:creationId xmlns:p14="http://schemas.microsoft.com/office/powerpoint/2010/main" val="4149181433"/>
       </p:ext>
     </p:extLst>
+  </p:cSld>
+  <p:clrMapOvr>
+    <a:masterClrMapping/>
+  </p:clrMapOvr>
+</p:sld>
+</file>
+
+<file path=ppt/slides/slide10.xml><?xml version="1.0" encoding="utf-8"?>
+<p:sld xmlns:a="http://schemas.openxmlformats.org/drawingml/2006/main" xmlns:r="http://schemas.openxmlformats.org/officeDocument/2006/relationships" xmlns:p="http://schemas.openxmlformats.org/presentationml/2006/main">
+  <p:cSld>
+    <p:bg>
+      <p:bgPr>
+        <a:solidFill>
+          <a:srgbClr val="761A79"/>
+        </a:solidFill>
+        <a:effectLst/>
+      </p:bgPr>
+    </p:bg>
+    <p:spTree>
+      <p:nvGrpSpPr>
+        <p:cNvPr id="1" name="Shape 1461"/>
+        <p:cNvGrpSpPr/>
+        <p:nvPr/>
+      </p:nvGrpSpPr>
+      <p:grpSpPr>
+        <a:xfrm>
+          <a:off x="0" y="0"/>
+          <a:ext cx="0" cy="0"/>
+          <a:chOff x="0" y="0"/>
+          <a:chExt cx="0" cy="0"/>
+        </a:xfrm>
+      </p:grpSpPr>
+      <p:sp>
+        <p:nvSpPr>
+          <p:cNvPr id="1462" name="Google Shape;1462;p133"/>
+          <p:cNvSpPr txBox="1"/>
+          <p:nvPr/>
+        </p:nvSpPr>
+        <p:spPr>
+          <a:xfrm>
+            <a:off x="454375" y="717100"/>
+            <a:ext cx="4117500" cy="4083600"/>
+          </a:xfrm>
+          <a:prstGeom prst="rect">
+            <a:avLst/>
+          </a:prstGeom>
+          <a:noFill/>
+          <a:ln>
+            <a:noFill/>
+          </a:ln>
+        </p:spPr>
+        <p:txBody>
+          <a:bodyPr spcFirstLastPara="1" wrap="square" lIns="91425" tIns="91425" rIns="91425" bIns="91425" anchor="ctr" anchorCtr="0">
+            <a:noAutofit/>
+          </a:bodyPr>
+          <a:lstStyle/>
+          <a:p>
+            <a:pPr marL="0" marR="0" lvl="0" indent="0" algn="l" rtl="0">
+              <a:lnSpc>
+                <a:spcPct val="115000"/>
+              </a:lnSpc>
+              <a:spcBef>
+                <a:spcPts val="0"/>
+              </a:spcBef>
+              <a:spcAft>
+                <a:spcPts val="0"/>
+              </a:spcAft>
+              <a:buClr>
+                <a:srgbClr val="000000"/>
+              </a:buClr>
+              <a:buSzPts val="4000"/>
+              <a:buFont typeface="Arial"/>
+              <a:buNone/>
+            </a:pPr>
+            <a:r>
+              <a:rPr lang="en" b="1" dirty="0">
+                <a:solidFill>
+                  <a:schemeClr val="lt1"/>
+                </a:solidFill>
+                <a:latin typeface="Montserrat"/>
+                <a:ea typeface="Montserrat"/>
+                <a:cs typeface="Montserrat"/>
+                <a:sym typeface="Montserrat"/>
+              </a:rPr>
+              <a:t>Yuhuuu! Kamu udah berhasil menamatkan </a:t>
+            </a:r>
+            <a:r>
+              <a:rPr lang="en" b="1" dirty="0">
+                <a:solidFill>
+                  <a:srgbClr val="FF9900"/>
+                </a:solidFill>
+                <a:latin typeface="Montserrat"/>
+                <a:ea typeface="Montserrat"/>
+                <a:cs typeface="Montserrat"/>
+                <a:sym typeface="Montserrat"/>
+              </a:rPr>
+              <a:t>Pertemuan-11 </a:t>
+            </a:r>
+            <a:r>
+              <a:rPr lang="en" b="1" dirty="0">
+                <a:solidFill>
+                  <a:schemeClr val="lt1"/>
+                </a:solidFill>
+                <a:latin typeface="Montserrat"/>
+                <a:ea typeface="Montserrat"/>
+                <a:cs typeface="Montserrat"/>
+                <a:sym typeface="Montserrat"/>
+              </a:rPr>
+              <a:t>🥳</a:t>
+            </a:r>
+            <a:endParaRPr b="1" dirty="0">
+              <a:solidFill>
+                <a:schemeClr val="lt1"/>
+              </a:solidFill>
+              <a:latin typeface="Montserrat"/>
+              <a:ea typeface="Montserrat"/>
+              <a:cs typeface="Montserrat"/>
+              <a:sym typeface="Montserrat"/>
+            </a:endParaRPr>
+          </a:p>
+          <a:p>
+            <a:pPr marL="0" marR="0" lvl="0" indent="0" algn="l" rtl="0">
+              <a:lnSpc>
+                <a:spcPct val="115000"/>
+              </a:lnSpc>
+              <a:spcBef>
+                <a:spcPts val="1000"/>
+              </a:spcBef>
+              <a:spcAft>
+                <a:spcPts val="0"/>
+              </a:spcAft>
+              <a:buClr>
+                <a:srgbClr val="000000"/>
+              </a:buClr>
+              <a:buSzPts val="4000"/>
+              <a:buFont typeface="Arial"/>
+              <a:buNone/>
+            </a:pPr>
+            <a:r>
+              <a:rPr lang="en" b="1" dirty="0">
+                <a:solidFill>
+                  <a:schemeClr val="lt1"/>
+                </a:solidFill>
+                <a:latin typeface="Montserrat"/>
+                <a:ea typeface="Montserrat"/>
+                <a:cs typeface="Montserrat"/>
+                <a:sym typeface="Montserrat"/>
+              </a:rPr>
+              <a:t>Selanjutnya, kita bakal </a:t>
+            </a:r>
+            <a:r>
+              <a:rPr lang="en-US" b="1" dirty="0">
+                <a:solidFill>
+                  <a:schemeClr val="lt1"/>
+                </a:solidFill>
+                <a:latin typeface="Montserrat"/>
+                <a:ea typeface="Montserrat"/>
+                <a:cs typeface="Montserrat"/>
+                <a:sym typeface="Montserrat"/>
+              </a:rPr>
+              <a:t>UTS</a:t>
+            </a:r>
+            <a:endParaRPr b="1" dirty="0">
+              <a:solidFill>
+                <a:schemeClr val="lt1"/>
+              </a:solidFill>
+              <a:latin typeface="Montserrat"/>
+              <a:ea typeface="Montserrat"/>
+              <a:cs typeface="Montserrat"/>
+              <a:sym typeface="Montserrat"/>
+            </a:endParaRPr>
+          </a:p>
+          <a:p>
+            <a:pPr marL="0" marR="0" lvl="0" indent="0" algn="l" rtl="0">
+              <a:lnSpc>
+                <a:spcPct val="115000"/>
+              </a:lnSpc>
+              <a:spcBef>
+                <a:spcPts val="1000"/>
+              </a:spcBef>
+              <a:spcAft>
+                <a:spcPts val="0"/>
+              </a:spcAft>
+              <a:buClr>
+                <a:srgbClr val="000000"/>
+              </a:buClr>
+              <a:buSzPts val="4000"/>
+              <a:buFont typeface="Arial"/>
+              <a:buNone/>
+            </a:pPr>
+            <a:r>
+              <a:rPr lang="en" b="1" dirty="0">
+                <a:solidFill>
+                  <a:schemeClr val="lt1"/>
+                </a:solidFill>
+                <a:latin typeface="Montserrat"/>
+                <a:ea typeface="Montserrat"/>
+                <a:cs typeface="Montserrat"/>
+                <a:sym typeface="Montserrat"/>
+              </a:rPr>
+              <a:t>Penasaran kayak gimana? </a:t>
+            </a:r>
+            <a:endParaRPr b="1" dirty="0">
+              <a:solidFill>
+                <a:schemeClr val="lt1"/>
+              </a:solidFill>
+              <a:latin typeface="Montserrat"/>
+              <a:ea typeface="Montserrat"/>
+              <a:cs typeface="Montserrat"/>
+              <a:sym typeface="Montserrat"/>
+            </a:endParaRPr>
+          </a:p>
+          <a:p>
+            <a:pPr marL="0" marR="0" lvl="0" indent="0" algn="l" rtl="0">
+              <a:lnSpc>
+                <a:spcPct val="115000"/>
+              </a:lnSpc>
+              <a:spcBef>
+                <a:spcPts val="1000"/>
+              </a:spcBef>
+              <a:spcAft>
+                <a:spcPts val="0"/>
+              </a:spcAft>
+              <a:buClr>
+                <a:srgbClr val="000000"/>
+              </a:buClr>
+              <a:buSzPts val="4000"/>
+              <a:buFont typeface="Arial"/>
+              <a:buNone/>
+            </a:pPr>
+            <a:endParaRPr b="1" dirty="0">
+              <a:solidFill>
+                <a:schemeClr val="lt1"/>
+              </a:solidFill>
+              <a:latin typeface="Montserrat"/>
+              <a:ea typeface="Montserrat"/>
+              <a:cs typeface="Montserrat"/>
+              <a:sym typeface="Montserrat"/>
+            </a:endParaRPr>
+          </a:p>
+        </p:txBody>
+      </p:sp>
+      <p:pic>
+        <p:nvPicPr>
+          <p:cNvPr id="1463" name="Google Shape;1463;p133"/>
+          <p:cNvPicPr preferRelativeResize="0"/>
+          <p:nvPr/>
+        </p:nvPicPr>
+        <p:blipFill rotWithShape="1">
+          <a:blip r:embed="rId3">
+            <a:alphaModFix/>
+          </a:blip>
+          <a:srcRect/>
+          <a:stretch/>
+        </p:blipFill>
+        <p:spPr>
+          <a:xfrm>
+            <a:off x="6608175" y="152400"/>
+            <a:ext cx="2535837" cy="4838700"/>
+          </a:xfrm>
+          <a:prstGeom prst="rect">
+            <a:avLst/>
+          </a:prstGeom>
+          <a:noFill/>
+          <a:ln>
+            <a:noFill/>
+          </a:ln>
+        </p:spPr>
+      </p:pic>
+      <p:cxnSp>
+        <p:nvCxnSpPr>
+          <p:cNvPr id="1465" name="Google Shape;1465;p133"/>
+          <p:cNvCxnSpPr/>
+          <p:nvPr/>
+        </p:nvCxnSpPr>
+        <p:spPr>
+          <a:xfrm flipH="1">
+            <a:off x="1576625" y="427100"/>
+            <a:ext cx="5947800" cy="23400"/>
+          </a:xfrm>
+          <a:prstGeom prst="straightConnector1">
+            <a:avLst/>
+          </a:prstGeom>
+          <a:noFill/>
+          <a:ln w="19050" cap="flat" cmpd="sng">
+            <a:solidFill>
+              <a:srgbClr val="FFFFFF"/>
+            </a:solidFill>
+            <a:prstDash val="solid"/>
+            <a:round/>
+            <a:headEnd type="none" w="sm" len="sm"/>
+            <a:tailEnd type="none" w="sm" len="sm"/>
+          </a:ln>
+        </p:spPr>
+      </p:cxnSp>
+      <p:sp>
+        <p:nvSpPr>
+          <p:cNvPr id="1466" name="Google Shape;1466;p133"/>
+          <p:cNvSpPr txBox="1"/>
+          <p:nvPr/>
+        </p:nvSpPr>
+        <p:spPr>
+          <a:xfrm>
+            <a:off x="453375" y="152450"/>
+            <a:ext cx="4062300" cy="572700"/>
+          </a:xfrm>
+          <a:prstGeom prst="rect">
+            <a:avLst/>
+          </a:prstGeom>
+          <a:noFill/>
+          <a:ln>
+            <a:noFill/>
+          </a:ln>
+        </p:spPr>
+        <p:txBody>
+          <a:bodyPr spcFirstLastPara="1" wrap="square" lIns="91425" tIns="91425" rIns="91425" bIns="91425" anchor="ctr" anchorCtr="0">
+            <a:noAutofit/>
+          </a:bodyPr>
+          <a:lstStyle/>
+          <a:p>
+            <a:pPr marL="0" marR="0" lvl="0" indent="0" algn="l" rtl="0">
+              <a:lnSpc>
+                <a:spcPct val="100000"/>
+              </a:lnSpc>
+              <a:spcBef>
+                <a:spcPts val="0"/>
+              </a:spcBef>
+              <a:spcAft>
+                <a:spcPts val="0"/>
+              </a:spcAft>
+              <a:buClr>
+                <a:srgbClr val="000000"/>
+              </a:buClr>
+              <a:buSzPts val="1400"/>
+              <a:buFont typeface="Arial"/>
+              <a:buNone/>
+            </a:pPr>
+            <a:r>
+              <a:rPr lang="en" sz="1400" b="0" i="0" u="none" strike="noStrike" cap="none">
+                <a:solidFill>
+                  <a:srgbClr val="FFFFFF"/>
+                </a:solidFill>
+                <a:latin typeface="Montserrat ExtraBold"/>
+                <a:ea typeface="Montserrat ExtraBold"/>
+                <a:cs typeface="Montserrat ExtraBold"/>
+                <a:sym typeface="Montserrat ExtraBold"/>
+              </a:rPr>
+              <a:t>Penutup</a:t>
+            </a:r>
+            <a:endParaRPr sz="1400" b="0" i="0" u="none" strike="noStrike" cap="none">
+              <a:solidFill>
+                <a:srgbClr val="FFFFFF"/>
+              </a:solidFill>
+              <a:latin typeface="Montserrat ExtraBold"/>
+              <a:ea typeface="Montserrat ExtraBold"/>
+              <a:cs typeface="Montserrat ExtraBold"/>
+              <a:sym typeface="Montserrat ExtraBold"/>
+            </a:endParaRPr>
+          </a:p>
+        </p:txBody>
+      </p:sp>
+      <p:pic>
+        <p:nvPicPr>
+          <p:cNvPr id="7170" name="Picture 2" descr="Congratulations Vector Art, Icons, and Graphics for Free Download">
+            <a:extLst>
+              <a:ext uri="{FF2B5EF4-FFF2-40B4-BE49-F238E27FC236}">
+                <a16:creationId xmlns:a16="http://schemas.microsoft.com/office/drawing/2014/main" id="{E774179A-C300-18D5-41E8-59B705207A8C}"/>
+              </a:ext>
+            </a:extLst>
+          </p:cNvPr>
+          <p:cNvPicPr>
+            <a:picLocks noChangeAspect="1" noChangeArrowheads="1"/>
+          </p:cNvPicPr>
+          <p:nvPr/>
+        </p:nvPicPr>
+        <p:blipFill>
+          <a:blip r:embed="rId4">
+            <a:extLst>
+              <a:ext uri="{28A0092B-C50C-407E-A947-70E740481C1C}">
+                <a14:useLocalDpi xmlns:a14="http://schemas.microsoft.com/office/drawing/2010/main" val="0"/>
+              </a:ext>
+            </a:extLst>
+          </a:blip>
+          <a:srcRect/>
+          <a:stretch>
+            <a:fillRect/>
+          </a:stretch>
+        </p:blipFill>
+        <p:spPr bwMode="auto">
+          <a:xfrm>
+            <a:off x="4722225" y="1855401"/>
+            <a:ext cx="3771900" cy="1209675"/>
+          </a:xfrm>
+          <a:prstGeom prst="rect">
+            <a:avLst/>
+          </a:prstGeom>
+          <a:noFill/>
+          <a:extLst>
+            <a:ext uri="{909E8E84-426E-40DD-AFC4-6F175D3DCCD1}">
+              <a14:hiddenFill xmlns:a14="http://schemas.microsoft.com/office/drawing/2010/main">
+                <a:solidFill>
+                  <a:srgbClr val="FFFFFF"/>
+                </a:solidFill>
+              </a14:hiddenFill>
+            </a:ext>
+          </a:extLst>
+        </p:spPr>
+      </p:pic>
+    </p:spTree>
   </p:cSld>
   <p:clrMapOvr>
     <a:masterClrMapping/>
@@ -6525,569 +7318,6 @@
               </a:rPr>
               <a:t>Review </a:t>
             </a:r>
-            <a:r>
-              <a:rPr lang="en-US" sz="1600" b="1" i="0" u="none" strike="noStrike" cap="none" dirty="0" err="1">
-                <a:solidFill>
-                  <a:srgbClr val="743673"/>
-                </a:solidFill>
-                <a:latin typeface="Montserrat"/>
-                <a:ea typeface="Montserrat"/>
-                <a:cs typeface="Montserrat"/>
-                <a:sym typeface="Montserrat"/>
-              </a:rPr>
-              <a:t>Materi</a:t>
-            </a:r>
-            <a:r>
-              <a:rPr lang="en-US" sz="1000" dirty="0">
-                <a:latin typeface="Montserrat"/>
-                <a:ea typeface="Montserrat"/>
-                <a:cs typeface="Montserrat"/>
-                <a:sym typeface="Montserrat"/>
-              </a:rPr>
-              <a:t> </a:t>
-            </a:r>
-            <a:endParaRPr lang="en-ID" sz="1800" b="1" dirty="0">
-              <a:effectLst/>
-              <a:latin typeface="Calibri" panose="020F0502020204030204" pitchFamily="34" charset="0"/>
-              <a:ea typeface="Calibri" panose="020F0502020204030204" pitchFamily="34" charset="0"/>
-              <a:cs typeface="Times New Roman" panose="02020603050405020304" pitchFamily="18" charset="0"/>
-            </a:endParaRPr>
-          </a:p>
-          <a:p>
-            <a:pPr marL="285750" marR="0" indent="-285750">
-              <a:lnSpc>
-                <a:spcPct val="107000"/>
-              </a:lnSpc>
-              <a:spcBef>
-                <a:spcPts val="0"/>
-              </a:spcBef>
-              <a:spcAft>
-                <a:spcPts val="800"/>
-              </a:spcAft>
-              <a:buFont typeface="Arial" panose="020B0604020202020204" pitchFamily="34" charset="0"/>
-              <a:buChar char="•"/>
-            </a:pPr>
-            <a:r>
-              <a:rPr lang="en-ID" sz="2000" dirty="0" err="1"/>
-              <a:t>Struktur</a:t>
-            </a:r>
-            <a:r>
-              <a:rPr lang="en-ID" sz="2000" dirty="0"/>
-              <a:t> </a:t>
-            </a:r>
-            <a:r>
-              <a:rPr lang="en-ID" sz="2000" dirty="0" err="1"/>
-              <a:t>Kondisi</a:t>
-            </a:r>
-            <a:r>
-              <a:rPr lang="en-ID" sz="2000" dirty="0"/>
-              <a:t> dan </a:t>
-            </a:r>
-            <a:r>
-              <a:rPr lang="en-ID" sz="2000" dirty="0" err="1"/>
-              <a:t>Perulangan</a:t>
-            </a:r>
-            <a:endParaRPr lang="en-ID" sz="2000" dirty="0"/>
-          </a:p>
-          <a:p>
-            <a:pPr marL="285750" marR="0" indent="-285750">
-              <a:lnSpc>
-                <a:spcPct val="107000"/>
-              </a:lnSpc>
-              <a:spcBef>
-                <a:spcPts val="0"/>
-              </a:spcBef>
-              <a:spcAft>
-                <a:spcPts val="800"/>
-              </a:spcAft>
-              <a:buFont typeface="Arial" panose="020B0604020202020204" pitchFamily="34" charset="0"/>
-              <a:buChar char="•"/>
-            </a:pPr>
-            <a:r>
-              <a:rPr lang="en-ID" sz="2000" dirty="0" err="1"/>
-              <a:t>Struktur</a:t>
-            </a:r>
-            <a:r>
-              <a:rPr lang="en-ID" sz="2000" dirty="0"/>
-              <a:t> </a:t>
-            </a:r>
-            <a:r>
-              <a:rPr lang="en-ID" sz="2000" dirty="0" err="1"/>
-              <a:t>Kondisi</a:t>
-            </a:r>
-            <a:endParaRPr lang="en-ID" sz="2000" dirty="0"/>
-          </a:p>
-          <a:p>
-            <a:pPr marL="285750" marR="0" indent="-285750">
-              <a:lnSpc>
-                <a:spcPct val="107000"/>
-              </a:lnSpc>
-              <a:spcBef>
-                <a:spcPts val="0"/>
-              </a:spcBef>
-              <a:spcAft>
-                <a:spcPts val="800"/>
-              </a:spcAft>
-              <a:buFont typeface="Arial" panose="020B0604020202020204" pitchFamily="34" charset="0"/>
-              <a:buChar char="•"/>
-            </a:pPr>
-            <a:r>
-              <a:rPr lang="en-ID" sz="2000" dirty="0"/>
-              <a:t>+ </a:t>
-            </a:r>
-            <a:r>
-              <a:rPr lang="en-ID" sz="2000" dirty="0" err="1"/>
-              <a:t>Struktur</a:t>
-            </a:r>
-            <a:r>
-              <a:rPr lang="en-ID" sz="2000" dirty="0"/>
-              <a:t> </a:t>
-            </a:r>
-            <a:r>
-              <a:rPr lang="en-ID" sz="2000" dirty="0" err="1"/>
-              <a:t>Kondisi</a:t>
-            </a:r>
-            <a:r>
-              <a:rPr lang="en-ID" sz="2000" dirty="0"/>
-              <a:t> If</a:t>
-            </a:r>
-          </a:p>
-          <a:p>
-            <a:pPr marL="285750" marR="0" indent="-285750">
-              <a:lnSpc>
-                <a:spcPct val="107000"/>
-              </a:lnSpc>
-              <a:spcBef>
-                <a:spcPts val="0"/>
-              </a:spcBef>
-              <a:spcAft>
-                <a:spcPts val="800"/>
-              </a:spcAft>
-              <a:buFont typeface="Arial" panose="020B0604020202020204" pitchFamily="34" charset="0"/>
-              <a:buChar char="•"/>
-            </a:pPr>
-            <a:r>
-              <a:rPr lang="en-ID" sz="2000" dirty="0"/>
-              <a:t>+ </a:t>
-            </a:r>
-            <a:r>
-              <a:rPr lang="en-ID" sz="2000" dirty="0" err="1"/>
-              <a:t>Struktur</a:t>
-            </a:r>
-            <a:r>
-              <a:rPr lang="en-ID" sz="2000" dirty="0"/>
-              <a:t> </a:t>
-            </a:r>
-            <a:r>
-              <a:rPr lang="en-ID" sz="2000" dirty="0" err="1"/>
-              <a:t>Kondisi</a:t>
-            </a:r>
-            <a:r>
-              <a:rPr lang="en-ID" sz="2000" dirty="0"/>
-              <a:t> If...Else</a:t>
-            </a:r>
-          </a:p>
-          <a:p>
-            <a:pPr marL="285750" marR="0" indent="-285750">
-              <a:lnSpc>
-                <a:spcPct val="107000"/>
-              </a:lnSpc>
-              <a:spcBef>
-                <a:spcPts val="0"/>
-              </a:spcBef>
-              <a:spcAft>
-                <a:spcPts val="800"/>
-              </a:spcAft>
-              <a:buFont typeface="Arial" panose="020B0604020202020204" pitchFamily="34" charset="0"/>
-              <a:buChar char="•"/>
-            </a:pPr>
-            <a:r>
-              <a:rPr lang="en-ID" sz="2000" dirty="0"/>
-              <a:t>+ </a:t>
-            </a:r>
-            <a:r>
-              <a:rPr lang="en-ID" sz="2000" dirty="0" err="1"/>
-              <a:t>Struktur</a:t>
-            </a:r>
-            <a:r>
-              <a:rPr lang="en-ID" sz="2000" dirty="0"/>
-              <a:t> </a:t>
-            </a:r>
-            <a:r>
-              <a:rPr lang="en-ID" sz="2000" dirty="0" err="1"/>
-              <a:t>Kondisi</a:t>
-            </a:r>
-            <a:r>
-              <a:rPr lang="en-ID" sz="2000" dirty="0"/>
-              <a:t> Switch...Case</a:t>
-            </a:r>
-          </a:p>
-          <a:p>
-            <a:pPr marL="285750" marR="0" indent="-285750">
-              <a:lnSpc>
-                <a:spcPct val="107000"/>
-              </a:lnSpc>
-              <a:spcBef>
-                <a:spcPts val="0"/>
-              </a:spcBef>
-              <a:spcAft>
-                <a:spcPts val="800"/>
-              </a:spcAft>
-              <a:buFont typeface="Arial" panose="020B0604020202020204" pitchFamily="34" charset="0"/>
-              <a:buChar char="•"/>
-            </a:pPr>
-            <a:r>
-              <a:rPr lang="en-ID" sz="2000" dirty="0" err="1"/>
-              <a:t>Struktur</a:t>
-            </a:r>
-            <a:r>
-              <a:rPr lang="en-ID" sz="2000" dirty="0"/>
-              <a:t> </a:t>
-            </a:r>
-            <a:r>
-              <a:rPr lang="en-ID" sz="2000" dirty="0" err="1"/>
-              <a:t>Perulangan</a:t>
-            </a:r>
-            <a:endParaRPr lang="en-ID" sz="2000" dirty="0"/>
-          </a:p>
-          <a:p>
-            <a:pPr marL="285750" marR="0" indent="-285750">
-              <a:lnSpc>
-                <a:spcPct val="107000"/>
-              </a:lnSpc>
-              <a:spcBef>
-                <a:spcPts val="0"/>
-              </a:spcBef>
-              <a:spcAft>
-                <a:spcPts val="800"/>
-              </a:spcAft>
-              <a:buFont typeface="Arial" panose="020B0604020202020204" pitchFamily="34" charset="0"/>
-              <a:buChar char="•"/>
-            </a:pPr>
-            <a:r>
-              <a:rPr lang="en-ID" sz="2000" dirty="0"/>
-              <a:t>+ </a:t>
-            </a:r>
-            <a:r>
-              <a:rPr lang="en-ID" sz="2000" dirty="0" err="1"/>
-              <a:t>Struktur</a:t>
-            </a:r>
-            <a:r>
-              <a:rPr lang="en-ID" sz="2000" dirty="0"/>
-              <a:t> </a:t>
-            </a:r>
-            <a:r>
-              <a:rPr lang="en-ID" sz="2000" dirty="0" err="1"/>
-              <a:t>Kondisi</a:t>
-            </a:r>
-            <a:r>
-              <a:rPr lang="en-ID" sz="2000" dirty="0"/>
-              <a:t> For</a:t>
-            </a:r>
-          </a:p>
-          <a:p>
-            <a:pPr marL="285750" marR="0" indent="-285750">
-              <a:lnSpc>
-                <a:spcPct val="107000"/>
-              </a:lnSpc>
-              <a:spcBef>
-                <a:spcPts val="0"/>
-              </a:spcBef>
-              <a:spcAft>
-                <a:spcPts val="800"/>
-              </a:spcAft>
-              <a:buFont typeface="Arial" panose="020B0604020202020204" pitchFamily="34" charset="0"/>
-              <a:buChar char="•"/>
-            </a:pPr>
-            <a:r>
-              <a:rPr lang="en-ID" sz="2000" dirty="0"/>
-              <a:t>+ </a:t>
-            </a:r>
-            <a:r>
-              <a:rPr lang="en-ID" sz="2000" dirty="0" err="1"/>
-              <a:t>Struktur</a:t>
-            </a:r>
-            <a:r>
-              <a:rPr lang="en-ID" sz="2000" dirty="0"/>
-              <a:t> </a:t>
-            </a:r>
-            <a:r>
-              <a:rPr lang="en-ID" sz="2000" dirty="0" err="1"/>
-              <a:t>Kondisi</a:t>
-            </a:r>
-            <a:r>
-              <a:rPr lang="en-ID" sz="2000" dirty="0"/>
-              <a:t> While</a:t>
-            </a:r>
-            <a:endParaRPr lang="en-ID" sz="1500" dirty="0">
-              <a:solidFill>
-                <a:srgbClr val="000000"/>
-              </a:solidFill>
-              <a:latin typeface="Montserrat"/>
-              <a:ea typeface="Montserrat"/>
-              <a:cs typeface="Montserrat"/>
-              <a:sym typeface="Montserrat"/>
-            </a:endParaRPr>
-          </a:p>
-        </p:txBody>
-      </p:sp>
-    </p:spTree>
-    <p:extLst>
-      <p:ext uri="{BB962C8B-B14F-4D97-AF65-F5344CB8AC3E}">
-        <p14:creationId xmlns:p14="http://schemas.microsoft.com/office/powerpoint/2010/main" val="3078009489"/>
-      </p:ext>
-    </p:extLst>
-  </p:cSld>
-  <p:clrMapOvr>
-    <a:masterClrMapping/>
-  </p:clrMapOvr>
-</p:sld>
-</file>
-
-<file path=ppt/slides/slide3.xml><?xml version="1.0" encoding="utf-8"?>
-<p:sld xmlns:a="http://schemas.openxmlformats.org/drawingml/2006/main" xmlns:r="http://schemas.openxmlformats.org/officeDocument/2006/relationships" xmlns:p="http://schemas.openxmlformats.org/presentationml/2006/main">
-  <p:cSld>
-    <p:spTree>
-      <p:nvGrpSpPr>
-        <p:cNvPr id="1" name="Shape 80"/>
-        <p:cNvGrpSpPr/>
-        <p:nvPr/>
-      </p:nvGrpSpPr>
-      <p:grpSpPr>
-        <a:xfrm>
-          <a:off x="0" y="0"/>
-          <a:ext cx="0" cy="0"/>
-          <a:chOff x="0" y="0"/>
-          <a:chExt cx="0" cy="0"/>
-        </a:xfrm>
-      </p:grpSpPr>
-      <p:pic>
-        <p:nvPicPr>
-          <p:cNvPr id="81" name="Google Shape;81;p16"/>
-          <p:cNvPicPr preferRelativeResize="0"/>
-          <p:nvPr/>
-        </p:nvPicPr>
-        <p:blipFill rotWithShape="1">
-          <a:blip r:embed="rId3">
-            <a:alphaModFix/>
-          </a:blip>
-          <a:srcRect/>
-          <a:stretch/>
-        </p:blipFill>
-        <p:spPr>
-          <a:xfrm>
-            <a:off x="6773925" y="152400"/>
-            <a:ext cx="2370067" cy="4838700"/>
-          </a:xfrm>
-          <a:prstGeom prst="rect">
-            <a:avLst/>
-          </a:prstGeom>
-          <a:noFill/>
-          <a:ln>
-            <a:noFill/>
-          </a:ln>
-        </p:spPr>
-      </p:pic>
-      <p:cxnSp>
-        <p:nvCxnSpPr>
-          <p:cNvPr id="82" name="Google Shape;82;p16"/>
-          <p:cNvCxnSpPr/>
-          <p:nvPr/>
-        </p:nvCxnSpPr>
-        <p:spPr>
-          <a:xfrm flipH="1">
-            <a:off x="1640225" y="427100"/>
-            <a:ext cx="5884200" cy="8400"/>
-          </a:xfrm>
-          <a:prstGeom prst="straightConnector1">
-            <a:avLst/>
-          </a:prstGeom>
-          <a:noFill/>
-          <a:ln w="19050" cap="flat" cmpd="sng">
-            <a:solidFill>
-              <a:srgbClr val="761A79"/>
-            </a:solidFill>
-            <a:prstDash val="solid"/>
-            <a:round/>
-            <a:headEnd type="none" w="sm" len="sm"/>
-            <a:tailEnd type="none" w="sm" len="sm"/>
-          </a:ln>
-        </p:spPr>
-      </p:cxnSp>
-      <p:sp>
-        <p:nvSpPr>
-          <p:cNvPr id="84" name="Google Shape;84;p16"/>
-          <p:cNvSpPr txBox="1"/>
-          <p:nvPr/>
-        </p:nvSpPr>
-        <p:spPr>
-          <a:xfrm>
-            <a:off x="454375" y="144400"/>
-            <a:ext cx="2499000" cy="572700"/>
-          </a:xfrm>
-          <a:prstGeom prst="rect">
-            <a:avLst/>
-          </a:prstGeom>
-          <a:noFill/>
-          <a:ln>
-            <a:noFill/>
-          </a:ln>
-        </p:spPr>
-        <p:txBody>
-          <a:bodyPr spcFirstLastPara="1" wrap="square" lIns="91425" tIns="91425" rIns="91425" bIns="91425" anchor="ctr" anchorCtr="0">
-            <a:normAutofit/>
-          </a:bodyPr>
-          <a:lstStyle/>
-          <a:p>
-            <a:pPr marL="0" marR="0" lvl="0" indent="0" algn="l" rtl="0">
-              <a:lnSpc>
-                <a:spcPct val="100000"/>
-              </a:lnSpc>
-              <a:spcBef>
-                <a:spcPts val="0"/>
-              </a:spcBef>
-              <a:spcAft>
-                <a:spcPts val="0"/>
-              </a:spcAft>
-              <a:buClr>
-                <a:srgbClr val="000000"/>
-              </a:buClr>
-              <a:buSzPts val="1400"/>
-              <a:buFont typeface="Arial"/>
-              <a:buNone/>
-            </a:pPr>
-            <a:r>
-              <a:rPr lang="en" sz="1400" b="0" i="0" u="none" strike="noStrike" cap="none">
-                <a:solidFill>
-                  <a:srgbClr val="761A79"/>
-                </a:solidFill>
-                <a:latin typeface="Montserrat ExtraBold"/>
-                <a:ea typeface="Montserrat ExtraBold"/>
-                <a:cs typeface="Montserrat ExtraBold"/>
-                <a:sym typeface="Montserrat ExtraBold"/>
-              </a:rPr>
-              <a:t>Pengantar</a:t>
-            </a:r>
-            <a:endParaRPr sz="1400" b="0" i="0" u="none" strike="noStrike" cap="none">
-              <a:solidFill>
-                <a:srgbClr val="761A79"/>
-              </a:solidFill>
-              <a:latin typeface="Montserrat ExtraBold"/>
-              <a:ea typeface="Montserrat ExtraBold"/>
-              <a:cs typeface="Montserrat ExtraBold"/>
-              <a:sym typeface="Montserrat ExtraBold"/>
-            </a:endParaRPr>
-          </a:p>
-        </p:txBody>
-      </p:sp>
-      <p:sp>
-        <p:nvSpPr>
-          <p:cNvPr id="85" name="Google Shape;85;p16"/>
-          <p:cNvSpPr txBox="1"/>
-          <p:nvPr/>
-        </p:nvSpPr>
-        <p:spPr>
-          <a:xfrm>
-            <a:off x="8382000" y="4648200"/>
-            <a:ext cx="548700" cy="393600"/>
-          </a:xfrm>
-          <a:prstGeom prst="rect">
-            <a:avLst/>
-          </a:prstGeom>
-          <a:noFill/>
-          <a:ln>
-            <a:noFill/>
-          </a:ln>
-        </p:spPr>
-        <p:txBody>
-          <a:bodyPr spcFirstLastPara="1" wrap="square" lIns="91425" tIns="91425" rIns="91425" bIns="91425" anchor="ctr" anchorCtr="0">
-            <a:noAutofit/>
-          </a:bodyPr>
-          <a:lstStyle/>
-          <a:p>
-            <a:pPr marL="0" marR="0" lvl="0" indent="0" algn="r" rtl="0">
-              <a:lnSpc>
-                <a:spcPct val="100000"/>
-              </a:lnSpc>
-              <a:spcBef>
-                <a:spcPts val="0"/>
-              </a:spcBef>
-              <a:spcAft>
-                <a:spcPts val="0"/>
-              </a:spcAft>
-              <a:buClr>
-                <a:srgbClr val="000000"/>
-              </a:buClr>
-              <a:buSzPts val="1000"/>
-              <a:buFont typeface="Arial"/>
-              <a:buNone/>
-            </a:pPr>
-            <a:fld id="{00000000-1234-1234-1234-123412341234}" type="slidenum">
-              <a:rPr lang="en" sz="1000" b="1" i="0" u="none" strike="noStrike" cap="none">
-                <a:solidFill>
-                  <a:srgbClr val="733572"/>
-                </a:solidFill>
-                <a:latin typeface="Montserrat"/>
-                <a:ea typeface="Montserrat"/>
-                <a:cs typeface="Montserrat"/>
-                <a:sym typeface="Montserrat"/>
-              </a:rPr>
-              <a:t>3</a:t>
-            </a:fld>
-            <a:endParaRPr sz="1000" b="1" i="0" u="none" strike="noStrike" cap="none">
-              <a:solidFill>
-                <a:srgbClr val="733572"/>
-              </a:solidFill>
-              <a:latin typeface="Montserrat"/>
-              <a:ea typeface="Montserrat"/>
-              <a:cs typeface="Montserrat"/>
-              <a:sym typeface="Montserrat"/>
-            </a:endParaRPr>
-          </a:p>
-        </p:txBody>
-      </p:sp>
-      <p:sp>
-        <p:nvSpPr>
-          <p:cNvPr id="86" name="Google Shape;86;p16"/>
-          <p:cNvSpPr txBox="1"/>
-          <p:nvPr/>
-        </p:nvSpPr>
-        <p:spPr>
-          <a:xfrm>
-            <a:off x="402790" y="748200"/>
-            <a:ext cx="7657998" cy="3900000"/>
-          </a:xfrm>
-          <a:prstGeom prst="rect">
-            <a:avLst/>
-          </a:prstGeom>
-          <a:noFill/>
-          <a:ln>
-            <a:noFill/>
-          </a:ln>
-        </p:spPr>
-        <p:txBody>
-          <a:bodyPr spcFirstLastPara="1" wrap="square" lIns="91425" tIns="91425" rIns="91425" bIns="91425" anchor="ctr" anchorCtr="0">
-            <a:noAutofit/>
-          </a:bodyPr>
-          <a:lstStyle/>
-          <a:p>
-            <a:pPr marL="0" marR="0" lvl="0" indent="0" algn="just" rtl="0">
-              <a:lnSpc>
-                <a:spcPct val="115000"/>
-              </a:lnSpc>
-              <a:spcBef>
-                <a:spcPts val="0"/>
-              </a:spcBef>
-              <a:spcAft>
-                <a:spcPts val="0"/>
-              </a:spcAft>
-              <a:buClr>
-                <a:srgbClr val="000000"/>
-              </a:buClr>
-              <a:buSzPts val="1600"/>
-              <a:buFont typeface="Arial"/>
-              <a:buNone/>
-            </a:pPr>
             <a:r>
               <a:rPr lang="en-US" sz="1600" b="1" i="0" u="none" strike="noStrike" cap="none" dirty="0" err="1">
                 <a:solidFill>
@@ -7383,7 +7613,7 @@
 </p:sld>
 </file>
 
-<file path=ppt/slides/slide4.xml><?xml version="1.0" encoding="utf-8"?>
+<file path=ppt/slides/slide3.xml><?xml version="1.0" encoding="utf-8"?>
 <p:sld xmlns:a="http://schemas.openxmlformats.org/drawingml/2006/main" xmlns:r="http://schemas.openxmlformats.org/officeDocument/2006/relationships" xmlns:p="http://schemas.openxmlformats.org/presentationml/2006/main">
   <p:cSld>
     <p:bg>
@@ -7579,7 +7809,7 @@
                 <a:cs typeface="Montserrat"/>
                 <a:sym typeface="Montserrat"/>
               </a:rPr>
-              <a:t>4</a:t>
+              <a:t>3</a:t>
             </a:fld>
             <a:endParaRPr sz="1000" b="1" i="0" u="none" strike="noStrike" cap="none">
               <a:solidFill>
@@ -7836,7 +8066,7 @@
 </p:sld>
 </file>
 
-<file path=ppt/slides/slide5.xml><?xml version="1.0" encoding="utf-8"?>
+<file path=ppt/slides/slide4.xml><?xml version="1.0" encoding="utf-8"?>
 <p:sld xmlns:a="http://schemas.openxmlformats.org/drawingml/2006/main" xmlns:r="http://schemas.openxmlformats.org/officeDocument/2006/relationships" xmlns:p="http://schemas.openxmlformats.org/presentationml/2006/main">
   <p:cSld>
     <p:bg>
@@ -8032,7 +8262,7 @@
                 <a:cs typeface="Montserrat"/>
                 <a:sym typeface="Montserrat"/>
               </a:rPr>
-              <a:t>5</a:t>
+              <a:t>4</a:t>
             </a:fld>
             <a:endParaRPr sz="1000" b="1" i="0" u="none" strike="noStrike" cap="none">
               <a:solidFill>
@@ -8184,6 +8414,382 @@
     <p:extLst>
       <p:ext uri="{BB962C8B-B14F-4D97-AF65-F5344CB8AC3E}">
         <p14:creationId xmlns:p14="http://schemas.microsoft.com/office/powerpoint/2010/main" val="2562106204"/>
+      </p:ext>
+    </p:extLst>
+  </p:cSld>
+  <p:clrMapOvr>
+    <a:masterClrMapping/>
+  </p:clrMapOvr>
+</p:sld>
+</file>
+
+<file path=ppt/slides/slide5.xml><?xml version="1.0" encoding="utf-8"?>
+<p:sld xmlns:a="http://schemas.openxmlformats.org/drawingml/2006/main" xmlns:r="http://schemas.openxmlformats.org/officeDocument/2006/relationships" xmlns:p="http://schemas.openxmlformats.org/presentationml/2006/main">
+  <p:cSld>
+    <p:bg>
+      <p:bgPr>
+        <a:solidFill>
+          <a:srgbClr val="FFFFFF"/>
+        </a:solidFill>
+        <a:effectLst/>
+      </p:bgPr>
+    </p:bg>
+    <p:spTree>
+      <p:nvGrpSpPr>
+        <p:cNvPr id="1" name="Shape 80"/>
+        <p:cNvGrpSpPr/>
+        <p:nvPr/>
+      </p:nvGrpSpPr>
+      <p:grpSpPr>
+        <a:xfrm>
+          <a:off x="0" y="0"/>
+          <a:ext cx="0" cy="0"/>
+          <a:chOff x="0" y="0"/>
+          <a:chExt cx="0" cy="0"/>
+        </a:xfrm>
+      </p:grpSpPr>
+      <p:pic>
+        <p:nvPicPr>
+          <p:cNvPr id="81" name="Google Shape;81;p16"/>
+          <p:cNvPicPr preferRelativeResize="0"/>
+          <p:nvPr/>
+        </p:nvPicPr>
+        <p:blipFill rotWithShape="1">
+          <a:blip r:embed="rId3">
+            <a:alphaModFix/>
+          </a:blip>
+          <a:srcRect/>
+          <a:stretch/>
+        </p:blipFill>
+        <p:spPr>
+          <a:xfrm>
+            <a:off x="6773925" y="152400"/>
+            <a:ext cx="2370067" cy="4838700"/>
+          </a:xfrm>
+          <a:prstGeom prst="rect">
+            <a:avLst/>
+          </a:prstGeom>
+          <a:noFill/>
+          <a:ln>
+            <a:noFill/>
+          </a:ln>
+        </p:spPr>
+      </p:pic>
+      <p:cxnSp>
+        <p:nvCxnSpPr>
+          <p:cNvPr id="82" name="Google Shape;82;p16"/>
+          <p:cNvCxnSpPr/>
+          <p:nvPr/>
+        </p:nvCxnSpPr>
+        <p:spPr>
+          <a:xfrm flipH="1">
+            <a:off x="1640225" y="427100"/>
+            <a:ext cx="5884200" cy="8400"/>
+          </a:xfrm>
+          <a:prstGeom prst="straightConnector1">
+            <a:avLst/>
+          </a:prstGeom>
+          <a:noFill/>
+          <a:ln w="19050" cap="flat" cmpd="sng">
+            <a:solidFill>
+              <a:srgbClr val="761A79"/>
+            </a:solidFill>
+            <a:prstDash val="solid"/>
+            <a:round/>
+            <a:headEnd type="none" w="sm" len="sm"/>
+            <a:tailEnd type="none" w="sm" len="sm"/>
+          </a:ln>
+        </p:spPr>
+      </p:cxnSp>
+      <p:sp>
+        <p:nvSpPr>
+          <p:cNvPr id="84" name="Google Shape;84;p16"/>
+          <p:cNvSpPr txBox="1"/>
+          <p:nvPr/>
+        </p:nvSpPr>
+        <p:spPr>
+          <a:xfrm>
+            <a:off x="454375" y="144400"/>
+            <a:ext cx="2499000" cy="572700"/>
+          </a:xfrm>
+          <a:prstGeom prst="rect">
+            <a:avLst/>
+          </a:prstGeom>
+          <a:noFill/>
+          <a:ln>
+            <a:noFill/>
+          </a:ln>
+        </p:spPr>
+        <p:txBody>
+          <a:bodyPr spcFirstLastPara="1" wrap="square" lIns="91425" tIns="91425" rIns="91425" bIns="91425" anchor="ctr" anchorCtr="0">
+            <a:normAutofit/>
+          </a:bodyPr>
+          <a:lstStyle/>
+          <a:p>
+            <a:pPr marL="0" marR="0" lvl="0" indent="0" algn="l" rtl="0">
+              <a:lnSpc>
+                <a:spcPct val="100000"/>
+              </a:lnSpc>
+              <a:spcBef>
+                <a:spcPts val="0"/>
+              </a:spcBef>
+              <a:spcAft>
+                <a:spcPts val="0"/>
+              </a:spcAft>
+              <a:buClr>
+                <a:srgbClr val="000000"/>
+              </a:buClr>
+              <a:buSzPts val="1400"/>
+              <a:buFont typeface="Arial"/>
+              <a:buNone/>
+            </a:pPr>
+            <a:r>
+              <a:rPr lang="en" sz="1400" b="0" i="0" u="none" strike="noStrike" cap="none">
+                <a:solidFill>
+                  <a:srgbClr val="761A79"/>
+                </a:solidFill>
+                <a:latin typeface="Montserrat ExtraBold"/>
+                <a:ea typeface="Montserrat ExtraBold"/>
+                <a:cs typeface="Montserrat ExtraBold"/>
+                <a:sym typeface="Montserrat ExtraBold"/>
+              </a:rPr>
+              <a:t>Pengantar</a:t>
+            </a:r>
+            <a:endParaRPr sz="1400" b="0" i="0" u="none" strike="noStrike" cap="none">
+              <a:solidFill>
+                <a:srgbClr val="761A79"/>
+              </a:solidFill>
+              <a:latin typeface="Montserrat ExtraBold"/>
+              <a:ea typeface="Montserrat ExtraBold"/>
+              <a:cs typeface="Montserrat ExtraBold"/>
+              <a:sym typeface="Montserrat ExtraBold"/>
+            </a:endParaRPr>
+          </a:p>
+        </p:txBody>
+      </p:sp>
+      <p:sp>
+        <p:nvSpPr>
+          <p:cNvPr id="85" name="Google Shape;85;p16"/>
+          <p:cNvSpPr txBox="1"/>
+          <p:nvPr/>
+        </p:nvSpPr>
+        <p:spPr>
+          <a:xfrm>
+            <a:off x="8382000" y="4648200"/>
+            <a:ext cx="548700" cy="393600"/>
+          </a:xfrm>
+          <a:prstGeom prst="rect">
+            <a:avLst/>
+          </a:prstGeom>
+          <a:noFill/>
+          <a:ln>
+            <a:noFill/>
+          </a:ln>
+        </p:spPr>
+        <p:txBody>
+          <a:bodyPr spcFirstLastPara="1" wrap="square" lIns="91425" tIns="91425" rIns="91425" bIns="91425" anchor="ctr" anchorCtr="0">
+            <a:noAutofit/>
+          </a:bodyPr>
+          <a:lstStyle/>
+          <a:p>
+            <a:pPr marL="0" marR="0" lvl="0" indent="0" algn="r" rtl="0">
+              <a:lnSpc>
+                <a:spcPct val="100000"/>
+              </a:lnSpc>
+              <a:spcBef>
+                <a:spcPts val="0"/>
+              </a:spcBef>
+              <a:spcAft>
+                <a:spcPts val="0"/>
+              </a:spcAft>
+              <a:buClr>
+                <a:srgbClr val="000000"/>
+              </a:buClr>
+              <a:buSzPts val="1000"/>
+              <a:buFont typeface="Arial"/>
+              <a:buNone/>
+            </a:pPr>
+            <a:fld id="{00000000-1234-1234-1234-123412341234}" type="slidenum">
+              <a:rPr lang="en" sz="1000" b="1" i="0" u="none" strike="noStrike" cap="none">
+                <a:solidFill>
+                  <a:srgbClr val="733572"/>
+                </a:solidFill>
+                <a:latin typeface="Montserrat"/>
+                <a:ea typeface="Montserrat"/>
+                <a:cs typeface="Montserrat"/>
+                <a:sym typeface="Montserrat"/>
+              </a:rPr>
+              <a:t>5</a:t>
+            </a:fld>
+            <a:endParaRPr sz="1000" b="1" i="0" u="none" strike="noStrike" cap="none">
+              <a:solidFill>
+                <a:srgbClr val="733572"/>
+              </a:solidFill>
+              <a:latin typeface="Montserrat"/>
+              <a:ea typeface="Montserrat"/>
+              <a:cs typeface="Montserrat"/>
+              <a:sym typeface="Montserrat"/>
+            </a:endParaRPr>
+          </a:p>
+        </p:txBody>
+      </p:sp>
+      <p:sp>
+        <p:nvSpPr>
+          <p:cNvPr id="86" name="Google Shape;86;p16"/>
+          <p:cNvSpPr txBox="1"/>
+          <p:nvPr/>
+        </p:nvSpPr>
+        <p:spPr>
+          <a:xfrm>
+            <a:off x="454375" y="748200"/>
+            <a:ext cx="7657998" cy="555900"/>
+          </a:xfrm>
+          <a:prstGeom prst="rect">
+            <a:avLst/>
+          </a:prstGeom>
+          <a:noFill/>
+          <a:ln>
+            <a:noFill/>
+          </a:ln>
+        </p:spPr>
+        <p:txBody>
+          <a:bodyPr spcFirstLastPara="1" wrap="square" lIns="91425" tIns="91425" rIns="91425" bIns="91425" anchor="ctr" anchorCtr="0">
+            <a:noAutofit/>
+          </a:bodyPr>
+          <a:lstStyle/>
+          <a:p>
+            <a:pPr marL="0" marR="0" lvl="0" indent="0" algn="just" rtl="0">
+              <a:lnSpc>
+                <a:spcPct val="115000"/>
+              </a:lnSpc>
+              <a:spcBef>
+                <a:spcPts val="0"/>
+              </a:spcBef>
+              <a:spcAft>
+                <a:spcPts val="0"/>
+              </a:spcAft>
+              <a:buClr>
+                <a:srgbClr val="000000"/>
+              </a:buClr>
+              <a:buSzPts val="1600"/>
+              <a:buFont typeface="Arial"/>
+              <a:buNone/>
+            </a:pPr>
+            <a:r>
+              <a:rPr lang="en-US" sz="1600" b="1" i="0" u="none" strike="noStrike" cap="none" dirty="0">
+                <a:solidFill>
+                  <a:srgbClr val="743673"/>
+                </a:solidFill>
+                <a:latin typeface="Montserrat"/>
+                <a:ea typeface="Montserrat"/>
+                <a:cs typeface="Montserrat"/>
+                <a:sym typeface="Montserrat"/>
+              </a:rPr>
+              <a:t>Form Input : input_01.php</a:t>
+            </a:r>
+          </a:p>
+        </p:txBody>
+      </p:sp>
+      <p:pic>
+        <p:nvPicPr>
+          <p:cNvPr id="4" name="Picture 3">
+            <a:extLst>
+              <a:ext uri="{FF2B5EF4-FFF2-40B4-BE49-F238E27FC236}">
+                <a16:creationId xmlns:a16="http://schemas.microsoft.com/office/drawing/2014/main" id="{25731733-803C-43E1-3308-6D2E52DC108B}"/>
+              </a:ext>
+            </a:extLst>
+          </p:cNvPr>
+          <p:cNvPicPr>
+            <a:picLocks noChangeAspect="1"/>
+          </p:cNvPicPr>
+          <p:nvPr/>
+        </p:nvPicPr>
+        <p:blipFill>
+          <a:blip r:embed="rId4"/>
+          <a:stretch>
+            <a:fillRect/>
+          </a:stretch>
+        </p:blipFill>
+        <p:spPr>
+          <a:xfrm>
+            <a:off x="591351" y="1762880"/>
+            <a:ext cx="3641218" cy="1520795"/>
+          </a:xfrm>
+          <a:prstGeom prst="rect">
+            <a:avLst/>
+          </a:prstGeom>
+        </p:spPr>
+      </p:pic>
+      <p:sp>
+        <p:nvSpPr>
+          <p:cNvPr id="9" name="TextBox 8">
+            <a:extLst>
+              <a:ext uri="{FF2B5EF4-FFF2-40B4-BE49-F238E27FC236}">
+                <a16:creationId xmlns:a16="http://schemas.microsoft.com/office/drawing/2014/main" id="{E3018F77-1972-E51F-E720-DA651A0D326D}"/>
+              </a:ext>
+            </a:extLst>
+          </p:cNvPr>
+          <p:cNvSpPr txBox="1"/>
+          <p:nvPr/>
+        </p:nvSpPr>
+        <p:spPr>
+          <a:xfrm>
+            <a:off x="667375" y="3380620"/>
+            <a:ext cx="3914950" cy="307777"/>
+          </a:xfrm>
+          <a:prstGeom prst="rect">
+            <a:avLst/>
+          </a:prstGeom>
+          <a:noFill/>
+        </p:spPr>
+        <p:txBody>
+          <a:bodyPr wrap="square">
+            <a:spAutoFit/>
+          </a:bodyPr>
+          <a:lstStyle/>
+          <a:p>
+            <a:pPr algn="ctr"/>
+            <a:r>
+              <a:rPr lang="en-ID" b="1" dirty="0"/>
+              <a:t>Kode Program Input Text</a:t>
+            </a:r>
+          </a:p>
+        </p:txBody>
+      </p:sp>
+      <p:pic>
+        <p:nvPicPr>
+          <p:cNvPr id="12" name="Picture 11">
+            <a:extLst>
+              <a:ext uri="{FF2B5EF4-FFF2-40B4-BE49-F238E27FC236}">
+                <a16:creationId xmlns:a16="http://schemas.microsoft.com/office/drawing/2014/main" id="{1C900081-D551-20E2-9A69-E60F3AA853AF}"/>
+              </a:ext>
+            </a:extLst>
+          </p:cNvPr>
+          <p:cNvPicPr>
+            <a:picLocks noChangeAspect="1"/>
+          </p:cNvPicPr>
+          <p:nvPr/>
+        </p:nvPicPr>
+        <p:blipFill>
+          <a:blip r:embed="rId5"/>
+          <a:stretch>
+            <a:fillRect/>
+          </a:stretch>
+        </p:blipFill>
+        <p:spPr>
+          <a:xfrm>
+            <a:off x="4385377" y="1761895"/>
+            <a:ext cx="4672525" cy="2483153"/>
+          </a:xfrm>
+          <a:prstGeom prst="rect">
+            <a:avLst/>
+          </a:prstGeom>
+        </p:spPr>
+      </p:pic>
+    </p:spTree>
+    <p:extLst>
+      <p:ext uri="{BB962C8B-B14F-4D97-AF65-F5344CB8AC3E}">
+        <p14:creationId xmlns:p14="http://schemas.microsoft.com/office/powerpoint/2010/main" val="1343112182"/>
       </p:ext>
     </p:extLst>
   </p:cSld>
@@ -8233,7 +8839,7 @@
         </p:blipFill>
         <p:spPr>
           <a:xfrm>
-            <a:off x="6773925" y="101700"/>
+            <a:off x="6773925" y="152400"/>
             <a:ext cx="2370067" cy="4838700"/>
           </a:xfrm>
           <a:prstGeom prst="rect">
@@ -8405,6 +9011,1086 @@
       </p:sp>
       <p:sp>
         <p:nvSpPr>
+          <p:cNvPr id="86" name="Google Shape;86;p16"/>
+          <p:cNvSpPr txBox="1"/>
+          <p:nvPr/>
+        </p:nvSpPr>
+        <p:spPr>
+          <a:xfrm>
+            <a:off x="454375" y="748200"/>
+            <a:ext cx="7657998" cy="555900"/>
+          </a:xfrm>
+          <a:prstGeom prst="rect">
+            <a:avLst/>
+          </a:prstGeom>
+          <a:noFill/>
+          <a:ln>
+            <a:noFill/>
+          </a:ln>
+        </p:spPr>
+        <p:txBody>
+          <a:bodyPr spcFirstLastPara="1" wrap="square" lIns="91425" tIns="91425" rIns="91425" bIns="91425" anchor="ctr" anchorCtr="0">
+            <a:noAutofit/>
+          </a:bodyPr>
+          <a:lstStyle/>
+          <a:p>
+            <a:pPr marL="0" marR="0" lvl="0" indent="0" algn="just" rtl="0">
+              <a:lnSpc>
+                <a:spcPct val="115000"/>
+              </a:lnSpc>
+              <a:spcBef>
+                <a:spcPts val="0"/>
+              </a:spcBef>
+              <a:spcAft>
+                <a:spcPts val="0"/>
+              </a:spcAft>
+              <a:buClr>
+                <a:srgbClr val="000000"/>
+              </a:buClr>
+              <a:buSzPts val="1600"/>
+              <a:buFont typeface="Arial"/>
+              <a:buNone/>
+            </a:pPr>
+            <a:r>
+              <a:rPr lang="en-US" sz="1600" b="1" i="0" u="none" strike="noStrike" cap="none" dirty="0">
+                <a:solidFill>
+                  <a:srgbClr val="743673"/>
+                </a:solidFill>
+                <a:latin typeface="Montserrat"/>
+                <a:ea typeface="Montserrat"/>
+                <a:cs typeface="Montserrat"/>
+                <a:sym typeface="Montserrat"/>
+              </a:rPr>
+              <a:t>Output Form Input : input_01.php</a:t>
+            </a:r>
+          </a:p>
+        </p:txBody>
+      </p:sp>
+      <p:pic>
+        <p:nvPicPr>
+          <p:cNvPr id="6" name="Picture 5">
+            <a:extLst>
+              <a:ext uri="{FF2B5EF4-FFF2-40B4-BE49-F238E27FC236}">
+                <a16:creationId xmlns:a16="http://schemas.microsoft.com/office/drawing/2014/main" id="{E55D6F91-23E4-36A6-6C36-7A407AB15647}"/>
+              </a:ext>
+            </a:extLst>
+          </p:cNvPr>
+          <p:cNvPicPr>
+            <a:picLocks noChangeAspect="1"/>
+          </p:cNvPicPr>
+          <p:nvPr/>
+        </p:nvPicPr>
+        <p:blipFill>
+          <a:blip r:embed="rId4"/>
+          <a:stretch>
+            <a:fillRect/>
+          </a:stretch>
+        </p:blipFill>
+        <p:spPr>
+          <a:xfrm>
+            <a:off x="2906175" y="1475720"/>
+            <a:ext cx="2798664" cy="2363681"/>
+          </a:xfrm>
+          <a:prstGeom prst="rect">
+            <a:avLst/>
+          </a:prstGeom>
+        </p:spPr>
+      </p:pic>
+      <p:sp>
+        <p:nvSpPr>
+          <p:cNvPr id="10" name="TextBox 9">
+            <a:extLst>
+              <a:ext uri="{FF2B5EF4-FFF2-40B4-BE49-F238E27FC236}">
+                <a16:creationId xmlns:a16="http://schemas.microsoft.com/office/drawing/2014/main" id="{081D5924-DF1E-5D45-CA5B-9DD93E964A5F}"/>
+              </a:ext>
+            </a:extLst>
+          </p:cNvPr>
+          <p:cNvSpPr txBox="1"/>
+          <p:nvPr/>
+        </p:nvSpPr>
+        <p:spPr>
+          <a:xfrm>
+            <a:off x="2348032" y="3685512"/>
+            <a:ext cx="3914950" cy="307777"/>
+          </a:xfrm>
+          <a:prstGeom prst="rect">
+            <a:avLst/>
+          </a:prstGeom>
+          <a:noFill/>
+        </p:spPr>
+        <p:txBody>
+          <a:bodyPr wrap="square">
+            <a:spAutoFit/>
+          </a:bodyPr>
+          <a:lstStyle/>
+          <a:p>
+            <a:pPr algn="ctr"/>
+            <a:r>
+              <a:rPr lang="en-ID" b="1" dirty="0"/>
+              <a:t>Output Input Text</a:t>
+            </a:r>
+          </a:p>
+        </p:txBody>
+      </p:sp>
+    </p:spTree>
+    <p:extLst>
+      <p:ext uri="{BB962C8B-B14F-4D97-AF65-F5344CB8AC3E}">
+        <p14:creationId xmlns:p14="http://schemas.microsoft.com/office/powerpoint/2010/main" val="194999450"/>
+      </p:ext>
+    </p:extLst>
+  </p:cSld>
+  <p:clrMapOvr>
+    <a:masterClrMapping/>
+  </p:clrMapOvr>
+</p:sld>
+</file>
+
+<file path=ppt/slides/slide7.xml><?xml version="1.0" encoding="utf-8"?>
+<p:sld xmlns:a="http://schemas.openxmlformats.org/drawingml/2006/main" xmlns:r="http://schemas.openxmlformats.org/officeDocument/2006/relationships" xmlns:p="http://schemas.openxmlformats.org/presentationml/2006/main">
+  <p:cSld>
+    <p:bg>
+      <p:bgPr>
+        <a:solidFill>
+          <a:srgbClr val="FFFFFF"/>
+        </a:solidFill>
+        <a:effectLst/>
+      </p:bgPr>
+    </p:bg>
+    <p:spTree>
+      <p:nvGrpSpPr>
+        <p:cNvPr id="1" name="Shape 80"/>
+        <p:cNvGrpSpPr/>
+        <p:nvPr/>
+      </p:nvGrpSpPr>
+      <p:grpSpPr>
+        <a:xfrm>
+          <a:off x="0" y="0"/>
+          <a:ext cx="0" cy="0"/>
+          <a:chOff x="0" y="0"/>
+          <a:chExt cx="0" cy="0"/>
+        </a:xfrm>
+      </p:grpSpPr>
+      <p:pic>
+        <p:nvPicPr>
+          <p:cNvPr id="81" name="Google Shape;81;p16"/>
+          <p:cNvPicPr preferRelativeResize="0"/>
+          <p:nvPr/>
+        </p:nvPicPr>
+        <p:blipFill rotWithShape="1">
+          <a:blip r:embed="rId3">
+            <a:alphaModFix/>
+          </a:blip>
+          <a:srcRect/>
+          <a:stretch/>
+        </p:blipFill>
+        <p:spPr>
+          <a:xfrm>
+            <a:off x="6773925" y="152400"/>
+            <a:ext cx="2370067" cy="4838700"/>
+          </a:xfrm>
+          <a:prstGeom prst="rect">
+            <a:avLst/>
+          </a:prstGeom>
+          <a:noFill/>
+          <a:ln>
+            <a:noFill/>
+          </a:ln>
+        </p:spPr>
+      </p:pic>
+      <p:cxnSp>
+        <p:nvCxnSpPr>
+          <p:cNvPr id="82" name="Google Shape;82;p16"/>
+          <p:cNvCxnSpPr/>
+          <p:nvPr/>
+        </p:nvCxnSpPr>
+        <p:spPr>
+          <a:xfrm flipH="1">
+            <a:off x="1640225" y="427100"/>
+            <a:ext cx="5884200" cy="8400"/>
+          </a:xfrm>
+          <a:prstGeom prst="straightConnector1">
+            <a:avLst/>
+          </a:prstGeom>
+          <a:noFill/>
+          <a:ln w="19050" cap="flat" cmpd="sng">
+            <a:solidFill>
+              <a:srgbClr val="761A79"/>
+            </a:solidFill>
+            <a:prstDash val="solid"/>
+            <a:round/>
+            <a:headEnd type="none" w="sm" len="sm"/>
+            <a:tailEnd type="none" w="sm" len="sm"/>
+          </a:ln>
+        </p:spPr>
+      </p:cxnSp>
+      <p:sp>
+        <p:nvSpPr>
+          <p:cNvPr id="84" name="Google Shape;84;p16"/>
+          <p:cNvSpPr txBox="1"/>
+          <p:nvPr/>
+        </p:nvSpPr>
+        <p:spPr>
+          <a:xfrm>
+            <a:off x="454375" y="144400"/>
+            <a:ext cx="2499000" cy="572700"/>
+          </a:xfrm>
+          <a:prstGeom prst="rect">
+            <a:avLst/>
+          </a:prstGeom>
+          <a:noFill/>
+          <a:ln>
+            <a:noFill/>
+          </a:ln>
+        </p:spPr>
+        <p:txBody>
+          <a:bodyPr spcFirstLastPara="1" wrap="square" lIns="91425" tIns="91425" rIns="91425" bIns="91425" anchor="ctr" anchorCtr="0">
+            <a:normAutofit/>
+          </a:bodyPr>
+          <a:lstStyle/>
+          <a:p>
+            <a:pPr marL="0" marR="0" lvl="0" indent="0" algn="l" rtl="0">
+              <a:lnSpc>
+                <a:spcPct val="100000"/>
+              </a:lnSpc>
+              <a:spcBef>
+                <a:spcPts val="0"/>
+              </a:spcBef>
+              <a:spcAft>
+                <a:spcPts val="0"/>
+              </a:spcAft>
+              <a:buClr>
+                <a:srgbClr val="000000"/>
+              </a:buClr>
+              <a:buSzPts val="1400"/>
+              <a:buFont typeface="Arial"/>
+              <a:buNone/>
+            </a:pPr>
+            <a:r>
+              <a:rPr lang="en" sz="1400" b="0" i="0" u="none" strike="noStrike" cap="none">
+                <a:solidFill>
+                  <a:srgbClr val="761A79"/>
+                </a:solidFill>
+                <a:latin typeface="Montserrat ExtraBold"/>
+                <a:ea typeface="Montserrat ExtraBold"/>
+                <a:cs typeface="Montserrat ExtraBold"/>
+                <a:sym typeface="Montserrat ExtraBold"/>
+              </a:rPr>
+              <a:t>Pengantar</a:t>
+            </a:r>
+            <a:endParaRPr sz="1400" b="0" i="0" u="none" strike="noStrike" cap="none">
+              <a:solidFill>
+                <a:srgbClr val="761A79"/>
+              </a:solidFill>
+              <a:latin typeface="Montserrat ExtraBold"/>
+              <a:ea typeface="Montserrat ExtraBold"/>
+              <a:cs typeface="Montserrat ExtraBold"/>
+              <a:sym typeface="Montserrat ExtraBold"/>
+            </a:endParaRPr>
+          </a:p>
+        </p:txBody>
+      </p:sp>
+      <p:sp>
+        <p:nvSpPr>
+          <p:cNvPr id="85" name="Google Shape;85;p16"/>
+          <p:cNvSpPr txBox="1"/>
+          <p:nvPr/>
+        </p:nvSpPr>
+        <p:spPr>
+          <a:xfrm>
+            <a:off x="8382000" y="4648200"/>
+            <a:ext cx="548700" cy="393600"/>
+          </a:xfrm>
+          <a:prstGeom prst="rect">
+            <a:avLst/>
+          </a:prstGeom>
+          <a:noFill/>
+          <a:ln>
+            <a:noFill/>
+          </a:ln>
+        </p:spPr>
+        <p:txBody>
+          <a:bodyPr spcFirstLastPara="1" wrap="square" lIns="91425" tIns="91425" rIns="91425" bIns="91425" anchor="ctr" anchorCtr="0">
+            <a:noAutofit/>
+          </a:bodyPr>
+          <a:lstStyle/>
+          <a:p>
+            <a:pPr marL="0" marR="0" lvl="0" indent="0" algn="r" rtl="0">
+              <a:lnSpc>
+                <a:spcPct val="100000"/>
+              </a:lnSpc>
+              <a:spcBef>
+                <a:spcPts val="0"/>
+              </a:spcBef>
+              <a:spcAft>
+                <a:spcPts val="0"/>
+              </a:spcAft>
+              <a:buClr>
+                <a:srgbClr val="000000"/>
+              </a:buClr>
+              <a:buSzPts val="1000"/>
+              <a:buFont typeface="Arial"/>
+              <a:buNone/>
+            </a:pPr>
+            <a:fld id="{00000000-1234-1234-1234-123412341234}" type="slidenum">
+              <a:rPr lang="en" sz="1000" b="1" i="0" u="none" strike="noStrike" cap="none">
+                <a:solidFill>
+                  <a:srgbClr val="733572"/>
+                </a:solidFill>
+                <a:latin typeface="Montserrat"/>
+                <a:ea typeface="Montserrat"/>
+                <a:cs typeface="Montserrat"/>
+                <a:sym typeface="Montserrat"/>
+              </a:rPr>
+              <a:t>7</a:t>
+            </a:fld>
+            <a:endParaRPr sz="1000" b="1" i="0" u="none" strike="noStrike" cap="none">
+              <a:solidFill>
+                <a:srgbClr val="733572"/>
+              </a:solidFill>
+              <a:latin typeface="Montserrat"/>
+              <a:ea typeface="Montserrat"/>
+              <a:cs typeface="Montserrat"/>
+              <a:sym typeface="Montserrat"/>
+            </a:endParaRPr>
+          </a:p>
+        </p:txBody>
+      </p:sp>
+      <p:sp>
+        <p:nvSpPr>
+          <p:cNvPr id="86" name="Google Shape;86;p16"/>
+          <p:cNvSpPr txBox="1"/>
+          <p:nvPr/>
+        </p:nvSpPr>
+        <p:spPr>
+          <a:xfrm>
+            <a:off x="454375" y="748200"/>
+            <a:ext cx="7657998" cy="555900"/>
+          </a:xfrm>
+          <a:prstGeom prst="rect">
+            <a:avLst/>
+          </a:prstGeom>
+          <a:noFill/>
+          <a:ln>
+            <a:noFill/>
+          </a:ln>
+        </p:spPr>
+        <p:txBody>
+          <a:bodyPr spcFirstLastPara="1" wrap="square" lIns="91425" tIns="91425" rIns="91425" bIns="91425" anchor="ctr" anchorCtr="0">
+            <a:noAutofit/>
+          </a:bodyPr>
+          <a:lstStyle/>
+          <a:p>
+            <a:pPr marL="0" marR="0" lvl="0" indent="0" algn="just" rtl="0">
+              <a:lnSpc>
+                <a:spcPct val="115000"/>
+              </a:lnSpc>
+              <a:spcBef>
+                <a:spcPts val="0"/>
+              </a:spcBef>
+              <a:spcAft>
+                <a:spcPts val="0"/>
+              </a:spcAft>
+              <a:buClr>
+                <a:srgbClr val="000000"/>
+              </a:buClr>
+              <a:buSzPts val="1600"/>
+              <a:buFont typeface="Arial"/>
+              <a:buNone/>
+            </a:pPr>
+            <a:r>
+              <a:rPr lang="en-US" sz="1600" b="1" i="0" u="none" strike="noStrike" cap="none" dirty="0">
+                <a:solidFill>
+                  <a:srgbClr val="743673"/>
+                </a:solidFill>
+                <a:latin typeface="Montserrat"/>
+                <a:ea typeface="Montserrat"/>
+                <a:cs typeface="Montserrat"/>
+                <a:sym typeface="Montserrat"/>
+              </a:rPr>
+              <a:t>Form Input dan Proses </a:t>
+            </a:r>
+            <a:r>
+              <a:rPr lang="en-US" sz="1600" b="1" i="0" u="none" strike="noStrike" cap="none" dirty="0" err="1">
+                <a:solidFill>
+                  <a:srgbClr val="743673"/>
+                </a:solidFill>
+                <a:latin typeface="Montserrat"/>
+                <a:ea typeface="Montserrat"/>
+                <a:cs typeface="Montserrat"/>
+                <a:sym typeface="Montserrat"/>
+              </a:rPr>
+              <a:t>beda</a:t>
+            </a:r>
+            <a:r>
+              <a:rPr lang="en-US" sz="1600" b="1" i="0" u="none" strike="noStrike" cap="none" dirty="0">
+                <a:solidFill>
+                  <a:srgbClr val="743673"/>
+                </a:solidFill>
+                <a:latin typeface="Montserrat"/>
+                <a:ea typeface="Montserrat"/>
+                <a:cs typeface="Montserrat"/>
+                <a:sym typeface="Montserrat"/>
+              </a:rPr>
+              <a:t> Class</a:t>
+            </a:r>
+          </a:p>
+        </p:txBody>
+      </p:sp>
+      <p:pic>
+        <p:nvPicPr>
+          <p:cNvPr id="3" name="Picture 2">
+            <a:extLst>
+              <a:ext uri="{FF2B5EF4-FFF2-40B4-BE49-F238E27FC236}">
+                <a16:creationId xmlns:a16="http://schemas.microsoft.com/office/drawing/2014/main" id="{24A07009-BD47-DEBB-68CC-61FD03425C0D}"/>
+              </a:ext>
+            </a:extLst>
+          </p:cNvPr>
+          <p:cNvPicPr>
+            <a:picLocks noChangeAspect="1"/>
+          </p:cNvPicPr>
+          <p:nvPr/>
+        </p:nvPicPr>
+        <p:blipFill>
+          <a:blip r:embed="rId4"/>
+          <a:stretch>
+            <a:fillRect/>
+          </a:stretch>
+        </p:blipFill>
+        <p:spPr>
+          <a:xfrm>
+            <a:off x="454375" y="1312900"/>
+            <a:ext cx="4863213" cy="1720610"/>
+          </a:xfrm>
+          <a:prstGeom prst="rect">
+            <a:avLst/>
+          </a:prstGeom>
+        </p:spPr>
+      </p:pic>
+      <p:pic>
+        <p:nvPicPr>
+          <p:cNvPr id="6" name="Picture 5">
+            <a:extLst>
+              <a:ext uri="{FF2B5EF4-FFF2-40B4-BE49-F238E27FC236}">
+                <a16:creationId xmlns:a16="http://schemas.microsoft.com/office/drawing/2014/main" id="{DFC13E3D-3B88-E1FF-465E-5C3343E00BDE}"/>
+              </a:ext>
+            </a:extLst>
+          </p:cNvPr>
+          <p:cNvPicPr>
+            <a:picLocks noChangeAspect="1"/>
+          </p:cNvPicPr>
+          <p:nvPr/>
+        </p:nvPicPr>
+        <p:blipFill>
+          <a:blip r:embed="rId5"/>
+          <a:stretch>
+            <a:fillRect/>
+          </a:stretch>
+        </p:blipFill>
+        <p:spPr>
+          <a:xfrm>
+            <a:off x="392137" y="3054300"/>
+            <a:ext cx="6629400" cy="1790700"/>
+          </a:xfrm>
+          <a:prstGeom prst="rect">
+            <a:avLst/>
+          </a:prstGeom>
+        </p:spPr>
+      </p:pic>
+    </p:spTree>
+    <p:extLst>
+      <p:ext uri="{BB962C8B-B14F-4D97-AF65-F5344CB8AC3E}">
+        <p14:creationId xmlns:p14="http://schemas.microsoft.com/office/powerpoint/2010/main" val="2111901296"/>
+      </p:ext>
+    </p:extLst>
+  </p:cSld>
+  <p:clrMapOvr>
+    <a:masterClrMapping/>
+  </p:clrMapOvr>
+</p:sld>
+</file>
+
+<file path=ppt/slides/slide8.xml><?xml version="1.0" encoding="utf-8"?>
+<p:sld xmlns:a="http://schemas.openxmlformats.org/drawingml/2006/main" xmlns:r="http://schemas.openxmlformats.org/officeDocument/2006/relationships" xmlns:p="http://schemas.openxmlformats.org/presentationml/2006/main">
+  <p:cSld>
+    <p:bg>
+      <p:bgPr>
+        <a:solidFill>
+          <a:srgbClr val="FFFFFF"/>
+        </a:solidFill>
+        <a:effectLst/>
+      </p:bgPr>
+    </p:bg>
+    <p:spTree>
+      <p:nvGrpSpPr>
+        <p:cNvPr id="1" name="Shape 80"/>
+        <p:cNvGrpSpPr/>
+        <p:nvPr/>
+      </p:nvGrpSpPr>
+      <p:grpSpPr>
+        <a:xfrm>
+          <a:off x="0" y="0"/>
+          <a:ext cx="0" cy="0"/>
+          <a:chOff x="0" y="0"/>
+          <a:chExt cx="0" cy="0"/>
+        </a:xfrm>
+      </p:grpSpPr>
+      <p:pic>
+        <p:nvPicPr>
+          <p:cNvPr id="81" name="Google Shape;81;p16"/>
+          <p:cNvPicPr preferRelativeResize="0"/>
+          <p:nvPr/>
+        </p:nvPicPr>
+        <p:blipFill rotWithShape="1">
+          <a:blip r:embed="rId3">
+            <a:alphaModFix/>
+          </a:blip>
+          <a:srcRect/>
+          <a:stretch/>
+        </p:blipFill>
+        <p:spPr>
+          <a:xfrm>
+            <a:off x="6773925" y="152400"/>
+            <a:ext cx="2370067" cy="4838700"/>
+          </a:xfrm>
+          <a:prstGeom prst="rect">
+            <a:avLst/>
+          </a:prstGeom>
+          <a:noFill/>
+          <a:ln>
+            <a:noFill/>
+          </a:ln>
+        </p:spPr>
+      </p:pic>
+      <p:cxnSp>
+        <p:nvCxnSpPr>
+          <p:cNvPr id="82" name="Google Shape;82;p16"/>
+          <p:cNvCxnSpPr/>
+          <p:nvPr/>
+        </p:nvCxnSpPr>
+        <p:spPr>
+          <a:xfrm flipH="1">
+            <a:off x="1640225" y="427100"/>
+            <a:ext cx="5884200" cy="8400"/>
+          </a:xfrm>
+          <a:prstGeom prst="straightConnector1">
+            <a:avLst/>
+          </a:prstGeom>
+          <a:noFill/>
+          <a:ln w="19050" cap="flat" cmpd="sng">
+            <a:solidFill>
+              <a:srgbClr val="761A79"/>
+            </a:solidFill>
+            <a:prstDash val="solid"/>
+            <a:round/>
+            <a:headEnd type="none" w="sm" len="sm"/>
+            <a:tailEnd type="none" w="sm" len="sm"/>
+          </a:ln>
+        </p:spPr>
+      </p:cxnSp>
+      <p:sp>
+        <p:nvSpPr>
+          <p:cNvPr id="84" name="Google Shape;84;p16"/>
+          <p:cNvSpPr txBox="1"/>
+          <p:nvPr/>
+        </p:nvSpPr>
+        <p:spPr>
+          <a:xfrm>
+            <a:off x="454375" y="144400"/>
+            <a:ext cx="2499000" cy="572700"/>
+          </a:xfrm>
+          <a:prstGeom prst="rect">
+            <a:avLst/>
+          </a:prstGeom>
+          <a:noFill/>
+          <a:ln>
+            <a:noFill/>
+          </a:ln>
+        </p:spPr>
+        <p:txBody>
+          <a:bodyPr spcFirstLastPara="1" wrap="square" lIns="91425" tIns="91425" rIns="91425" bIns="91425" anchor="ctr" anchorCtr="0">
+            <a:normAutofit/>
+          </a:bodyPr>
+          <a:lstStyle/>
+          <a:p>
+            <a:pPr marL="0" marR="0" lvl="0" indent="0" algn="l" rtl="0">
+              <a:lnSpc>
+                <a:spcPct val="100000"/>
+              </a:lnSpc>
+              <a:spcBef>
+                <a:spcPts val="0"/>
+              </a:spcBef>
+              <a:spcAft>
+                <a:spcPts val="0"/>
+              </a:spcAft>
+              <a:buClr>
+                <a:srgbClr val="000000"/>
+              </a:buClr>
+              <a:buSzPts val="1400"/>
+              <a:buFont typeface="Arial"/>
+              <a:buNone/>
+            </a:pPr>
+            <a:r>
+              <a:rPr lang="en" sz="1400" b="0" i="0" u="none" strike="noStrike" cap="none">
+                <a:solidFill>
+                  <a:srgbClr val="761A79"/>
+                </a:solidFill>
+                <a:latin typeface="Montserrat ExtraBold"/>
+                <a:ea typeface="Montserrat ExtraBold"/>
+                <a:cs typeface="Montserrat ExtraBold"/>
+                <a:sym typeface="Montserrat ExtraBold"/>
+              </a:rPr>
+              <a:t>Pengantar</a:t>
+            </a:r>
+            <a:endParaRPr sz="1400" b="0" i="0" u="none" strike="noStrike" cap="none">
+              <a:solidFill>
+                <a:srgbClr val="761A79"/>
+              </a:solidFill>
+              <a:latin typeface="Montserrat ExtraBold"/>
+              <a:ea typeface="Montserrat ExtraBold"/>
+              <a:cs typeface="Montserrat ExtraBold"/>
+              <a:sym typeface="Montserrat ExtraBold"/>
+            </a:endParaRPr>
+          </a:p>
+        </p:txBody>
+      </p:sp>
+      <p:sp>
+        <p:nvSpPr>
+          <p:cNvPr id="85" name="Google Shape;85;p16"/>
+          <p:cNvSpPr txBox="1"/>
+          <p:nvPr/>
+        </p:nvSpPr>
+        <p:spPr>
+          <a:xfrm>
+            <a:off x="8382000" y="4648200"/>
+            <a:ext cx="548700" cy="393600"/>
+          </a:xfrm>
+          <a:prstGeom prst="rect">
+            <a:avLst/>
+          </a:prstGeom>
+          <a:noFill/>
+          <a:ln>
+            <a:noFill/>
+          </a:ln>
+        </p:spPr>
+        <p:txBody>
+          <a:bodyPr spcFirstLastPara="1" wrap="square" lIns="91425" tIns="91425" rIns="91425" bIns="91425" anchor="ctr" anchorCtr="0">
+            <a:noAutofit/>
+          </a:bodyPr>
+          <a:lstStyle/>
+          <a:p>
+            <a:pPr marL="0" marR="0" lvl="0" indent="0" algn="r" rtl="0">
+              <a:lnSpc>
+                <a:spcPct val="100000"/>
+              </a:lnSpc>
+              <a:spcBef>
+                <a:spcPts val="0"/>
+              </a:spcBef>
+              <a:spcAft>
+                <a:spcPts val="0"/>
+              </a:spcAft>
+              <a:buClr>
+                <a:srgbClr val="000000"/>
+              </a:buClr>
+              <a:buSzPts val="1000"/>
+              <a:buFont typeface="Arial"/>
+              <a:buNone/>
+            </a:pPr>
+            <a:fld id="{00000000-1234-1234-1234-123412341234}" type="slidenum">
+              <a:rPr lang="en" sz="1000" b="1" i="0" u="none" strike="noStrike" cap="none">
+                <a:solidFill>
+                  <a:srgbClr val="733572"/>
+                </a:solidFill>
+                <a:latin typeface="Montserrat"/>
+                <a:ea typeface="Montserrat"/>
+                <a:cs typeface="Montserrat"/>
+                <a:sym typeface="Montserrat"/>
+              </a:rPr>
+              <a:t>8</a:t>
+            </a:fld>
+            <a:endParaRPr sz="1000" b="1" i="0" u="none" strike="noStrike" cap="none">
+              <a:solidFill>
+                <a:srgbClr val="733572"/>
+              </a:solidFill>
+              <a:latin typeface="Montserrat"/>
+              <a:ea typeface="Montserrat"/>
+              <a:cs typeface="Montserrat"/>
+              <a:sym typeface="Montserrat"/>
+            </a:endParaRPr>
+          </a:p>
+        </p:txBody>
+      </p:sp>
+      <p:sp>
+        <p:nvSpPr>
+          <p:cNvPr id="86" name="Google Shape;86;p16"/>
+          <p:cNvSpPr txBox="1"/>
+          <p:nvPr/>
+        </p:nvSpPr>
+        <p:spPr>
+          <a:xfrm>
+            <a:off x="454375" y="606754"/>
+            <a:ext cx="7657998" cy="555900"/>
+          </a:xfrm>
+          <a:prstGeom prst="rect">
+            <a:avLst/>
+          </a:prstGeom>
+          <a:noFill/>
+          <a:ln>
+            <a:noFill/>
+          </a:ln>
+        </p:spPr>
+        <p:txBody>
+          <a:bodyPr spcFirstLastPara="1" wrap="square" lIns="91425" tIns="91425" rIns="91425" bIns="91425" anchor="ctr" anchorCtr="0">
+            <a:noAutofit/>
+          </a:bodyPr>
+          <a:lstStyle/>
+          <a:p>
+            <a:pPr marL="0" marR="0" lvl="0" indent="0" algn="just" rtl="0">
+              <a:lnSpc>
+                <a:spcPct val="115000"/>
+              </a:lnSpc>
+              <a:spcBef>
+                <a:spcPts val="0"/>
+              </a:spcBef>
+              <a:spcAft>
+                <a:spcPts val="0"/>
+              </a:spcAft>
+              <a:buClr>
+                <a:srgbClr val="000000"/>
+              </a:buClr>
+              <a:buSzPts val="1600"/>
+              <a:buFont typeface="Arial"/>
+              <a:buNone/>
+            </a:pPr>
+            <a:r>
+              <a:rPr lang="en-US" sz="1600" b="1" i="0" u="none" strike="noStrike" cap="none" dirty="0">
+                <a:solidFill>
+                  <a:srgbClr val="743673"/>
+                </a:solidFill>
+                <a:latin typeface="Montserrat"/>
+                <a:ea typeface="Montserrat"/>
+                <a:cs typeface="Montserrat"/>
+                <a:sym typeface="Montserrat"/>
+              </a:rPr>
+              <a:t>Output Form Input dan Proses </a:t>
+            </a:r>
+            <a:r>
+              <a:rPr lang="en-US" sz="1600" b="1" i="0" u="none" strike="noStrike" cap="none" dirty="0" err="1">
+                <a:solidFill>
+                  <a:srgbClr val="743673"/>
+                </a:solidFill>
+                <a:latin typeface="Montserrat"/>
+                <a:ea typeface="Montserrat"/>
+                <a:cs typeface="Montserrat"/>
+                <a:sym typeface="Montserrat"/>
+              </a:rPr>
+              <a:t>beda</a:t>
+            </a:r>
+            <a:r>
+              <a:rPr lang="en-US" sz="1600" b="1" i="0" u="none" strike="noStrike" cap="none" dirty="0">
+                <a:solidFill>
+                  <a:srgbClr val="743673"/>
+                </a:solidFill>
+                <a:latin typeface="Montserrat"/>
+                <a:ea typeface="Montserrat"/>
+                <a:cs typeface="Montserrat"/>
+                <a:sym typeface="Montserrat"/>
+              </a:rPr>
+              <a:t> Class</a:t>
+            </a:r>
+          </a:p>
+        </p:txBody>
+      </p:sp>
+      <p:sp>
+        <p:nvSpPr>
+          <p:cNvPr id="10" name="TextBox 9">
+            <a:extLst>
+              <a:ext uri="{FF2B5EF4-FFF2-40B4-BE49-F238E27FC236}">
+                <a16:creationId xmlns:a16="http://schemas.microsoft.com/office/drawing/2014/main" id="{081D5924-DF1E-5D45-CA5B-9DD93E964A5F}"/>
+              </a:ext>
+            </a:extLst>
+          </p:cNvPr>
+          <p:cNvSpPr txBox="1"/>
+          <p:nvPr/>
+        </p:nvSpPr>
+        <p:spPr>
+          <a:xfrm>
+            <a:off x="2348032" y="3685512"/>
+            <a:ext cx="3914950" cy="307777"/>
+          </a:xfrm>
+          <a:prstGeom prst="rect">
+            <a:avLst/>
+          </a:prstGeom>
+          <a:noFill/>
+        </p:spPr>
+        <p:txBody>
+          <a:bodyPr wrap="square">
+            <a:spAutoFit/>
+          </a:bodyPr>
+          <a:lstStyle/>
+          <a:p>
+            <a:pPr algn="ctr"/>
+            <a:r>
+              <a:rPr lang="en-ID" b="1" dirty="0"/>
+              <a:t>Output Input Text</a:t>
+            </a:r>
+          </a:p>
+        </p:txBody>
+      </p:sp>
+      <p:pic>
+        <p:nvPicPr>
+          <p:cNvPr id="3" name="Picture 2">
+            <a:extLst>
+              <a:ext uri="{FF2B5EF4-FFF2-40B4-BE49-F238E27FC236}">
+                <a16:creationId xmlns:a16="http://schemas.microsoft.com/office/drawing/2014/main" id="{49587CD2-AFF4-A3E0-BA34-E454881D5F51}"/>
+              </a:ext>
+            </a:extLst>
+          </p:cNvPr>
+          <p:cNvPicPr>
+            <a:picLocks noChangeAspect="1"/>
+          </p:cNvPicPr>
+          <p:nvPr/>
+        </p:nvPicPr>
+        <p:blipFill>
+          <a:blip r:embed="rId4"/>
+          <a:stretch>
+            <a:fillRect/>
+          </a:stretch>
+        </p:blipFill>
+        <p:spPr>
+          <a:xfrm>
+            <a:off x="2741571" y="1052307"/>
+            <a:ext cx="3681507" cy="3989493"/>
+          </a:xfrm>
+          <a:prstGeom prst="rect">
+            <a:avLst/>
+          </a:prstGeom>
+        </p:spPr>
+      </p:pic>
+    </p:spTree>
+    <p:extLst>
+      <p:ext uri="{BB962C8B-B14F-4D97-AF65-F5344CB8AC3E}">
+        <p14:creationId xmlns:p14="http://schemas.microsoft.com/office/powerpoint/2010/main" val="1257891606"/>
+      </p:ext>
+    </p:extLst>
+  </p:cSld>
+  <p:clrMapOvr>
+    <a:masterClrMapping/>
+  </p:clrMapOvr>
+</p:sld>
+</file>
+
+<file path=ppt/slides/slide9.xml><?xml version="1.0" encoding="utf-8"?>
+<p:sld xmlns:a="http://schemas.openxmlformats.org/drawingml/2006/main" xmlns:r="http://schemas.openxmlformats.org/officeDocument/2006/relationships" xmlns:p="http://schemas.openxmlformats.org/presentationml/2006/main">
+  <p:cSld>
+    <p:bg>
+      <p:bgPr>
+        <a:solidFill>
+          <a:srgbClr val="FFFFFF"/>
+        </a:solidFill>
+        <a:effectLst/>
+      </p:bgPr>
+    </p:bg>
+    <p:spTree>
+      <p:nvGrpSpPr>
+        <p:cNvPr id="1" name="Shape 80"/>
+        <p:cNvGrpSpPr/>
+        <p:nvPr/>
+      </p:nvGrpSpPr>
+      <p:grpSpPr>
+        <a:xfrm>
+          <a:off x="0" y="0"/>
+          <a:ext cx="0" cy="0"/>
+          <a:chOff x="0" y="0"/>
+          <a:chExt cx="0" cy="0"/>
+        </a:xfrm>
+      </p:grpSpPr>
+      <p:pic>
+        <p:nvPicPr>
+          <p:cNvPr id="81" name="Google Shape;81;p16"/>
+          <p:cNvPicPr preferRelativeResize="0"/>
+          <p:nvPr/>
+        </p:nvPicPr>
+        <p:blipFill rotWithShape="1">
+          <a:blip r:embed="rId3">
+            <a:alphaModFix/>
+          </a:blip>
+          <a:srcRect/>
+          <a:stretch/>
+        </p:blipFill>
+        <p:spPr>
+          <a:xfrm>
+            <a:off x="6773925" y="101700"/>
+            <a:ext cx="2370067" cy="4838700"/>
+          </a:xfrm>
+          <a:prstGeom prst="rect">
+            <a:avLst/>
+          </a:prstGeom>
+          <a:noFill/>
+          <a:ln>
+            <a:noFill/>
+          </a:ln>
+        </p:spPr>
+      </p:pic>
+      <p:cxnSp>
+        <p:nvCxnSpPr>
+          <p:cNvPr id="82" name="Google Shape;82;p16"/>
+          <p:cNvCxnSpPr/>
+          <p:nvPr/>
+        </p:nvCxnSpPr>
+        <p:spPr>
+          <a:xfrm flipH="1">
+            <a:off x="1640225" y="427100"/>
+            <a:ext cx="5884200" cy="8400"/>
+          </a:xfrm>
+          <a:prstGeom prst="straightConnector1">
+            <a:avLst/>
+          </a:prstGeom>
+          <a:noFill/>
+          <a:ln w="19050" cap="flat" cmpd="sng">
+            <a:solidFill>
+              <a:srgbClr val="761A79"/>
+            </a:solidFill>
+            <a:prstDash val="solid"/>
+            <a:round/>
+            <a:headEnd type="none" w="sm" len="sm"/>
+            <a:tailEnd type="none" w="sm" len="sm"/>
+          </a:ln>
+        </p:spPr>
+      </p:cxnSp>
+      <p:sp>
+        <p:nvSpPr>
+          <p:cNvPr id="84" name="Google Shape;84;p16"/>
+          <p:cNvSpPr txBox="1"/>
+          <p:nvPr/>
+        </p:nvSpPr>
+        <p:spPr>
+          <a:xfrm>
+            <a:off x="454375" y="144400"/>
+            <a:ext cx="2499000" cy="572700"/>
+          </a:xfrm>
+          <a:prstGeom prst="rect">
+            <a:avLst/>
+          </a:prstGeom>
+          <a:noFill/>
+          <a:ln>
+            <a:noFill/>
+          </a:ln>
+        </p:spPr>
+        <p:txBody>
+          <a:bodyPr spcFirstLastPara="1" wrap="square" lIns="91425" tIns="91425" rIns="91425" bIns="91425" anchor="ctr" anchorCtr="0">
+            <a:normAutofit/>
+          </a:bodyPr>
+          <a:lstStyle/>
+          <a:p>
+            <a:pPr marL="0" marR="0" lvl="0" indent="0" algn="l" rtl="0">
+              <a:lnSpc>
+                <a:spcPct val="100000"/>
+              </a:lnSpc>
+              <a:spcBef>
+                <a:spcPts val="0"/>
+              </a:spcBef>
+              <a:spcAft>
+                <a:spcPts val="0"/>
+              </a:spcAft>
+              <a:buClr>
+                <a:srgbClr val="000000"/>
+              </a:buClr>
+              <a:buSzPts val="1400"/>
+              <a:buFont typeface="Arial"/>
+              <a:buNone/>
+            </a:pPr>
+            <a:r>
+              <a:rPr lang="en" sz="1400" b="0" i="0" u="none" strike="noStrike" cap="none">
+                <a:solidFill>
+                  <a:srgbClr val="761A79"/>
+                </a:solidFill>
+                <a:latin typeface="Montserrat ExtraBold"/>
+                <a:ea typeface="Montserrat ExtraBold"/>
+                <a:cs typeface="Montserrat ExtraBold"/>
+                <a:sym typeface="Montserrat ExtraBold"/>
+              </a:rPr>
+              <a:t>Pengantar</a:t>
+            </a:r>
+            <a:endParaRPr sz="1400" b="0" i="0" u="none" strike="noStrike" cap="none">
+              <a:solidFill>
+                <a:srgbClr val="761A79"/>
+              </a:solidFill>
+              <a:latin typeface="Montserrat ExtraBold"/>
+              <a:ea typeface="Montserrat ExtraBold"/>
+              <a:cs typeface="Montserrat ExtraBold"/>
+              <a:sym typeface="Montserrat ExtraBold"/>
+            </a:endParaRPr>
+          </a:p>
+        </p:txBody>
+      </p:sp>
+      <p:sp>
+        <p:nvSpPr>
+          <p:cNvPr id="85" name="Google Shape;85;p16"/>
+          <p:cNvSpPr txBox="1"/>
+          <p:nvPr/>
+        </p:nvSpPr>
+        <p:spPr>
+          <a:xfrm>
+            <a:off x="8382000" y="4648200"/>
+            <a:ext cx="548700" cy="393600"/>
+          </a:xfrm>
+          <a:prstGeom prst="rect">
+            <a:avLst/>
+          </a:prstGeom>
+          <a:noFill/>
+          <a:ln>
+            <a:noFill/>
+          </a:ln>
+        </p:spPr>
+        <p:txBody>
+          <a:bodyPr spcFirstLastPara="1" wrap="square" lIns="91425" tIns="91425" rIns="91425" bIns="91425" anchor="ctr" anchorCtr="0">
+            <a:noAutofit/>
+          </a:bodyPr>
+          <a:lstStyle/>
+          <a:p>
+            <a:pPr marL="0" marR="0" lvl="0" indent="0" algn="r" rtl="0">
+              <a:lnSpc>
+                <a:spcPct val="100000"/>
+              </a:lnSpc>
+              <a:spcBef>
+                <a:spcPts val="0"/>
+              </a:spcBef>
+              <a:spcAft>
+                <a:spcPts val="0"/>
+              </a:spcAft>
+              <a:buClr>
+                <a:srgbClr val="000000"/>
+              </a:buClr>
+              <a:buSzPts val="1000"/>
+              <a:buFont typeface="Arial"/>
+              <a:buNone/>
+            </a:pPr>
+            <a:fld id="{00000000-1234-1234-1234-123412341234}" type="slidenum">
+              <a:rPr lang="en" sz="1000" b="1" i="0" u="none" strike="noStrike" cap="none">
+                <a:solidFill>
+                  <a:srgbClr val="733572"/>
+                </a:solidFill>
+                <a:latin typeface="Montserrat"/>
+                <a:ea typeface="Montserrat"/>
+                <a:cs typeface="Montserrat"/>
+                <a:sym typeface="Montserrat"/>
+              </a:rPr>
+              <a:t>9</a:t>
+            </a:fld>
+            <a:endParaRPr sz="1000" b="1" i="0" u="none" strike="noStrike" cap="none">
+              <a:solidFill>
+                <a:srgbClr val="733572"/>
+              </a:solidFill>
+              <a:latin typeface="Montserrat"/>
+              <a:ea typeface="Montserrat"/>
+              <a:cs typeface="Montserrat"/>
+              <a:sym typeface="Montserrat"/>
+            </a:endParaRPr>
+          </a:p>
+        </p:txBody>
+      </p:sp>
+      <p:sp>
+        <p:nvSpPr>
           <p:cNvPr id="2" name="Google Shape;86;p16">
             <a:extLst>
               <a:ext uri="{FF2B5EF4-FFF2-40B4-BE49-F238E27FC236}">
@@ -8481,415 +10167,6 @@
         <p14:creationId xmlns:p14="http://schemas.microsoft.com/office/powerpoint/2010/main" val="153661479"/>
       </p:ext>
     </p:extLst>
-  </p:cSld>
-  <p:clrMapOvr>
-    <a:masterClrMapping/>
-  </p:clrMapOvr>
-</p:sld>
-</file>
-
-<file path=ppt/slides/slide7.xml><?xml version="1.0" encoding="utf-8"?>
-<p:sld xmlns:a="http://schemas.openxmlformats.org/drawingml/2006/main" xmlns:r="http://schemas.openxmlformats.org/officeDocument/2006/relationships" xmlns:p="http://schemas.openxmlformats.org/presentationml/2006/main">
-  <p:cSld>
-    <p:bg>
-      <p:bgPr>
-        <a:solidFill>
-          <a:srgbClr val="761A79"/>
-        </a:solidFill>
-        <a:effectLst/>
-      </p:bgPr>
-    </p:bg>
-    <p:spTree>
-      <p:nvGrpSpPr>
-        <p:cNvPr id="1" name="Shape 1461"/>
-        <p:cNvGrpSpPr/>
-        <p:nvPr/>
-      </p:nvGrpSpPr>
-      <p:grpSpPr>
-        <a:xfrm>
-          <a:off x="0" y="0"/>
-          <a:ext cx="0" cy="0"/>
-          <a:chOff x="0" y="0"/>
-          <a:chExt cx="0" cy="0"/>
-        </a:xfrm>
-      </p:grpSpPr>
-      <p:sp>
-        <p:nvSpPr>
-          <p:cNvPr id="1462" name="Google Shape;1462;p133"/>
-          <p:cNvSpPr txBox="1"/>
-          <p:nvPr/>
-        </p:nvSpPr>
-        <p:spPr>
-          <a:xfrm>
-            <a:off x="454375" y="717100"/>
-            <a:ext cx="4117500" cy="4083600"/>
-          </a:xfrm>
-          <a:prstGeom prst="rect">
-            <a:avLst/>
-          </a:prstGeom>
-          <a:noFill/>
-          <a:ln>
-            <a:noFill/>
-          </a:ln>
-        </p:spPr>
-        <p:txBody>
-          <a:bodyPr spcFirstLastPara="1" wrap="square" lIns="91425" tIns="91425" rIns="91425" bIns="91425" anchor="ctr" anchorCtr="0">
-            <a:noAutofit/>
-          </a:bodyPr>
-          <a:lstStyle/>
-          <a:p>
-            <a:pPr marL="0" marR="0" lvl="0" indent="0" algn="l" rtl="0">
-              <a:lnSpc>
-                <a:spcPct val="115000"/>
-              </a:lnSpc>
-              <a:spcBef>
-                <a:spcPts val="0"/>
-              </a:spcBef>
-              <a:spcAft>
-                <a:spcPts val="0"/>
-              </a:spcAft>
-              <a:buClr>
-                <a:srgbClr val="000000"/>
-              </a:buClr>
-              <a:buSzPts val="4000"/>
-              <a:buFont typeface="Arial"/>
-              <a:buNone/>
-            </a:pPr>
-            <a:r>
-              <a:rPr lang="en" b="1" dirty="0">
-                <a:solidFill>
-                  <a:schemeClr val="lt1"/>
-                </a:solidFill>
-                <a:latin typeface="Montserrat"/>
-                <a:ea typeface="Montserrat"/>
-                <a:cs typeface="Montserrat"/>
-                <a:sym typeface="Montserrat"/>
-              </a:rPr>
-              <a:t>Yuhuuu! Kamu udah berhasil menamatkan </a:t>
-            </a:r>
-            <a:r>
-              <a:rPr lang="en" b="1" dirty="0">
-                <a:solidFill>
-                  <a:srgbClr val="FF9900"/>
-                </a:solidFill>
-                <a:latin typeface="Montserrat"/>
-                <a:ea typeface="Montserrat"/>
-                <a:cs typeface="Montserrat"/>
-                <a:sym typeface="Montserrat"/>
-              </a:rPr>
-              <a:t>Pertemuan-11 </a:t>
-            </a:r>
-            <a:r>
-              <a:rPr lang="en" b="1" dirty="0">
-                <a:solidFill>
-                  <a:schemeClr val="lt1"/>
-                </a:solidFill>
-                <a:latin typeface="Montserrat"/>
-                <a:ea typeface="Montserrat"/>
-                <a:cs typeface="Montserrat"/>
-                <a:sym typeface="Montserrat"/>
-              </a:rPr>
-              <a:t>🥳</a:t>
-            </a:r>
-            <a:endParaRPr b="1" dirty="0">
-              <a:solidFill>
-                <a:schemeClr val="lt1"/>
-              </a:solidFill>
-              <a:latin typeface="Montserrat"/>
-              <a:ea typeface="Montserrat"/>
-              <a:cs typeface="Montserrat"/>
-              <a:sym typeface="Montserrat"/>
-            </a:endParaRPr>
-          </a:p>
-          <a:p>
-            <a:pPr marL="0" marR="0" lvl="0" indent="0" algn="l" rtl="0">
-              <a:lnSpc>
-                <a:spcPct val="115000"/>
-              </a:lnSpc>
-              <a:spcBef>
-                <a:spcPts val="1000"/>
-              </a:spcBef>
-              <a:spcAft>
-                <a:spcPts val="0"/>
-              </a:spcAft>
-              <a:buClr>
-                <a:srgbClr val="000000"/>
-              </a:buClr>
-              <a:buSzPts val="4000"/>
-              <a:buFont typeface="Arial"/>
-              <a:buNone/>
-            </a:pPr>
-            <a:r>
-              <a:rPr lang="en" b="1" dirty="0">
-                <a:solidFill>
-                  <a:schemeClr val="lt1"/>
-                </a:solidFill>
-                <a:latin typeface="Montserrat"/>
-                <a:ea typeface="Montserrat"/>
-                <a:cs typeface="Montserrat"/>
-                <a:sym typeface="Montserrat"/>
-              </a:rPr>
-              <a:t>Selanjutnya, kita bakal </a:t>
-            </a:r>
-            <a:r>
-              <a:rPr lang="en-US" b="1" dirty="0">
-                <a:solidFill>
-                  <a:schemeClr val="lt1"/>
-                </a:solidFill>
-                <a:latin typeface="Montserrat"/>
-                <a:ea typeface="Montserrat"/>
-                <a:cs typeface="Montserrat"/>
-                <a:sym typeface="Montserrat"/>
-              </a:rPr>
-              <a:t>UTS</a:t>
-            </a:r>
-            <a:endParaRPr b="1" dirty="0">
-              <a:solidFill>
-                <a:schemeClr val="lt1"/>
-              </a:solidFill>
-              <a:latin typeface="Montserrat"/>
-              <a:ea typeface="Montserrat"/>
-              <a:cs typeface="Montserrat"/>
-              <a:sym typeface="Montserrat"/>
-            </a:endParaRPr>
-          </a:p>
-          <a:p>
-            <a:pPr marL="0" marR="0" lvl="0" indent="0" algn="l" rtl="0">
-              <a:lnSpc>
-                <a:spcPct val="115000"/>
-              </a:lnSpc>
-              <a:spcBef>
-                <a:spcPts val="1000"/>
-              </a:spcBef>
-              <a:spcAft>
-                <a:spcPts val="0"/>
-              </a:spcAft>
-              <a:buClr>
-                <a:srgbClr val="000000"/>
-              </a:buClr>
-              <a:buSzPts val="4000"/>
-              <a:buFont typeface="Arial"/>
-              <a:buNone/>
-            </a:pPr>
-            <a:r>
-              <a:rPr lang="en" b="1" dirty="0">
-                <a:solidFill>
-                  <a:schemeClr val="lt1"/>
-                </a:solidFill>
-                <a:latin typeface="Montserrat"/>
-                <a:ea typeface="Montserrat"/>
-                <a:cs typeface="Montserrat"/>
-                <a:sym typeface="Montserrat"/>
-              </a:rPr>
-              <a:t>Penasaran kayak gimana? </a:t>
-            </a:r>
-            <a:endParaRPr b="1" dirty="0">
-              <a:solidFill>
-                <a:schemeClr val="lt1"/>
-              </a:solidFill>
-              <a:latin typeface="Montserrat"/>
-              <a:ea typeface="Montserrat"/>
-              <a:cs typeface="Montserrat"/>
-              <a:sym typeface="Montserrat"/>
-            </a:endParaRPr>
-          </a:p>
-          <a:p>
-            <a:pPr marL="0" marR="0" lvl="0" indent="0" algn="l" rtl="0">
-              <a:lnSpc>
-                <a:spcPct val="115000"/>
-              </a:lnSpc>
-              <a:spcBef>
-                <a:spcPts val="1000"/>
-              </a:spcBef>
-              <a:spcAft>
-                <a:spcPts val="0"/>
-              </a:spcAft>
-              <a:buClr>
-                <a:srgbClr val="000000"/>
-              </a:buClr>
-              <a:buSzPts val="4000"/>
-              <a:buFont typeface="Arial"/>
-              <a:buNone/>
-            </a:pPr>
-            <a:endParaRPr b="1" dirty="0">
-              <a:solidFill>
-                <a:schemeClr val="lt1"/>
-              </a:solidFill>
-              <a:latin typeface="Montserrat"/>
-              <a:ea typeface="Montserrat"/>
-              <a:cs typeface="Montserrat"/>
-              <a:sym typeface="Montserrat"/>
-            </a:endParaRPr>
-          </a:p>
-        </p:txBody>
-      </p:sp>
-      <p:pic>
-        <p:nvPicPr>
-          <p:cNvPr id="1463" name="Google Shape;1463;p133"/>
-          <p:cNvPicPr preferRelativeResize="0"/>
-          <p:nvPr/>
-        </p:nvPicPr>
-        <p:blipFill rotWithShape="1">
-          <a:blip r:embed="rId3">
-            <a:alphaModFix/>
-          </a:blip>
-          <a:srcRect/>
-          <a:stretch/>
-        </p:blipFill>
-        <p:spPr>
-          <a:xfrm>
-            <a:off x="6608175" y="152400"/>
-            <a:ext cx="2535837" cy="4838700"/>
-          </a:xfrm>
-          <a:prstGeom prst="rect">
-            <a:avLst/>
-          </a:prstGeom>
-          <a:noFill/>
-          <a:ln>
-            <a:noFill/>
-          </a:ln>
-        </p:spPr>
-      </p:pic>
-      <p:cxnSp>
-        <p:nvCxnSpPr>
-          <p:cNvPr id="1465" name="Google Shape;1465;p133"/>
-          <p:cNvCxnSpPr/>
-          <p:nvPr/>
-        </p:nvCxnSpPr>
-        <p:spPr>
-          <a:xfrm flipH="1">
-            <a:off x="1576625" y="427100"/>
-            <a:ext cx="5947800" cy="23400"/>
-          </a:xfrm>
-          <a:prstGeom prst="straightConnector1">
-            <a:avLst/>
-          </a:prstGeom>
-          <a:noFill/>
-          <a:ln w="19050" cap="flat" cmpd="sng">
-            <a:solidFill>
-              <a:srgbClr val="FFFFFF"/>
-            </a:solidFill>
-            <a:prstDash val="solid"/>
-            <a:round/>
-            <a:headEnd type="none" w="sm" len="sm"/>
-            <a:tailEnd type="none" w="sm" len="sm"/>
-          </a:ln>
-        </p:spPr>
-      </p:cxnSp>
-      <p:sp>
-        <p:nvSpPr>
-          <p:cNvPr id="1466" name="Google Shape;1466;p133"/>
-          <p:cNvSpPr txBox="1"/>
-          <p:nvPr/>
-        </p:nvSpPr>
-        <p:spPr>
-          <a:xfrm>
-            <a:off x="453375" y="152450"/>
-            <a:ext cx="4062300" cy="572700"/>
-          </a:xfrm>
-          <a:prstGeom prst="rect">
-            <a:avLst/>
-          </a:prstGeom>
-          <a:noFill/>
-          <a:ln>
-            <a:noFill/>
-          </a:ln>
-        </p:spPr>
-        <p:txBody>
-          <a:bodyPr spcFirstLastPara="1" wrap="square" lIns="91425" tIns="91425" rIns="91425" bIns="91425" anchor="ctr" anchorCtr="0">
-            <a:noAutofit/>
-          </a:bodyPr>
-          <a:lstStyle/>
-          <a:p>
-            <a:pPr marL="0" marR="0" lvl="0" indent="0" algn="l" rtl="0">
-              <a:lnSpc>
-                <a:spcPct val="100000"/>
-              </a:lnSpc>
-              <a:spcBef>
-                <a:spcPts val="0"/>
-              </a:spcBef>
-              <a:spcAft>
-                <a:spcPts val="0"/>
-              </a:spcAft>
-              <a:buClr>
-                <a:srgbClr val="000000"/>
-              </a:buClr>
-              <a:buSzPts val="1400"/>
-              <a:buFont typeface="Arial"/>
-              <a:buNone/>
-            </a:pPr>
-            <a:r>
-              <a:rPr lang="en" sz="1400" b="0" i="0" u="none" strike="noStrike" cap="none">
-                <a:solidFill>
-                  <a:srgbClr val="FFFFFF"/>
-                </a:solidFill>
-                <a:latin typeface="Montserrat ExtraBold"/>
-                <a:ea typeface="Montserrat ExtraBold"/>
-                <a:cs typeface="Montserrat ExtraBold"/>
-                <a:sym typeface="Montserrat ExtraBold"/>
-              </a:rPr>
-              <a:t>Penutup</a:t>
-            </a:r>
-            <a:endParaRPr sz="1400" b="0" i="0" u="none" strike="noStrike" cap="none">
-              <a:solidFill>
-                <a:srgbClr val="FFFFFF"/>
-              </a:solidFill>
-              <a:latin typeface="Montserrat ExtraBold"/>
-              <a:ea typeface="Montserrat ExtraBold"/>
-              <a:cs typeface="Montserrat ExtraBold"/>
-              <a:sym typeface="Montserrat ExtraBold"/>
-            </a:endParaRPr>
-          </a:p>
-        </p:txBody>
-      </p:sp>
-      <p:pic>
-        <p:nvPicPr>
-          <p:cNvPr id="7170" name="Picture 2" descr="Congratulations Vector Art, Icons, and Graphics for Free Download">
-            <a:extLst>
-              <a:ext uri="{FF2B5EF4-FFF2-40B4-BE49-F238E27FC236}">
-                <a16:creationId xmlns:a16="http://schemas.microsoft.com/office/drawing/2014/main" id="{E774179A-C300-18D5-41E8-59B705207A8C}"/>
-              </a:ext>
-            </a:extLst>
-          </p:cNvPr>
-          <p:cNvPicPr>
-            <a:picLocks noChangeAspect="1" noChangeArrowheads="1"/>
-          </p:cNvPicPr>
-          <p:nvPr/>
-        </p:nvPicPr>
-        <p:blipFill>
-          <a:blip r:embed="rId4">
-            <a:extLst>
-              <a:ext uri="{28A0092B-C50C-407E-A947-70E740481C1C}">
-                <a14:useLocalDpi xmlns:a14="http://schemas.microsoft.com/office/drawing/2010/main" val="0"/>
-              </a:ext>
-            </a:extLst>
-          </a:blip>
-          <a:srcRect/>
-          <a:stretch>
-            <a:fillRect/>
-          </a:stretch>
-        </p:blipFill>
-        <p:spPr bwMode="auto">
-          <a:xfrm>
-            <a:off x="4722225" y="1855401"/>
-            <a:ext cx="3771900" cy="1209675"/>
-          </a:xfrm>
-          <a:prstGeom prst="rect">
-            <a:avLst/>
-          </a:prstGeom>
-          <a:noFill/>
-          <a:extLst>
-            <a:ext uri="{909E8E84-426E-40DD-AFC4-6F175D3DCCD1}">
-              <a14:hiddenFill xmlns:a14="http://schemas.microsoft.com/office/drawing/2010/main">
-                <a:solidFill>
-                  <a:srgbClr val="FFFFFF"/>
-                </a:solidFill>
-              </a14:hiddenFill>
-            </a:ext>
-          </a:extLst>
-        </p:spPr>
-      </p:pic>
-    </p:spTree>
   </p:cSld>
   <p:clrMapOvr>
     <a:masterClrMapping/>

--- a/Materi/Pertemuan - 13.pptx
+++ b/Materi/Pertemuan - 13.pptx
@@ -5,41 +5,48 @@
     <p:sldMasterId id="2147483659" r:id="rId1"/>
   </p:sldMasterIdLst>
   <p:notesMasterIdLst>
-    <p:notesMasterId r:id="rId12"/>
+    <p:notesMasterId r:id="rId19"/>
   </p:notesMasterIdLst>
   <p:sldIdLst>
     <p:sldId id="379" r:id="rId2"/>
     <p:sldId id="449" r:id="rId3"/>
-    <p:sldId id="418" r:id="rId4"/>
-    <p:sldId id="416" r:id="rId5"/>
-    <p:sldId id="450" r:id="rId6"/>
-    <p:sldId id="451" r:id="rId7"/>
-    <p:sldId id="452" r:id="rId8"/>
-    <p:sldId id="453" r:id="rId9"/>
-    <p:sldId id="441" r:id="rId10"/>
-    <p:sldId id="376" r:id="rId11"/>
+    <p:sldId id="454" r:id="rId4"/>
+    <p:sldId id="418" r:id="rId5"/>
+    <p:sldId id="416" r:id="rId6"/>
+    <p:sldId id="450" r:id="rId7"/>
+    <p:sldId id="455" r:id="rId8"/>
+    <p:sldId id="456" r:id="rId9"/>
+    <p:sldId id="457" r:id="rId10"/>
+    <p:sldId id="458" r:id="rId11"/>
+    <p:sldId id="451" r:id="rId12"/>
+    <p:sldId id="452" r:id="rId13"/>
+    <p:sldId id="453" r:id="rId14"/>
+    <p:sldId id="459" r:id="rId15"/>
+    <p:sldId id="460" r:id="rId16"/>
+    <p:sldId id="441" r:id="rId17"/>
+    <p:sldId id="376" r:id="rId18"/>
   </p:sldIdLst>
   <p:sldSz cx="9144000" cy="5143500" type="screen16x9"/>
   <p:notesSz cx="6858000" cy="9144000"/>
   <p:embeddedFontLst>
     <p:embeddedFont>
       <p:font typeface="Calibri" panose="020F0502020204030204" pitchFamily="34" charset="0"/>
-      <p:regular r:id="rId13"/>
-      <p:bold r:id="rId14"/>
-      <p:italic r:id="rId15"/>
-      <p:boldItalic r:id="rId16"/>
+      <p:regular r:id="rId20"/>
+      <p:bold r:id="rId21"/>
+      <p:italic r:id="rId22"/>
+      <p:boldItalic r:id="rId23"/>
     </p:embeddedFont>
     <p:embeddedFont>
       <p:font typeface="Montserrat" panose="00000500000000000000" pitchFamily="2" charset="0"/>
-      <p:regular r:id="rId17"/>
-      <p:bold r:id="rId18"/>
-      <p:italic r:id="rId19"/>
-      <p:boldItalic r:id="rId20"/>
+      <p:regular r:id="rId24"/>
+      <p:bold r:id="rId25"/>
+      <p:italic r:id="rId26"/>
+      <p:boldItalic r:id="rId27"/>
     </p:embeddedFont>
     <p:embeddedFont>
       <p:font typeface="Montserrat ExtraBold" panose="00000900000000000000" pitchFamily="2" charset="0"/>
-      <p:bold r:id="rId21"/>
-      <p:boldItalic r:id="rId22"/>
+      <p:bold r:id="rId28"/>
+      <p:boldItalic r:id="rId29"/>
     </p:embeddedFont>
   </p:embeddedFontLst>
   <p:defaultTextStyle>
@@ -883,6 +890,895 @@
   <p:cSld>
     <p:spTree>
       <p:nvGrpSpPr>
+        <p:cNvPr id="1" name="Shape 77"/>
+        <p:cNvGrpSpPr/>
+        <p:nvPr/>
+      </p:nvGrpSpPr>
+      <p:grpSpPr>
+        <a:xfrm>
+          <a:off x="0" y="0"/>
+          <a:ext cx="0" cy="0"/>
+          <a:chOff x="0" y="0"/>
+          <a:chExt cx="0" cy="0"/>
+        </a:xfrm>
+      </p:grpSpPr>
+      <p:sp>
+        <p:nvSpPr>
+          <p:cNvPr id="78" name="Google Shape;78;g136c21aa1b1_0_0:notes"/>
+          <p:cNvSpPr>
+            <a:spLocks noGrp="1" noRot="1" noChangeAspect="1"/>
+          </p:cNvSpPr>
+          <p:nvPr>
+            <p:ph type="sldImg" idx="2"/>
+          </p:nvPr>
+        </p:nvSpPr>
+        <p:spPr>
+          <a:xfrm>
+            <a:off x="381000" y="685800"/>
+            <a:ext cx="6096000" cy="3429000"/>
+          </a:xfrm>
+          <a:custGeom>
+            <a:avLst/>
+            <a:gdLst/>
+            <a:ahLst/>
+            <a:cxnLst/>
+            <a:rect l="l" t="t" r="r" b="b"/>
+            <a:pathLst>
+              <a:path w="120000" h="120000" extrusionOk="0">
+                <a:moveTo>
+                  <a:pt x="0" y="0"/>
+                </a:moveTo>
+                <a:lnTo>
+                  <a:pt x="120000" y="0"/>
+                </a:lnTo>
+                <a:lnTo>
+                  <a:pt x="120000" y="120000"/>
+                </a:lnTo>
+                <a:lnTo>
+                  <a:pt x="0" y="120000"/>
+                </a:lnTo>
+                <a:close/>
+              </a:path>
+            </a:pathLst>
+          </a:custGeom>
+          <a:noFill/>
+          <a:ln w="9525" cap="flat" cmpd="sng">
+            <a:solidFill>
+              <a:srgbClr val="000000"/>
+            </a:solidFill>
+            <a:prstDash val="solid"/>
+            <a:round/>
+            <a:headEnd type="none" w="sm" len="sm"/>
+            <a:tailEnd type="none" w="sm" len="sm"/>
+          </a:ln>
+        </p:spPr>
+      </p:sp>
+      <p:sp>
+        <p:nvSpPr>
+          <p:cNvPr id="79" name="Google Shape;79;g136c21aa1b1_0_0:notes"/>
+          <p:cNvSpPr txBox="1">
+            <a:spLocks noGrp="1"/>
+          </p:cNvSpPr>
+          <p:nvPr>
+            <p:ph type="body" idx="1"/>
+          </p:nvPr>
+        </p:nvSpPr>
+        <p:spPr>
+          <a:xfrm>
+            <a:off x="685800" y="4343400"/>
+            <a:ext cx="5486400" cy="4114800"/>
+          </a:xfrm>
+          <a:prstGeom prst="rect">
+            <a:avLst/>
+          </a:prstGeom>
+          <a:noFill/>
+          <a:ln>
+            <a:noFill/>
+          </a:ln>
+        </p:spPr>
+        <p:txBody>
+          <a:bodyPr spcFirstLastPara="1" wrap="square" lIns="91425" tIns="91425" rIns="91425" bIns="91425" anchor="t" anchorCtr="0">
+            <a:noAutofit/>
+          </a:bodyPr>
+          <a:lstStyle/>
+          <a:p>
+            <a:pPr marL="0" lvl="0" indent="0" algn="l" rtl="0">
+              <a:lnSpc>
+                <a:spcPct val="100000"/>
+              </a:lnSpc>
+              <a:spcBef>
+                <a:spcPts val="0"/>
+              </a:spcBef>
+              <a:spcAft>
+                <a:spcPts val="0"/>
+              </a:spcAft>
+              <a:buSzPts val="1100"/>
+              <a:buNone/>
+            </a:pPr>
+            <a:endParaRPr/>
+          </a:p>
+        </p:txBody>
+      </p:sp>
+    </p:spTree>
+    <p:extLst>
+      <p:ext uri="{BB962C8B-B14F-4D97-AF65-F5344CB8AC3E}">
+        <p14:creationId xmlns:p14="http://schemas.microsoft.com/office/powerpoint/2010/main" val="91629596"/>
+      </p:ext>
+    </p:extLst>
+  </p:cSld>
+  <p:clrMapOvr>
+    <a:masterClrMapping/>
+  </p:clrMapOvr>
+</p:notes>
+</file>
+
+<file path=ppt/notesSlides/notesSlide11.xml><?xml version="1.0" encoding="utf-8"?>
+<p:notes xmlns:a="http://schemas.openxmlformats.org/drawingml/2006/main" xmlns:r="http://schemas.openxmlformats.org/officeDocument/2006/relationships" xmlns:p="http://schemas.openxmlformats.org/presentationml/2006/main" showMasterSp="0" showMasterPhAnim="0">
+  <p:cSld>
+    <p:spTree>
+      <p:nvGrpSpPr>
+        <p:cNvPr id="1" name="Shape 77"/>
+        <p:cNvGrpSpPr/>
+        <p:nvPr/>
+      </p:nvGrpSpPr>
+      <p:grpSpPr>
+        <a:xfrm>
+          <a:off x="0" y="0"/>
+          <a:ext cx="0" cy="0"/>
+          <a:chOff x="0" y="0"/>
+          <a:chExt cx="0" cy="0"/>
+        </a:xfrm>
+      </p:grpSpPr>
+      <p:sp>
+        <p:nvSpPr>
+          <p:cNvPr id="78" name="Google Shape;78;g136c21aa1b1_0_0:notes"/>
+          <p:cNvSpPr>
+            <a:spLocks noGrp="1" noRot="1" noChangeAspect="1"/>
+          </p:cNvSpPr>
+          <p:nvPr>
+            <p:ph type="sldImg" idx="2"/>
+          </p:nvPr>
+        </p:nvSpPr>
+        <p:spPr>
+          <a:xfrm>
+            <a:off x="381000" y="685800"/>
+            <a:ext cx="6096000" cy="3429000"/>
+          </a:xfrm>
+          <a:custGeom>
+            <a:avLst/>
+            <a:gdLst/>
+            <a:ahLst/>
+            <a:cxnLst/>
+            <a:rect l="l" t="t" r="r" b="b"/>
+            <a:pathLst>
+              <a:path w="120000" h="120000" extrusionOk="0">
+                <a:moveTo>
+                  <a:pt x="0" y="0"/>
+                </a:moveTo>
+                <a:lnTo>
+                  <a:pt x="120000" y="0"/>
+                </a:lnTo>
+                <a:lnTo>
+                  <a:pt x="120000" y="120000"/>
+                </a:lnTo>
+                <a:lnTo>
+                  <a:pt x="0" y="120000"/>
+                </a:lnTo>
+                <a:close/>
+              </a:path>
+            </a:pathLst>
+          </a:custGeom>
+          <a:noFill/>
+          <a:ln w="9525" cap="flat" cmpd="sng">
+            <a:solidFill>
+              <a:srgbClr val="000000"/>
+            </a:solidFill>
+            <a:prstDash val="solid"/>
+            <a:round/>
+            <a:headEnd type="none" w="sm" len="sm"/>
+            <a:tailEnd type="none" w="sm" len="sm"/>
+          </a:ln>
+        </p:spPr>
+      </p:sp>
+      <p:sp>
+        <p:nvSpPr>
+          <p:cNvPr id="79" name="Google Shape;79;g136c21aa1b1_0_0:notes"/>
+          <p:cNvSpPr txBox="1">
+            <a:spLocks noGrp="1"/>
+          </p:cNvSpPr>
+          <p:nvPr>
+            <p:ph type="body" idx="1"/>
+          </p:nvPr>
+        </p:nvSpPr>
+        <p:spPr>
+          <a:xfrm>
+            <a:off x="685800" y="4343400"/>
+            <a:ext cx="5486400" cy="4114800"/>
+          </a:xfrm>
+          <a:prstGeom prst="rect">
+            <a:avLst/>
+          </a:prstGeom>
+          <a:noFill/>
+          <a:ln>
+            <a:noFill/>
+          </a:ln>
+        </p:spPr>
+        <p:txBody>
+          <a:bodyPr spcFirstLastPara="1" wrap="square" lIns="91425" tIns="91425" rIns="91425" bIns="91425" anchor="t" anchorCtr="0">
+            <a:noAutofit/>
+          </a:bodyPr>
+          <a:lstStyle/>
+          <a:p>
+            <a:pPr marL="0" lvl="0" indent="0" algn="l" rtl="0">
+              <a:lnSpc>
+                <a:spcPct val="100000"/>
+              </a:lnSpc>
+              <a:spcBef>
+                <a:spcPts val="0"/>
+              </a:spcBef>
+              <a:spcAft>
+                <a:spcPts val="0"/>
+              </a:spcAft>
+              <a:buSzPts val="1100"/>
+              <a:buNone/>
+            </a:pPr>
+            <a:endParaRPr/>
+          </a:p>
+        </p:txBody>
+      </p:sp>
+    </p:spTree>
+    <p:extLst>
+      <p:ext uri="{BB962C8B-B14F-4D97-AF65-F5344CB8AC3E}">
+        <p14:creationId xmlns:p14="http://schemas.microsoft.com/office/powerpoint/2010/main" val="3827337515"/>
+      </p:ext>
+    </p:extLst>
+  </p:cSld>
+  <p:clrMapOvr>
+    <a:masterClrMapping/>
+  </p:clrMapOvr>
+</p:notes>
+</file>
+
+<file path=ppt/notesSlides/notesSlide12.xml><?xml version="1.0" encoding="utf-8"?>
+<p:notes xmlns:a="http://schemas.openxmlformats.org/drawingml/2006/main" xmlns:r="http://schemas.openxmlformats.org/officeDocument/2006/relationships" xmlns:p="http://schemas.openxmlformats.org/presentationml/2006/main" showMasterSp="0" showMasterPhAnim="0">
+  <p:cSld>
+    <p:spTree>
+      <p:nvGrpSpPr>
+        <p:cNvPr id="1" name="Shape 77"/>
+        <p:cNvGrpSpPr/>
+        <p:nvPr/>
+      </p:nvGrpSpPr>
+      <p:grpSpPr>
+        <a:xfrm>
+          <a:off x="0" y="0"/>
+          <a:ext cx="0" cy="0"/>
+          <a:chOff x="0" y="0"/>
+          <a:chExt cx="0" cy="0"/>
+        </a:xfrm>
+      </p:grpSpPr>
+      <p:sp>
+        <p:nvSpPr>
+          <p:cNvPr id="78" name="Google Shape;78;g136c21aa1b1_0_0:notes"/>
+          <p:cNvSpPr>
+            <a:spLocks noGrp="1" noRot="1" noChangeAspect="1"/>
+          </p:cNvSpPr>
+          <p:nvPr>
+            <p:ph type="sldImg" idx="2"/>
+          </p:nvPr>
+        </p:nvSpPr>
+        <p:spPr>
+          <a:xfrm>
+            <a:off x="381000" y="685800"/>
+            <a:ext cx="6096000" cy="3429000"/>
+          </a:xfrm>
+          <a:custGeom>
+            <a:avLst/>
+            <a:gdLst/>
+            <a:ahLst/>
+            <a:cxnLst/>
+            <a:rect l="l" t="t" r="r" b="b"/>
+            <a:pathLst>
+              <a:path w="120000" h="120000" extrusionOk="0">
+                <a:moveTo>
+                  <a:pt x="0" y="0"/>
+                </a:moveTo>
+                <a:lnTo>
+                  <a:pt x="120000" y="0"/>
+                </a:lnTo>
+                <a:lnTo>
+                  <a:pt x="120000" y="120000"/>
+                </a:lnTo>
+                <a:lnTo>
+                  <a:pt x="0" y="120000"/>
+                </a:lnTo>
+                <a:close/>
+              </a:path>
+            </a:pathLst>
+          </a:custGeom>
+          <a:noFill/>
+          <a:ln w="9525" cap="flat" cmpd="sng">
+            <a:solidFill>
+              <a:srgbClr val="000000"/>
+            </a:solidFill>
+            <a:prstDash val="solid"/>
+            <a:round/>
+            <a:headEnd type="none" w="sm" len="sm"/>
+            <a:tailEnd type="none" w="sm" len="sm"/>
+          </a:ln>
+        </p:spPr>
+      </p:sp>
+      <p:sp>
+        <p:nvSpPr>
+          <p:cNvPr id="79" name="Google Shape;79;g136c21aa1b1_0_0:notes"/>
+          <p:cNvSpPr txBox="1">
+            <a:spLocks noGrp="1"/>
+          </p:cNvSpPr>
+          <p:nvPr>
+            <p:ph type="body" idx="1"/>
+          </p:nvPr>
+        </p:nvSpPr>
+        <p:spPr>
+          <a:xfrm>
+            <a:off x="685800" y="4343400"/>
+            <a:ext cx="5486400" cy="4114800"/>
+          </a:xfrm>
+          <a:prstGeom prst="rect">
+            <a:avLst/>
+          </a:prstGeom>
+          <a:noFill/>
+          <a:ln>
+            <a:noFill/>
+          </a:ln>
+        </p:spPr>
+        <p:txBody>
+          <a:bodyPr spcFirstLastPara="1" wrap="square" lIns="91425" tIns="91425" rIns="91425" bIns="91425" anchor="t" anchorCtr="0">
+            <a:noAutofit/>
+          </a:bodyPr>
+          <a:lstStyle/>
+          <a:p>
+            <a:pPr marL="0" lvl="0" indent="0" algn="l" rtl="0">
+              <a:lnSpc>
+                <a:spcPct val="100000"/>
+              </a:lnSpc>
+              <a:spcBef>
+                <a:spcPts val="0"/>
+              </a:spcBef>
+              <a:spcAft>
+                <a:spcPts val="0"/>
+              </a:spcAft>
+              <a:buSzPts val="1100"/>
+              <a:buNone/>
+            </a:pPr>
+            <a:endParaRPr/>
+          </a:p>
+        </p:txBody>
+      </p:sp>
+    </p:spTree>
+    <p:extLst>
+      <p:ext uri="{BB962C8B-B14F-4D97-AF65-F5344CB8AC3E}">
+        <p14:creationId xmlns:p14="http://schemas.microsoft.com/office/powerpoint/2010/main" val="2444010036"/>
+      </p:ext>
+    </p:extLst>
+  </p:cSld>
+  <p:clrMapOvr>
+    <a:masterClrMapping/>
+  </p:clrMapOvr>
+</p:notes>
+</file>
+
+<file path=ppt/notesSlides/notesSlide13.xml><?xml version="1.0" encoding="utf-8"?>
+<p:notes xmlns:a="http://schemas.openxmlformats.org/drawingml/2006/main" xmlns:r="http://schemas.openxmlformats.org/officeDocument/2006/relationships" xmlns:p="http://schemas.openxmlformats.org/presentationml/2006/main" showMasterSp="0" showMasterPhAnim="0">
+  <p:cSld>
+    <p:spTree>
+      <p:nvGrpSpPr>
+        <p:cNvPr id="1" name="Shape 77"/>
+        <p:cNvGrpSpPr/>
+        <p:nvPr/>
+      </p:nvGrpSpPr>
+      <p:grpSpPr>
+        <a:xfrm>
+          <a:off x="0" y="0"/>
+          <a:ext cx="0" cy="0"/>
+          <a:chOff x="0" y="0"/>
+          <a:chExt cx="0" cy="0"/>
+        </a:xfrm>
+      </p:grpSpPr>
+      <p:sp>
+        <p:nvSpPr>
+          <p:cNvPr id="78" name="Google Shape;78;g136c21aa1b1_0_0:notes"/>
+          <p:cNvSpPr>
+            <a:spLocks noGrp="1" noRot="1" noChangeAspect="1"/>
+          </p:cNvSpPr>
+          <p:nvPr>
+            <p:ph type="sldImg" idx="2"/>
+          </p:nvPr>
+        </p:nvSpPr>
+        <p:spPr>
+          <a:xfrm>
+            <a:off x="381000" y="685800"/>
+            <a:ext cx="6096000" cy="3429000"/>
+          </a:xfrm>
+          <a:custGeom>
+            <a:avLst/>
+            <a:gdLst/>
+            <a:ahLst/>
+            <a:cxnLst/>
+            <a:rect l="l" t="t" r="r" b="b"/>
+            <a:pathLst>
+              <a:path w="120000" h="120000" extrusionOk="0">
+                <a:moveTo>
+                  <a:pt x="0" y="0"/>
+                </a:moveTo>
+                <a:lnTo>
+                  <a:pt x="120000" y="0"/>
+                </a:lnTo>
+                <a:lnTo>
+                  <a:pt x="120000" y="120000"/>
+                </a:lnTo>
+                <a:lnTo>
+                  <a:pt x="0" y="120000"/>
+                </a:lnTo>
+                <a:close/>
+              </a:path>
+            </a:pathLst>
+          </a:custGeom>
+          <a:noFill/>
+          <a:ln w="9525" cap="flat" cmpd="sng">
+            <a:solidFill>
+              <a:srgbClr val="000000"/>
+            </a:solidFill>
+            <a:prstDash val="solid"/>
+            <a:round/>
+            <a:headEnd type="none" w="sm" len="sm"/>
+            <a:tailEnd type="none" w="sm" len="sm"/>
+          </a:ln>
+        </p:spPr>
+      </p:sp>
+      <p:sp>
+        <p:nvSpPr>
+          <p:cNvPr id="79" name="Google Shape;79;g136c21aa1b1_0_0:notes"/>
+          <p:cNvSpPr txBox="1">
+            <a:spLocks noGrp="1"/>
+          </p:cNvSpPr>
+          <p:nvPr>
+            <p:ph type="body" idx="1"/>
+          </p:nvPr>
+        </p:nvSpPr>
+        <p:spPr>
+          <a:xfrm>
+            <a:off x="685800" y="4343400"/>
+            <a:ext cx="5486400" cy="4114800"/>
+          </a:xfrm>
+          <a:prstGeom prst="rect">
+            <a:avLst/>
+          </a:prstGeom>
+          <a:noFill/>
+          <a:ln>
+            <a:noFill/>
+          </a:ln>
+        </p:spPr>
+        <p:txBody>
+          <a:bodyPr spcFirstLastPara="1" wrap="square" lIns="91425" tIns="91425" rIns="91425" bIns="91425" anchor="t" anchorCtr="0">
+            <a:noAutofit/>
+          </a:bodyPr>
+          <a:lstStyle/>
+          <a:p>
+            <a:pPr marL="0" lvl="0" indent="0" algn="l" rtl="0">
+              <a:lnSpc>
+                <a:spcPct val="100000"/>
+              </a:lnSpc>
+              <a:spcBef>
+                <a:spcPts val="0"/>
+              </a:spcBef>
+              <a:spcAft>
+                <a:spcPts val="0"/>
+              </a:spcAft>
+              <a:buSzPts val="1100"/>
+              <a:buNone/>
+            </a:pPr>
+            <a:endParaRPr/>
+          </a:p>
+        </p:txBody>
+      </p:sp>
+    </p:spTree>
+    <p:extLst>
+      <p:ext uri="{BB962C8B-B14F-4D97-AF65-F5344CB8AC3E}">
+        <p14:creationId xmlns:p14="http://schemas.microsoft.com/office/powerpoint/2010/main" val="2305397208"/>
+      </p:ext>
+    </p:extLst>
+  </p:cSld>
+  <p:clrMapOvr>
+    <a:masterClrMapping/>
+  </p:clrMapOvr>
+</p:notes>
+</file>
+
+<file path=ppt/notesSlides/notesSlide14.xml><?xml version="1.0" encoding="utf-8"?>
+<p:notes xmlns:a="http://schemas.openxmlformats.org/drawingml/2006/main" xmlns:r="http://schemas.openxmlformats.org/officeDocument/2006/relationships" xmlns:p="http://schemas.openxmlformats.org/presentationml/2006/main" showMasterSp="0" showMasterPhAnim="0">
+  <p:cSld>
+    <p:spTree>
+      <p:nvGrpSpPr>
+        <p:cNvPr id="1" name="Shape 77"/>
+        <p:cNvGrpSpPr/>
+        <p:nvPr/>
+      </p:nvGrpSpPr>
+      <p:grpSpPr>
+        <a:xfrm>
+          <a:off x="0" y="0"/>
+          <a:ext cx="0" cy="0"/>
+          <a:chOff x="0" y="0"/>
+          <a:chExt cx="0" cy="0"/>
+        </a:xfrm>
+      </p:grpSpPr>
+      <p:sp>
+        <p:nvSpPr>
+          <p:cNvPr id="78" name="Google Shape;78;g136c21aa1b1_0_0:notes"/>
+          <p:cNvSpPr>
+            <a:spLocks noGrp="1" noRot="1" noChangeAspect="1"/>
+          </p:cNvSpPr>
+          <p:nvPr>
+            <p:ph type="sldImg" idx="2"/>
+          </p:nvPr>
+        </p:nvSpPr>
+        <p:spPr>
+          <a:xfrm>
+            <a:off x="381000" y="685800"/>
+            <a:ext cx="6096000" cy="3429000"/>
+          </a:xfrm>
+          <a:custGeom>
+            <a:avLst/>
+            <a:gdLst/>
+            <a:ahLst/>
+            <a:cxnLst/>
+            <a:rect l="l" t="t" r="r" b="b"/>
+            <a:pathLst>
+              <a:path w="120000" h="120000" extrusionOk="0">
+                <a:moveTo>
+                  <a:pt x="0" y="0"/>
+                </a:moveTo>
+                <a:lnTo>
+                  <a:pt x="120000" y="0"/>
+                </a:lnTo>
+                <a:lnTo>
+                  <a:pt x="120000" y="120000"/>
+                </a:lnTo>
+                <a:lnTo>
+                  <a:pt x="0" y="120000"/>
+                </a:lnTo>
+                <a:close/>
+              </a:path>
+            </a:pathLst>
+          </a:custGeom>
+          <a:noFill/>
+          <a:ln w="9525" cap="flat" cmpd="sng">
+            <a:solidFill>
+              <a:srgbClr val="000000"/>
+            </a:solidFill>
+            <a:prstDash val="solid"/>
+            <a:round/>
+            <a:headEnd type="none" w="sm" len="sm"/>
+            <a:tailEnd type="none" w="sm" len="sm"/>
+          </a:ln>
+        </p:spPr>
+      </p:sp>
+      <p:sp>
+        <p:nvSpPr>
+          <p:cNvPr id="79" name="Google Shape;79;g136c21aa1b1_0_0:notes"/>
+          <p:cNvSpPr txBox="1">
+            <a:spLocks noGrp="1"/>
+          </p:cNvSpPr>
+          <p:nvPr>
+            <p:ph type="body" idx="1"/>
+          </p:nvPr>
+        </p:nvSpPr>
+        <p:spPr>
+          <a:xfrm>
+            <a:off x="685800" y="4343400"/>
+            <a:ext cx="5486400" cy="4114800"/>
+          </a:xfrm>
+          <a:prstGeom prst="rect">
+            <a:avLst/>
+          </a:prstGeom>
+          <a:noFill/>
+          <a:ln>
+            <a:noFill/>
+          </a:ln>
+        </p:spPr>
+        <p:txBody>
+          <a:bodyPr spcFirstLastPara="1" wrap="square" lIns="91425" tIns="91425" rIns="91425" bIns="91425" anchor="t" anchorCtr="0">
+            <a:noAutofit/>
+          </a:bodyPr>
+          <a:lstStyle/>
+          <a:p>
+            <a:pPr marL="0" lvl="0" indent="0" algn="l" rtl="0">
+              <a:lnSpc>
+                <a:spcPct val="100000"/>
+              </a:lnSpc>
+              <a:spcBef>
+                <a:spcPts val="0"/>
+              </a:spcBef>
+              <a:spcAft>
+                <a:spcPts val="0"/>
+              </a:spcAft>
+              <a:buSzPts val="1100"/>
+              <a:buNone/>
+            </a:pPr>
+            <a:endParaRPr/>
+          </a:p>
+        </p:txBody>
+      </p:sp>
+    </p:spTree>
+    <p:extLst>
+      <p:ext uri="{BB962C8B-B14F-4D97-AF65-F5344CB8AC3E}">
+        <p14:creationId xmlns:p14="http://schemas.microsoft.com/office/powerpoint/2010/main" val="294117372"/>
+      </p:ext>
+    </p:extLst>
+  </p:cSld>
+  <p:clrMapOvr>
+    <a:masterClrMapping/>
+  </p:clrMapOvr>
+</p:notes>
+</file>
+
+<file path=ppt/notesSlides/notesSlide15.xml><?xml version="1.0" encoding="utf-8"?>
+<p:notes xmlns:a="http://schemas.openxmlformats.org/drawingml/2006/main" xmlns:r="http://schemas.openxmlformats.org/officeDocument/2006/relationships" xmlns:p="http://schemas.openxmlformats.org/presentationml/2006/main" showMasterSp="0" showMasterPhAnim="0">
+  <p:cSld>
+    <p:spTree>
+      <p:nvGrpSpPr>
+        <p:cNvPr id="1" name="Shape 77"/>
+        <p:cNvGrpSpPr/>
+        <p:nvPr/>
+      </p:nvGrpSpPr>
+      <p:grpSpPr>
+        <a:xfrm>
+          <a:off x="0" y="0"/>
+          <a:ext cx="0" cy="0"/>
+          <a:chOff x="0" y="0"/>
+          <a:chExt cx="0" cy="0"/>
+        </a:xfrm>
+      </p:grpSpPr>
+      <p:sp>
+        <p:nvSpPr>
+          <p:cNvPr id="78" name="Google Shape;78;g136c21aa1b1_0_0:notes"/>
+          <p:cNvSpPr>
+            <a:spLocks noGrp="1" noRot="1" noChangeAspect="1"/>
+          </p:cNvSpPr>
+          <p:nvPr>
+            <p:ph type="sldImg" idx="2"/>
+          </p:nvPr>
+        </p:nvSpPr>
+        <p:spPr>
+          <a:xfrm>
+            <a:off x="381000" y="685800"/>
+            <a:ext cx="6096000" cy="3429000"/>
+          </a:xfrm>
+          <a:custGeom>
+            <a:avLst/>
+            <a:gdLst/>
+            <a:ahLst/>
+            <a:cxnLst/>
+            <a:rect l="l" t="t" r="r" b="b"/>
+            <a:pathLst>
+              <a:path w="120000" h="120000" extrusionOk="0">
+                <a:moveTo>
+                  <a:pt x="0" y="0"/>
+                </a:moveTo>
+                <a:lnTo>
+                  <a:pt x="120000" y="0"/>
+                </a:lnTo>
+                <a:lnTo>
+                  <a:pt x="120000" y="120000"/>
+                </a:lnTo>
+                <a:lnTo>
+                  <a:pt x="0" y="120000"/>
+                </a:lnTo>
+                <a:close/>
+              </a:path>
+            </a:pathLst>
+          </a:custGeom>
+          <a:noFill/>
+          <a:ln w="9525" cap="flat" cmpd="sng">
+            <a:solidFill>
+              <a:srgbClr val="000000"/>
+            </a:solidFill>
+            <a:prstDash val="solid"/>
+            <a:round/>
+            <a:headEnd type="none" w="sm" len="sm"/>
+            <a:tailEnd type="none" w="sm" len="sm"/>
+          </a:ln>
+        </p:spPr>
+      </p:sp>
+      <p:sp>
+        <p:nvSpPr>
+          <p:cNvPr id="79" name="Google Shape;79;g136c21aa1b1_0_0:notes"/>
+          <p:cNvSpPr txBox="1">
+            <a:spLocks noGrp="1"/>
+          </p:cNvSpPr>
+          <p:nvPr>
+            <p:ph type="body" idx="1"/>
+          </p:nvPr>
+        </p:nvSpPr>
+        <p:spPr>
+          <a:xfrm>
+            <a:off x="685800" y="4343400"/>
+            <a:ext cx="5486400" cy="4114800"/>
+          </a:xfrm>
+          <a:prstGeom prst="rect">
+            <a:avLst/>
+          </a:prstGeom>
+          <a:noFill/>
+          <a:ln>
+            <a:noFill/>
+          </a:ln>
+        </p:spPr>
+        <p:txBody>
+          <a:bodyPr spcFirstLastPara="1" wrap="square" lIns="91425" tIns="91425" rIns="91425" bIns="91425" anchor="t" anchorCtr="0">
+            <a:noAutofit/>
+          </a:bodyPr>
+          <a:lstStyle/>
+          <a:p>
+            <a:pPr marL="0" lvl="0" indent="0" algn="l" rtl="0">
+              <a:lnSpc>
+                <a:spcPct val="100000"/>
+              </a:lnSpc>
+              <a:spcBef>
+                <a:spcPts val="0"/>
+              </a:spcBef>
+              <a:spcAft>
+                <a:spcPts val="0"/>
+              </a:spcAft>
+              <a:buSzPts val="1100"/>
+              <a:buNone/>
+            </a:pPr>
+            <a:endParaRPr/>
+          </a:p>
+        </p:txBody>
+      </p:sp>
+    </p:spTree>
+    <p:extLst>
+      <p:ext uri="{BB962C8B-B14F-4D97-AF65-F5344CB8AC3E}">
+        <p14:creationId xmlns:p14="http://schemas.microsoft.com/office/powerpoint/2010/main" val="4275594216"/>
+      </p:ext>
+    </p:extLst>
+  </p:cSld>
+  <p:clrMapOvr>
+    <a:masterClrMapping/>
+  </p:clrMapOvr>
+</p:notes>
+</file>
+
+<file path=ppt/notesSlides/notesSlide16.xml><?xml version="1.0" encoding="utf-8"?>
+<p:notes xmlns:a="http://schemas.openxmlformats.org/drawingml/2006/main" xmlns:r="http://schemas.openxmlformats.org/officeDocument/2006/relationships" xmlns:p="http://schemas.openxmlformats.org/presentationml/2006/main" showMasterSp="0" showMasterPhAnim="0">
+  <p:cSld>
+    <p:spTree>
+      <p:nvGrpSpPr>
+        <p:cNvPr id="1" name="Shape 77"/>
+        <p:cNvGrpSpPr/>
+        <p:nvPr/>
+      </p:nvGrpSpPr>
+      <p:grpSpPr>
+        <a:xfrm>
+          <a:off x="0" y="0"/>
+          <a:ext cx="0" cy="0"/>
+          <a:chOff x="0" y="0"/>
+          <a:chExt cx="0" cy="0"/>
+        </a:xfrm>
+      </p:grpSpPr>
+      <p:sp>
+        <p:nvSpPr>
+          <p:cNvPr id="78" name="Google Shape;78;g136c21aa1b1_0_0:notes"/>
+          <p:cNvSpPr>
+            <a:spLocks noGrp="1" noRot="1" noChangeAspect="1"/>
+          </p:cNvSpPr>
+          <p:nvPr>
+            <p:ph type="sldImg" idx="2"/>
+          </p:nvPr>
+        </p:nvSpPr>
+        <p:spPr>
+          <a:xfrm>
+            <a:off x="381000" y="685800"/>
+            <a:ext cx="6096000" cy="3429000"/>
+          </a:xfrm>
+          <a:custGeom>
+            <a:avLst/>
+            <a:gdLst/>
+            <a:ahLst/>
+            <a:cxnLst/>
+            <a:rect l="l" t="t" r="r" b="b"/>
+            <a:pathLst>
+              <a:path w="120000" h="120000" extrusionOk="0">
+                <a:moveTo>
+                  <a:pt x="0" y="0"/>
+                </a:moveTo>
+                <a:lnTo>
+                  <a:pt x="120000" y="0"/>
+                </a:lnTo>
+                <a:lnTo>
+                  <a:pt x="120000" y="120000"/>
+                </a:lnTo>
+                <a:lnTo>
+                  <a:pt x="0" y="120000"/>
+                </a:lnTo>
+                <a:close/>
+              </a:path>
+            </a:pathLst>
+          </a:custGeom>
+          <a:noFill/>
+          <a:ln w="9525" cap="flat" cmpd="sng">
+            <a:solidFill>
+              <a:srgbClr val="000000"/>
+            </a:solidFill>
+            <a:prstDash val="solid"/>
+            <a:round/>
+            <a:headEnd type="none" w="sm" len="sm"/>
+            <a:tailEnd type="none" w="sm" len="sm"/>
+          </a:ln>
+        </p:spPr>
+      </p:sp>
+      <p:sp>
+        <p:nvSpPr>
+          <p:cNvPr id="79" name="Google Shape;79;g136c21aa1b1_0_0:notes"/>
+          <p:cNvSpPr txBox="1">
+            <a:spLocks noGrp="1"/>
+          </p:cNvSpPr>
+          <p:nvPr>
+            <p:ph type="body" idx="1"/>
+          </p:nvPr>
+        </p:nvSpPr>
+        <p:spPr>
+          <a:xfrm>
+            <a:off x="685800" y="4343400"/>
+            <a:ext cx="5486400" cy="4114800"/>
+          </a:xfrm>
+          <a:prstGeom prst="rect">
+            <a:avLst/>
+          </a:prstGeom>
+          <a:noFill/>
+          <a:ln>
+            <a:noFill/>
+          </a:ln>
+        </p:spPr>
+        <p:txBody>
+          <a:bodyPr spcFirstLastPara="1" wrap="square" lIns="91425" tIns="91425" rIns="91425" bIns="91425" anchor="t" anchorCtr="0">
+            <a:noAutofit/>
+          </a:bodyPr>
+          <a:lstStyle/>
+          <a:p>
+            <a:pPr marL="0" lvl="0" indent="0" algn="l" rtl="0">
+              <a:lnSpc>
+                <a:spcPct val="100000"/>
+              </a:lnSpc>
+              <a:spcBef>
+                <a:spcPts val="0"/>
+              </a:spcBef>
+              <a:spcAft>
+                <a:spcPts val="0"/>
+              </a:spcAft>
+              <a:buSzPts val="1100"/>
+              <a:buNone/>
+            </a:pPr>
+            <a:endParaRPr/>
+          </a:p>
+        </p:txBody>
+      </p:sp>
+    </p:spTree>
+    <p:extLst>
+      <p:ext uri="{BB962C8B-B14F-4D97-AF65-F5344CB8AC3E}">
+        <p14:creationId xmlns:p14="http://schemas.microsoft.com/office/powerpoint/2010/main" val="2183448161"/>
+      </p:ext>
+    </p:extLst>
+  </p:cSld>
+  <p:clrMapOvr>
+    <a:masterClrMapping/>
+  </p:clrMapOvr>
+</p:notes>
+</file>
+
+<file path=ppt/notesSlides/notesSlide17.xml><?xml version="1.0" encoding="utf-8"?>
+<p:notes xmlns:a="http://schemas.openxmlformats.org/drawingml/2006/main" xmlns:r="http://schemas.openxmlformats.org/officeDocument/2006/relationships" xmlns:p="http://schemas.openxmlformats.org/presentationml/2006/main" showMasterSp="0" showMasterPhAnim="0">
+  <p:cSld>
+    <p:spTree>
+      <p:nvGrpSpPr>
         <p:cNvPr id="1" name="Shape 1458"/>
         <p:cNvGrpSpPr/>
         <p:nvPr/>
@@ -1244,7 +2140,7 @@
     </p:spTree>
     <p:extLst>
       <p:ext uri="{BB962C8B-B14F-4D97-AF65-F5344CB8AC3E}">
-        <p14:creationId xmlns:p14="http://schemas.microsoft.com/office/powerpoint/2010/main" val="2461312408"/>
+        <p14:creationId xmlns:p14="http://schemas.microsoft.com/office/powerpoint/2010/main" val="2006396936"/>
       </p:ext>
     </p:extLst>
   </p:cSld>
@@ -1371,7 +2267,7 @@
     </p:spTree>
     <p:extLst>
       <p:ext uri="{BB962C8B-B14F-4D97-AF65-F5344CB8AC3E}">
-        <p14:creationId xmlns:p14="http://schemas.microsoft.com/office/powerpoint/2010/main" val="2596208464"/>
+        <p14:creationId xmlns:p14="http://schemas.microsoft.com/office/powerpoint/2010/main" val="2461312408"/>
       </p:ext>
     </p:extLst>
   </p:cSld>
@@ -1498,7 +2394,7 @@
     </p:spTree>
     <p:extLst>
       <p:ext uri="{BB962C8B-B14F-4D97-AF65-F5344CB8AC3E}">
-        <p14:creationId xmlns:p14="http://schemas.microsoft.com/office/powerpoint/2010/main" val="2279034785"/>
+        <p14:creationId xmlns:p14="http://schemas.microsoft.com/office/powerpoint/2010/main" val="2596208464"/>
       </p:ext>
     </p:extLst>
   </p:cSld>
@@ -1625,7 +2521,7 @@
     </p:spTree>
     <p:extLst>
       <p:ext uri="{BB962C8B-B14F-4D97-AF65-F5344CB8AC3E}">
-        <p14:creationId xmlns:p14="http://schemas.microsoft.com/office/powerpoint/2010/main" val="3827337515"/>
+        <p14:creationId xmlns:p14="http://schemas.microsoft.com/office/powerpoint/2010/main" val="2279034785"/>
       </p:ext>
     </p:extLst>
   </p:cSld>
@@ -1752,7 +2648,7 @@
     </p:spTree>
     <p:extLst>
       <p:ext uri="{BB962C8B-B14F-4D97-AF65-F5344CB8AC3E}">
-        <p14:creationId xmlns:p14="http://schemas.microsoft.com/office/powerpoint/2010/main" val="2444010036"/>
+        <p14:creationId xmlns:p14="http://schemas.microsoft.com/office/powerpoint/2010/main" val="3585528953"/>
       </p:ext>
     </p:extLst>
   </p:cSld>
@@ -1879,7 +2775,7 @@
     </p:spTree>
     <p:extLst>
       <p:ext uri="{BB962C8B-B14F-4D97-AF65-F5344CB8AC3E}">
-        <p14:creationId xmlns:p14="http://schemas.microsoft.com/office/powerpoint/2010/main" val="2305397208"/>
+        <p14:creationId xmlns:p14="http://schemas.microsoft.com/office/powerpoint/2010/main" val="1594703980"/>
       </p:ext>
     </p:extLst>
   </p:cSld>
@@ -2006,7 +2902,7 @@
     </p:spTree>
     <p:extLst>
       <p:ext uri="{BB962C8B-B14F-4D97-AF65-F5344CB8AC3E}">
-        <p14:creationId xmlns:p14="http://schemas.microsoft.com/office/powerpoint/2010/main" val="2183448161"/>
+        <p14:creationId xmlns:p14="http://schemas.microsoft.com/office/powerpoint/2010/main" val="305945251"/>
       </p:ext>
     </p:extLst>
   </p:cSld>
@@ -6659,6 +7555,3116 @@
     <p:bg>
       <p:bgPr>
         <a:solidFill>
+          <a:srgbClr val="FFFFFF"/>
+        </a:solidFill>
+        <a:effectLst/>
+      </p:bgPr>
+    </p:bg>
+    <p:spTree>
+      <p:nvGrpSpPr>
+        <p:cNvPr id="1" name="Shape 80"/>
+        <p:cNvGrpSpPr/>
+        <p:nvPr/>
+      </p:nvGrpSpPr>
+      <p:grpSpPr>
+        <a:xfrm>
+          <a:off x="0" y="0"/>
+          <a:ext cx="0" cy="0"/>
+          <a:chOff x="0" y="0"/>
+          <a:chExt cx="0" cy="0"/>
+        </a:xfrm>
+      </p:grpSpPr>
+      <p:pic>
+        <p:nvPicPr>
+          <p:cNvPr id="81" name="Google Shape;81;p16"/>
+          <p:cNvPicPr preferRelativeResize="0"/>
+          <p:nvPr/>
+        </p:nvPicPr>
+        <p:blipFill rotWithShape="1">
+          <a:blip r:embed="rId3">
+            <a:alphaModFix/>
+          </a:blip>
+          <a:srcRect/>
+          <a:stretch/>
+        </p:blipFill>
+        <p:spPr>
+          <a:xfrm>
+            <a:off x="6773925" y="152400"/>
+            <a:ext cx="2370067" cy="4838700"/>
+          </a:xfrm>
+          <a:prstGeom prst="rect">
+            <a:avLst/>
+          </a:prstGeom>
+          <a:noFill/>
+          <a:ln>
+            <a:noFill/>
+          </a:ln>
+        </p:spPr>
+      </p:pic>
+      <p:cxnSp>
+        <p:nvCxnSpPr>
+          <p:cNvPr id="82" name="Google Shape;82;p16"/>
+          <p:cNvCxnSpPr/>
+          <p:nvPr/>
+        </p:nvCxnSpPr>
+        <p:spPr>
+          <a:xfrm flipH="1">
+            <a:off x="1640225" y="427100"/>
+            <a:ext cx="5884200" cy="8400"/>
+          </a:xfrm>
+          <a:prstGeom prst="straightConnector1">
+            <a:avLst/>
+          </a:prstGeom>
+          <a:noFill/>
+          <a:ln w="19050" cap="flat" cmpd="sng">
+            <a:solidFill>
+              <a:srgbClr val="761A79"/>
+            </a:solidFill>
+            <a:prstDash val="solid"/>
+            <a:round/>
+            <a:headEnd type="none" w="sm" len="sm"/>
+            <a:tailEnd type="none" w="sm" len="sm"/>
+          </a:ln>
+        </p:spPr>
+      </p:cxnSp>
+      <p:sp>
+        <p:nvSpPr>
+          <p:cNvPr id="84" name="Google Shape;84;p16"/>
+          <p:cNvSpPr txBox="1"/>
+          <p:nvPr/>
+        </p:nvSpPr>
+        <p:spPr>
+          <a:xfrm>
+            <a:off x="454375" y="144400"/>
+            <a:ext cx="2499000" cy="572700"/>
+          </a:xfrm>
+          <a:prstGeom prst="rect">
+            <a:avLst/>
+          </a:prstGeom>
+          <a:noFill/>
+          <a:ln>
+            <a:noFill/>
+          </a:ln>
+        </p:spPr>
+        <p:txBody>
+          <a:bodyPr spcFirstLastPara="1" wrap="square" lIns="91425" tIns="91425" rIns="91425" bIns="91425" anchor="ctr" anchorCtr="0">
+            <a:normAutofit/>
+          </a:bodyPr>
+          <a:lstStyle/>
+          <a:p>
+            <a:pPr marL="0" marR="0" lvl="0" indent="0" algn="l" rtl="0">
+              <a:lnSpc>
+                <a:spcPct val="100000"/>
+              </a:lnSpc>
+              <a:spcBef>
+                <a:spcPts val="0"/>
+              </a:spcBef>
+              <a:spcAft>
+                <a:spcPts val="0"/>
+              </a:spcAft>
+              <a:buClr>
+                <a:srgbClr val="000000"/>
+              </a:buClr>
+              <a:buSzPts val="1400"/>
+              <a:buFont typeface="Arial"/>
+              <a:buNone/>
+            </a:pPr>
+            <a:r>
+              <a:rPr lang="en" sz="1400" b="0" i="0" u="none" strike="noStrike" cap="none">
+                <a:solidFill>
+                  <a:srgbClr val="761A79"/>
+                </a:solidFill>
+                <a:latin typeface="Montserrat ExtraBold"/>
+                <a:ea typeface="Montserrat ExtraBold"/>
+                <a:cs typeface="Montserrat ExtraBold"/>
+                <a:sym typeface="Montserrat ExtraBold"/>
+              </a:rPr>
+              <a:t>Pengantar</a:t>
+            </a:r>
+            <a:endParaRPr sz="1400" b="0" i="0" u="none" strike="noStrike" cap="none">
+              <a:solidFill>
+                <a:srgbClr val="761A79"/>
+              </a:solidFill>
+              <a:latin typeface="Montserrat ExtraBold"/>
+              <a:ea typeface="Montserrat ExtraBold"/>
+              <a:cs typeface="Montserrat ExtraBold"/>
+              <a:sym typeface="Montserrat ExtraBold"/>
+            </a:endParaRPr>
+          </a:p>
+        </p:txBody>
+      </p:sp>
+      <p:sp>
+        <p:nvSpPr>
+          <p:cNvPr id="85" name="Google Shape;85;p16"/>
+          <p:cNvSpPr txBox="1"/>
+          <p:nvPr/>
+        </p:nvSpPr>
+        <p:spPr>
+          <a:xfrm>
+            <a:off x="8382000" y="4648200"/>
+            <a:ext cx="548700" cy="393600"/>
+          </a:xfrm>
+          <a:prstGeom prst="rect">
+            <a:avLst/>
+          </a:prstGeom>
+          <a:noFill/>
+          <a:ln>
+            <a:noFill/>
+          </a:ln>
+        </p:spPr>
+        <p:txBody>
+          <a:bodyPr spcFirstLastPara="1" wrap="square" lIns="91425" tIns="91425" rIns="91425" bIns="91425" anchor="ctr" anchorCtr="0">
+            <a:noAutofit/>
+          </a:bodyPr>
+          <a:lstStyle/>
+          <a:p>
+            <a:pPr marL="0" marR="0" lvl="0" indent="0" algn="r" rtl="0">
+              <a:lnSpc>
+                <a:spcPct val="100000"/>
+              </a:lnSpc>
+              <a:spcBef>
+                <a:spcPts val="0"/>
+              </a:spcBef>
+              <a:spcAft>
+                <a:spcPts val="0"/>
+              </a:spcAft>
+              <a:buClr>
+                <a:srgbClr val="000000"/>
+              </a:buClr>
+              <a:buSzPts val="1000"/>
+              <a:buFont typeface="Arial"/>
+              <a:buNone/>
+            </a:pPr>
+            <a:fld id="{00000000-1234-1234-1234-123412341234}" type="slidenum">
+              <a:rPr lang="en" sz="1000" b="1" i="0" u="none" strike="noStrike" cap="none">
+                <a:solidFill>
+                  <a:srgbClr val="733572"/>
+                </a:solidFill>
+                <a:latin typeface="Montserrat"/>
+                <a:ea typeface="Montserrat"/>
+                <a:cs typeface="Montserrat"/>
+                <a:sym typeface="Montserrat"/>
+              </a:rPr>
+              <a:t>10</a:t>
+            </a:fld>
+            <a:endParaRPr sz="1000" b="1" i="0" u="none" strike="noStrike" cap="none">
+              <a:solidFill>
+                <a:srgbClr val="733572"/>
+              </a:solidFill>
+              <a:latin typeface="Montserrat"/>
+              <a:ea typeface="Montserrat"/>
+              <a:cs typeface="Montserrat"/>
+              <a:sym typeface="Montserrat"/>
+            </a:endParaRPr>
+          </a:p>
+        </p:txBody>
+      </p:sp>
+      <p:sp>
+        <p:nvSpPr>
+          <p:cNvPr id="86" name="Google Shape;86;p16"/>
+          <p:cNvSpPr txBox="1"/>
+          <p:nvPr/>
+        </p:nvSpPr>
+        <p:spPr>
+          <a:xfrm>
+            <a:off x="454375" y="748200"/>
+            <a:ext cx="7657998" cy="555900"/>
+          </a:xfrm>
+          <a:prstGeom prst="rect">
+            <a:avLst/>
+          </a:prstGeom>
+          <a:noFill/>
+          <a:ln>
+            <a:noFill/>
+          </a:ln>
+        </p:spPr>
+        <p:txBody>
+          <a:bodyPr spcFirstLastPara="1" wrap="square" lIns="91425" tIns="91425" rIns="91425" bIns="91425" anchor="ctr" anchorCtr="0">
+            <a:noAutofit/>
+          </a:bodyPr>
+          <a:lstStyle/>
+          <a:p>
+            <a:pPr marL="0" marR="0" lvl="0" indent="0" algn="just" rtl="0">
+              <a:lnSpc>
+                <a:spcPct val="115000"/>
+              </a:lnSpc>
+              <a:spcBef>
+                <a:spcPts val="0"/>
+              </a:spcBef>
+              <a:spcAft>
+                <a:spcPts val="0"/>
+              </a:spcAft>
+              <a:buClr>
+                <a:srgbClr val="000000"/>
+              </a:buClr>
+              <a:buSzPts val="1600"/>
+              <a:buFont typeface="Arial"/>
+              <a:buNone/>
+            </a:pPr>
+            <a:r>
+              <a:rPr lang="en-US" sz="1600" b="1" i="0" u="none" strike="noStrike" cap="none" dirty="0">
+                <a:solidFill>
+                  <a:srgbClr val="743673"/>
+                </a:solidFill>
+                <a:latin typeface="Montserrat"/>
+                <a:ea typeface="Montserrat"/>
+                <a:cs typeface="Montserrat"/>
+                <a:sym typeface="Montserrat"/>
+              </a:rPr>
+              <a:t>Program </a:t>
+            </a:r>
+            <a:r>
+              <a:rPr lang="en-US" sz="1600" b="1" i="0" u="none" strike="noStrike" cap="none" dirty="0" err="1">
+                <a:solidFill>
+                  <a:srgbClr val="743673"/>
+                </a:solidFill>
+                <a:latin typeface="Montserrat"/>
+                <a:ea typeface="Montserrat"/>
+                <a:cs typeface="Montserrat"/>
+                <a:sym typeface="Montserrat"/>
+              </a:rPr>
+              <a:t>menampilkan</a:t>
+            </a:r>
+            <a:r>
+              <a:rPr lang="en-US" sz="1600" b="1" i="0" u="none" strike="noStrike" cap="none" dirty="0">
+                <a:solidFill>
+                  <a:srgbClr val="743673"/>
+                </a:solidFill>
+                <a:latin typeface="Montserrat"/>
+                <a:ea typeface="Montserrat"/>
+                <a:cs typeface="Montserrat"/>
+                <a:sym typeface="Montserrat"/>
+              </a:rPr>
+              <a:t> </a:t>
+            </a:r>
+            <a:r>
+              <a:rPr lang="en-US" sz="1600" b="1" i="0" u="none" strike="noStrike" cap="none" dirty="0" err="1">
+                <a:solidFill>
+                  <a:srgbClr val="743673"/>
+                </a:solidFill>
+                <a:latin typeface="Montserrat"/>
+                <a:ea typeface="Montserrat"/>
+                <a:cs typeface="Montserrat"/>
+                <a:sym typeface="Montserrat"/>
+              </a:rPr>
+              <a:t>seluruh</a:t>
+            </a:r>
+            <a:r>
+              <a:rPr lang="en-US" sz="1600" b="1" i="0" u="none" strike="noStrike" cap="none" dirty="0">
+                <a:solidFill>
+                  <a:srgbClr val="743673"/>
+                </a:solidFill>
+                <a:latin typeface="Montserrat"/>
+                <a:ea typeface="Montserrat"/>
+                <a:cs typeface="Montserrat"/>
+                <a:sym typeface="Montserrat"/>
+              </a:rPr>
+              <a:t> </a:t>
+            </a:r>
+            <a:r>
+              <a:rPr lang="en-US" sz="1600" b="1" i="0" u="none" strike="noStrike" cap="none" dirty="0" err="1">
+                <a:solidFill>
+                  <a:srgbClr val="743673"/>
+                </a:solidFill>
+                <a:latin typeface="Montserrat"/>
+                <a:ea typeface="Montserrat"/>
+                <a:cs typeface="Montserrat"/>
+                <a:sym typeface="Montserrat"/>
+              </a:rPr>
+              <a:t>isi</a:t>
+            </a:r>
+            <a:r>
+              <a:rPr lang="en-US" sz="1600" b="1" i="0" u="none" strike="noStrike" cap="none" dirty="0">
+                <a:solidFill>
+                  <a:srgbClr val="743673"/>
+                </a:solidFill>
+                <a:latin typeface="Montserrat"/>
+                <a:ea typeface="Montserrat"/>
+                <a:cs typeface="Montserrat"/>
+                <a:sym typeface="Montserrat"/>
+              </a:rPr>
+              <a:t> array</a:t>
+            </a:r>
+          </a:p>
+        </p:txBody>
+      </p:sp>
+      <p:pic>
+        <p:nvPicPr>
+          <p:cNvPr id="7" name="Picture 6">
+            <a:extLst>
+              <a:ext uri="{FF2B5EF4-FFF2-40B4-BE49-F238E27FC236}">
+                <a16:creationId xmlns:a16="http://schemas.microsoft.com/office/drawing/2014/main" id="{C3B3FF1E-09FF-EB46-EE71-406D8E61ED89}"/>
+              </a:ext>
+            </a:extLst>
+          </p:cNvPr>
+          <p:cNvPicPr>
+            <a:picLocks noChangeAspect="1"/>
+          </p:cNvPicPr>
+          <p:nvPr/>
+        </p:nvPicPr>
+        <p:blipFill>
+          <a:blip r:embed="rId4"/>
+          <a:stretch>
+            <a:fillRect/>
+          </a:stretch>
+        </p:blipFill>
+        <p:spPr>
+          <a:xfrm>
+            <a:off x="525252" y="1335201"/>
+            <a:ext cx="4104116" cy="2582652"/>
+          </a:xfrm>
+          <a:prstGeom prst="rect">
+            <a:avLst/>
+          </a:prstGeom>
+        </p:spPr>
+      </p:pic>
+      <p:pic>
+        <p:nvPicPr>
+          <p:cNvPr id="9" name="Picture 8">
+            <a:extLst>
+              <a:ext uri="{FF2B5EF4-FFF2-40B4-BE49-F238E27FC236}">
+                <a16:creationId xmlns:a16="http://schemas.microsoft.com/office/drawing/2014/main" id="{6F0097D4-F5BF-1B6A-4CCC-939542DF5F94}"/>
+              </a:ext>
+            </a:extLst>
+          </p:cNvPr>
+          <p:cNvPicPr>
+            <a:picLocks noChangeAspect="1"/>
+          </p:cNvPicPr>
+          <p:nvPr/>
+        </p:nvPicPr>
+        <p:blipFill>
+          <a:blip r:embed="rId5"/>
+          <a:stretch>
+            <a:fillRect/>
+          </a:stretch>
+        </p:blipFill>
+        <p:spPr>
+          <a:xfrm>
+            <a:off x="4804117" y="1174139"/>
+            <a:ext cx="4181034" cy="2619295"/>
+          </a:xfrm>
+          <a:prstGeom prst="rect">
+            <a:avLst/>
+          </a:prstGeom>
+        </p:spPr>
+      </p:pic>
+    </p:spTree>
+    <p:extLst>
+      <p:ext uri="{BB962C8B-B14F-4D97-AF65-F5344CB8AC3E}">
+        <p14:creationId xmlns:p14="http://schemas.microsoft.com/office/powerpoint/2010/main" val="1465024520"/>
+      </p:ext>
+    </p:extLst>
+  </p:cSld>
+  <p:clrMapOvr>
+    <a:masterClrMapping/>
+  </p:clrMapOvr>
+</p:sld>
+</file>
+
+<file path=ppt/slides/slide11.xml><?xml version="1.0" encoding="utf-8"?>
+<p:sld xmlns:a="http://schemas.openxmlformats.org/drawingml/2006/main" xmlns:r="http://schemas.openxmlformats.org/officeDocument/2006/relationships" xmlns:p="http://schemas.openxmlformats.org/presentationml/2006/main">
+  <p:cSld>
+    <p:bg>
+      <p:bgPr>
+        <a:solidFill>
+          <a:srgbClr val="FFFFFF"/>
+        </a:solidFill>
+        <a:effectLst/>
+      </p:bgPr>
+    </p:bg>
+    <p:spTree>
+      <p:nvGrpSpPr>
+        <p:cNvPr id="1" name="Shape 80"/>
+        <p:cNvGrpSpPr/>
+        <p:nvPr/>
+      </p:nvGrpSpPr>
+      <p:grpSpPr>
+        <a:xfrm>
+          <a:off x="0" y="0"/>
+          <a:ext cx="0" cy="0"/>
+          <a:chOff x="0" y="0"/>
+          <a:chExt cx="0" cy="0"/>
+        </a:xfrm>
+      </p:grpSpPr>
+      <p:pic>
+        <p:nvPicPr>
+          <p:cNvPr id="81" name="Google Shape;81;p16"/>
+          <p:cNvPicPr preferRelativeResize="0"/>
+          <p:nvPr/>
+        </p:nvPicPr>
+        <p:blipFill rotWithShape="1">
+          <a:blip r:embed="rId3">
+            <a:alphaModFix/>
+          </a:blip>
+          <a:srcRect/>
+          <a:stretch/>
+        </p:blipFill>
+        <p:spPr>
+          <a:xfrm>
+            <a:off x="6773933" y="101700"/>
+            <a:ext cx="2370067" cy="4838700"/>
+          </a:xfrm>
+          <a:prstGeom prst="rect">
+            <a:avLst/>
+          </a:prstGeom>
+          <a:noFill/>
+          <a:ln>
+            <a:noFill/>
+          </a:ln>
+        </p:spPr>
+      </p:pic>
+      <p:cxnSp>
+        <p:nvCxnSpPr>
+          <p:cNvPr id="82" name="Google Shape;82;p16"/>
+          <p:cNvCxnSpPr/>
+          <p:nvPr/>
+        </p:nvCxnSpPr>
+        <p:spPr>
+          <a:xfrm flipH="1">
+            <a:off x="1640225" y="427100"/>
+            <a:ext cx="5884200" cy="8400"/>
+          </a:xfrm>
+          <a:prstGeom prst="straightConnector1">
+            <a:avLst/>
+          </a:prstGeom>
+          <a:noFill/>
+          <a:ln w="19050" cap="flat" cmpd="sng">
+            <a:solidFill>
+              <a:srgbClr val="761A79"/>
+            </a:solidFill>
+            <a:prstDash val="solid"/>
+            <a:round/>
+            <a:headEnd type="none" w="sm" len="sm"/>
+            <a:tailEnd type="none" w="sm" len="sm"/>
+          </a:ln>
+        </p:spPr>
+      </p:cxnSp>
+      <p:sp>
+        <p:nvSpPr>
+          <p:cNvPr id="84" name="Google Shape;84;p16"/>
+          <p:cNvSpPr txBox="1"/>
+          <p:nvPr/>
+        </p:nvSpPr>
+        <p:spPr>
+          <a:xfrm>
+            <a:off x="454375" y="144400"/>
+            <a:ext cx="2499000" cy="572700"/>
+          </a:xfrm>
+          <a:prstGeom prst="rect">
+            <a:avLst/>
+          </a:prstGeom>
+          <a:noFill/>
+          <a:ln>
+            <a:noFill/>
+          </a:ln>
+        </p:spPr>
+        <p:txBody>
+          <a:bodyPr spcFirstLastPara="1" wrap="square" lIns="91425" tIns="91425" rIns="91425" bIns="91425" anchor="ctr" anchorCtr="0">
+            <a:normAutofit/>
+          </a:bodyPr>
+          <a:lstStyle/>
+          <a:p>
+            <a:pPr marL="0" marR="0" lvl="0" indent="0" algn="l" rtl="0">
+              <a:lnSpc>
+                <a:spcPct val="100000"/>
+              </a:lnSpc>
+              <a:spcBef>
+                <a:spcPts val="0"/>
+              </a:spcBef>
+              <a:spcAft>
+                <a:spcPts val="0"/>
+              </a:spcAft>
+              <a:buClr>
+                <a:srgbClr val="000000"/>
+              </a:buClr>
+              <a:buSzPts val="1400"/>
+              <a:buFont typeface="Arial"/>
+              <a:buNone/>
+            </a:pPr>
+            <a:r>
+              <a:rPr lang="en" sz="1400" b="0" i="0" u="none" strike="noStrike" cap="none">
+                <a:solidFill>
+                  <a:srgbClr val="761A79"/>
+                </a:solidFill>
+                <a:latin typeface="Montserrat ExtraBold"/>
+                <a:ea typeface="Montserrat ExtraBold"/>
+                <a:cs typeface="Montserrat ExtraBold"/>
+                <a:sym typeface="Montserrat ExtraBold"/>
+              </a:rPr>
+              <a:t>Pengantar</a:t>
+            </a:r>
+            <a:endParaRPr sz="1400" b="0" i="0" u="none" strike="noStrike" cap="none">
+              <a:solidFill>
+                <a:srgbClr val="761A79"/>
+              </a:solidFill>
+              <a:latin typeface="Montserrat ExtraBold"/>
+              <a:ea typeface="Montserrat ExtraBold"/>
+              <a:cs typeface="Montserrat ExtraBold"/>
+              <a:sym typeface="Montserrat ExtraBold"/>
+            </a:endParaRPr>
+          </a:p>
+        </p:txBody>
+      </p:sp>
+      <p:sp>
+        <p:nvSpPr>
+          <p:cNvPr id="85" name="Google Shape;85;p16"/>
+          <p:cNvSpPr txBox="1"/>
+          <p:nvPr/>
+        </p:nvSpPr>
+        <p:spPr>
+          <a:xfrm>
+            <a:off x="8382000" y="4648200"/>
+            <a:ext cx="548700" cy="393600"/>
+          </a:xfrm>
+          <a:prstGeom prst="rect">
+            <a:avLst/>
+          </a:prstGeom>
+          <a:noFill/>
+          <a:ln>
+            <a:noFill/>
+          </a:ln>
+        </p:spPr>
+        <p:txBody>
+          <a:bodyPr spcFirstLastPara="1" wrap="square" lIns="91425" tIns="91425" rIns="91425" bIns="91425" anchor="ctr" anchorCtr="0">
+            <a:noAutofit/>
+          </a:bodyPr>
+          <a:lstStyle/>
+          <a:p>
+            <a:pPr marL="0" marR="0" lvl="0" indent="0" algn="r" rtl="0">
+              <a:lnSpc>
+                <a:spcPct val="100000"/>
+              </a:lnSpc>
+              <a:spcBef>
+                <a:spcPts val="0"/>
+              </a:spcBef>
+              <a:spcAft>
+                <a:spcPts val="0"/>
+              </a:spcAft>
+              <a:buClr>
+                <a:srgbClr val="000000"/>
+              </a:buClr>
+              <a:buSzPts val="1000"/>
+              <a:buFont typeface="Arial"/>
+              <a:buNone/>
+            </a:pPr>
+            <a:fld id="{00000000-1234-1234-1234-123412341234}" type="slidenum">
+              <a:rPr lang="en" sz="1000" b="1" i="0" u="none" strike="noStrike" cap="none">
+                <a:solidFill>
+                  <a:srgbClr val="733572"/>
+                </a:solidFill>
+                <a:latin typeface="Montserrat"/>
+                <a:ea typeface="Montserrat"/>
+                <a:cs typeface="Montserrat"/>
+                <a:sym typeface="Montserrat"/>
+              </a:rPr>
+              <a:t>11</a:t>
+            </a:fld>
+            <a:endParaRPr sz="1000" b="1" i="0" u="none" strike="noStrike" cap="none">
+              <a:solidFill>
+                <a:srgbClr val="733572"/>
+              </a:solidFill>
+              <a:latin typeface="Montserrat"/>
+              <a:ea typeface="Montserrat"/>
+              <a:cs typeface="Montserrat"/>
+              <a:sym typeface="Montserrat"/>
+            </a:endParaRPr>
+          </a:p>
+        </p:txBody>
+      </p:sp>
+      <p:sp>
+        <p:nvSpPr>
+          <p:cNvPr id="86" name="Google Shape;86;p16"/>
+          <p:cNvSpPr txBox="1"/>
+          <p:nvPr/>
+        </p:nvSpPr>
+        <p:spPr>
+          <a:xfrm>
+            <a:off x="454375" y="748200"/>
+            <a:ext cx="7657998" cy="555900"/>
+          </a:xfrm>
+          <a:prstGeom prst="rect">
+            <a:avLst/>
+          </a:prstGeom>
+          <a:noFill/>
+          <a:ln>
+            <a:noFill/>
+          </a:ln>
+        </p:spPr>
+        <p:txBody>
+          <a:bodyPr spcFirstLastPara="1" wrap="square" lIns="91425" tIns="91425" rIns="91425" bIns="91425" anchor="ctr" anchorCtr="0">
+            <a:noAutofit/>
+          </a:bodyPr>
+          <a:lstStyle/>
+          <a:p>
+            <a:pPr marL="0" marR="0" lvl="0" indent="0" algn="just" rtl="0">
+              <a:lnSpc>
+                <a:spcPct val="115000"/>
+              </a:lnSpc>
+              <a:spcBef>
+                <a:spcPts val="0"/>
+              </a:spcBef>
+              <a:spcAft>
+                <a:spcPts val="0"/>
+              </a:spcAft>
+              <a:buClr>
+                <a:srgbClr val="000000"/>
+              </a:buClr>
+              <a:buSzPts val="1600"/>
+              <a:buFont typeface="Arial"/>
+              <a:buNone/>
+            </a:pPr>
+            <a:r>
+              <a:rPr lang="en-US" sz="1600" b="1" i="0" u="none" strike="noStrike" cap="none" dirty="0" err="1">
+                <a:solidFill>
+                  <a:srgbClr val="743673"/>
+                </a:solidFill>
+                <a:latin typeface="Montserrat"/>
+                <a:ea typeface="Montserrat"/>
+                <a:cs typeface="Montserrat"/>
+                <a:sym typeface="Montserrat"/>
+              </a:rPr>
+              <a:t>Fungsi-fungsi</a:t>
+            </a:r>
+            <a:r>
+              <a:rPr lang="en-US" sz="1600" b="1" i="0" u="none" strike="noStrike" cap="none" dirty="0">
+                <a:solidFill>
+                  <a:srgbClr val="743673"/>
+                </a:solidFill>
+                <a:latin typeface="Montserrat"/>
+                <a:ea typeface="Montserrat"/>
+                <a:cs typeface="Montserrat"/>
+                <a:sym typeface="Montserrat"/>
+              </a:rPr>
+              <a:t> Array </a:t>
+            </a:r>
+            <a:r>
+              <a:rPr lang="en-US" sz="1600" b="1" i="0" u="none" strike="noStrike" cap="none" dirty="0" err="1">
+                <a:solidFill>
+                  <a:srgbClr val="743673"/>
+                </a:solidFill>
+                <a:latin typeface="Montserrat"/>
+                <a:ea typeface="Montserrat"/>
+                <a:cs typeface="Montserrat"/>
+                <a:sym typeface="Montserrat"/>
+              </a:rPr>
+              <a:t>dalam</a:t>
+            </a:r>
+            <a:r>
+              <a:rPr lang="en-US" sz="1600" b="1" i="0" u="none" strike="noStrike" cap="none" dirty="0">
+                <a:solidFill>
+                  <a:srgbClr val="743673"/>
+                </a:solidFill>
+                <a:latin typeface="Montserrat"/>
+                <a:ea typeface="Montserrat"/>
+                <a:cs typeface="Montserrat"/>
+                <a:sym typeface="Montserrat"/>
+              </a:rPr>
+              <a:t> PHP</a:t>
+            </a:r>
+          </a:p>
+        </p:txBody>
+      </p:sp>
+      <p:pic>
+        <p:nvPicPr>
+          <p:cNvPr id="3" name="Picture 2">
+            <a:extLst>
+              <a:ext uri="{FF2B5EF4-FFF2-40B4-BE49-F238E27FC236}">
+                <a16:creationId xmlns:a16="http://schemas.microsoft.com/office/drawing/2014/main" id="{19DF93D3-D274-0114-07DA-3AEE6A169952}"/>
+              </a:ext>
+            </a:extLst>
+          </p:cNvPr>
+          <p:cNvPicPr>
+            <a:picLocks noChangeAspect="1"/>
+          </p:cNvPicPr>
+          <p:nvPr/>
+        </p:nvPicPr>
+        <p:blipFill>
+          <a:blip r:embed="rId4"/>
+          <a:stretch>
+            <a:fillRect/>
+          </a:stretch>
+        </p:blipFill>
+        <p:spPr>
+          <a:xfrm>
+            <a:off x="537575" y="1173100"/>
+            <a:ext cx="4871453" cy="2805233"/>
+          </a:xfrm>
+          <a:prstGeom prst="rect">
+            <a:avLst/>
+          </a:prstGeom>
+        </p:spPr>
+      </p:pic>
+      <p:pic>
+        <p:nvPicPr>
+          <p:cNvPr id="5" name="Picture 4">
+            <a:extLst>
+              <a:ext uri="{FF2B5EF4-FFF2-40B4-BE49-F238E27FC236}">
+                <a16:creationId xmlns:a16="http://schemas.microsoft.com/office/drawing/2014/main" id="{AD1C30C5-4797-A378-A433-3915DA4B2797}"/>
+              </a:ext>
+            </a:extLst>
+          </p:cNvPr>
+          <p:cNvPicPr>
+            <a:picLocks noChangeAspect="1"/>
+          </p:cNvPicPr>
+          <p:nvPr/>
+        </p:nvPicPr>
+        <p:blipFill>
+          <a:blip r:embed="rId5"/>
+          <a:stretch>
+            <a:fillRect/>
+          </a:stretch>
+        </p:blipFill>
+        <p:spPr>
+          <a:xfrm>
+            <a:off x="482511" y="4065151"/>
+            <a:ext cx="4871453" cy="676164"/>
+          </a:xfrm>
+          <a:prstGeom prst="rect">
+            <a:avLst/>
+          </a:prstGeom>
+        </p:spPr>
+      </p:pic>
+    </p:spTree>
+    <p:extLst>
+      <p:ext uri="{BB962C8B-B14F-4D97-AF65-F5344CB8AC3E}">
+        <p14:creationId xmlns:p14="http://schemas.microsoft.com/office/powerpoint/2010/main" val="194999450"/>
+      </p:ext>
+    </p:extLst>
+  </p:cSld>
+  <p:clrMapOvr>
+    <a:masterClrMapping/>
+  </p:clrMapOvr>
+</p:sld>
+</file>
+
+<file path=ppt/slides/slide12.xml><?xml version="1.0" encoding="utf-8"?>
+<p:sld xmlns:a="http://schemas.openxmlformats.org/drawingml/2006/main" xmlns:r="http://schemas.openxmlformats.org/officeDocument/2006/relationships" xmlns:p="http://schemas.openxmlformats.org/presentationml/2006/main">
+  <p:cSld>
+    <p:bg>
+      <p:bgPr>
+        <a:solidFill>
+          <a:srgbClr val="FFFFFF"/>
+        </a:solidFill>
+        <a:effectLst/>
+      </p:bgPr>
+    </p:bg>
+    <p:spTree>
+      <p:nvGrpSpPr>
+        <p:cNvPr id="1" name="Shape 80"/>
+        <p:cNvGrpSpPr/>
+        <p:nvPr/>
+      </p:nvGrpSpPr>
+      <p:grpSpPr>
+        <a:xfrm>
+          <a:off x="0" y="0"/>
+          <a:ext cx="0" cy="0"/>
+          <a:chOff x="0" y="0"/>
+          <a:chExt cx="0" cy="0"/>
+        </a:xfrm>
+      </p:grpSpPr>
+      <p:pic>
+        <p:nvPicPr>
+          <p:cNvPr id="81" name="Google Shape;81;p16"/>
+          <p:cNvPicPr preferRelativeResize="0"/>
+          <p:nvPr/>
+        </p:nvPicPr>
+        <p:blipFill rotWithShape="1">
+          <a:blip r:embed="rId3">
+            <a:alphaModFix/>
+          </a:blip>
+          <a:srcRect/>
+          <a:stretch/>
+        </p:blipFill>
+        <p:spPr>
+          <a:xfrm>
+            <a:off x="6773925" y="152400"/>
+            <a:ext cx="2370067" cy="4838700"/>
+          </a:xfrm>
+          <a:prstGeom prst="rect">
+            <a:avLst/>
+          </a:prstGeom>
+          <a:noFill/>
+          <a:ln>
+            <a:noFill/>
+          </a:ln>
+        </p:spPr>
+      </p:pic>
+      <p:cxnSp>
+        <p:nvCxnSpPr>
+          <p:cNvPr id="82" name="Google Shape;82;p16"/>
+          <p:cNvCxnSpPr/>
+          <p:nvPr/>
+        </p:nvCxnSpPr>
+        <p:spPr>
+          <a:xfrm flipH="1">
+            <a:off x="1640225" y="427100"/>
+            <a:ext cx="5884200" cy="8400"/>
+          </a:xfrm>
+          <a:prstGeom prst="straightConnector1">
+            <a:avLst/>
+          </a:prstGeom>
+          <a:noFill/>
+          <a:ln w="19050" cap="flat" cmpd="sng">
+            <a:solidFill>
+              <a:srgbClr val="761A79"/>
+            </a:solidFill>
+            <a:prstDash val="solid"/>
+            <a:round/>
+            <a:headEnd type="none" w="sm" len="sm"/>
+            <a:tailEnd type="none" w="sm" len="sm"/>
+          </a:ln>
+        </p:spPr>
+      </p:cxnSp>
+      <p:sp>
+        <p:nvSpPr>
+          <p:cNvPr id="84" name="Google Shape;84;p16"/>
+          <p:cNvSpPr txBox="1"/>
+          <p:nvPr/>
+        </p:nvSpPr>
+        <p:spPr>
+          <a:xfrm>
+            <a:off x="454375" y="144400"/>
+            <a:ext cx="2499000" cy="572700"/>
+          </a:xfrm>
+          <a:prstGeom prst="rect">
+            <a:avLst/>
+          </a:prstGeom>
+          <a:noFill/>
+          <a:ln>
+            <a:noFill/>
+          </a:ln>
+        </p:spPr>
+        <p:txBody>
+          <a:bodyPr spcFirstLastPara="1" wrap="square" lIns="91425" tIns="91425" rIns="91425" bIns="91425" anchor="ctr" anchorCtr="0">
+            <a:normAutofit/>
+          </a:bodyPr>
+          <a:lstStyle/>
+          <a:p>
+            <a:pPr marL="0" marR="0" lvl="0" indent="0" algn="l" rtl="0">
+              <a:lnSpc>
+                <a:spcPct val="100000"/>
+              </a:lnSpc>
+              <a:spcBef>
+                <a:spcPts val="0"/>
+              </a:spcBef>
+              <a:spcAft>
+                <a:spcPts val="0"/>
+              </a:spcAft>
+              <a:buClr>
+                <a:srgbClr val="000000"/>
+              </a:buClr>
+              <a:buSzPts val="1400"/>
+              <a:buFont typeface="Arial"/>
+              <a:buNone/>
+            </a:pPr>
+            <a:r>
+              <a:rPr lang="en" sz="1400" b="0" i="0" u="none" strike="noStrike" cap="none">
+                <a:solidFill>
+                  <a:srgbClr val="761A79"/>
+                </a:solidFill>
+                <a:latin typeface="Montserrat ExtraBold"/>
+                <a:ea typeface="Montserrat ExtraBold"/>
+                <a:cs typeface="Montserrat ExtraBold"/>
+                <a:sym typeface="Montserrat ExtraBold"/>
+              </a:rPr>
+              <a:t>Pengantar</a:t>
+            </a:r>
+            <a:endParaRPr sz="1400" b="0" i="0" u="none" strike="noStrike" cap="none">
+              <a:solidFill>
+                <a:srgbClr val="761A79"/>
+              </a:solidFill>
+              <a:latin typeface="Montserrat ExtraBold"/>
+              <a:ea typeface="Montserrat ExtraBold"/>
+              <a:cs typeface="Montserrat ExtraBold"/>
+              <a:sym typeface="Montserrat ExtraBold"/>
+            </a:endParaRPr>
+          </a:p>
+        </p:txBody>
+      </p:sp>
+      <p:sp>
+        <p:nvSpPr>
+          <p:cNvPr id="85" name="Google Shape;85;p16"/>
+          <p:cNvSpPr txBox="1"/>
+          <p:nvPr/>
+        </p:nvSpPr>
+        <p:spPr>
+          <a:xfrm>
+            <a:off x="8382000" y="4648200"/>
+            <a:ext cx="548700" cy="393600"/>
+          </a:xfrm>
+          <a:prstGeom prst="rect">
+            <a:avLst/>
+          </a:prstGeom>
+          <a:noFill/>
+          <a:ln>
+            <a:noFill/>
+          </a:ln>
+        </p:spPr>
+        <p:txBody>
+          <a:bodyPr spcFirstLastPara="1" wrap="square" lIns="91425" tIns="91425" rIns="91425" bIns="91425" anchor="ctr" anchorCtr="0">
+            <a:noAutofit/>
+          </a:bodyPr>
+          <a:lstStyle/>
+          <a:p>
+            <a:pPr marL="0" marR="0" lvl="0" indent="0" algn="r" rtl="0">
+              <a:lnSpc>
+                <a:spcPct val="100000"/>
+              </a:lnSpc>
+              <a:spcBef>
+                <a:spcPts val="0"/>
+              </a:spcBef>
+              <a:spcAft>
+                <a:spcPts val="0"/>
+              </a:spcAft>
+              <a:buClr>
+                <a:srgbClr val="000000"/>
+              </a:buClr>
+              <a:buSzPts val="1000"/>
+              <a:buFont typeface="Arial"/>
+              <a:buNone/>
+            </a:pPr>
+            <a:fld id="{00000000-1234-1234-1234-123412341234}" type="slidenum">
+              <a:rPr lang="en" sz="1000" b="1" i="0" u="none" strike="noStrike" cap="none">
+                <a:solidFill>
+                  <a:srgbClr val="733572"/>
+                </a:solidFill>
+                <a:latin typeface="Montserrat"/>
+                <a:ea typeface="Montserrat"/>
+                <a:cs typeface="Montserrat"/>
+                <a:sym typeface="Montserrat"/>
+              </a:rPr>
+              <a:t>12</a:t>
+            </a:fld>
+            <a:endParaRPr sz="1000" b="1" i="0" u="none" strike="noStrike" cap="none">
+              <a:solidFill>
+                <a:srgbClr val="733572"/>
+              </a:solidFill>
+              <a:latin typeface="Montserrat"/>
+              <a:ea typeface="Montserrat"/>
+              <a:cs typeface="Montserrat"/>
+              <a:sym typeface="Montserrat"/>
+            </a:endParaRPr>
+          </a:p>
+        </p:txBody>
+      </p:sp>
+      <p:sp>
+        <p:nvSpPr>
+          <p:cNvPr id="86" name="Google Shape;86;p16"/>
+          <p:cNvSpPr txBox="1"/>
+          <p:nvPr/>
+        </p:nvSpPr>
+        <p:spPr>
+          <a:xfrm>
+            <a:off x="454375" y="748200"/>
+            <a:ext cx="7657998" cy="555900"/>
+          </a:xfrm>
+          <a:prstGeom prst="rect">
+            <a:avLst/>
+          </a:prstGeom>
+          <a:noFill/>
+          <a:ln>
+            <a:noFill/>
+          </a:ln>
+        </p:spPr>
+        <p:txBody>
+          <a:bodyPr spcFirstLastPara="1" wrap="square" lIns="91425" tIns="91425" rIns="91425" bIns="91425" anchor="ctr" anchorCtr="0">
+            <a:noAutofit/>
+          </a:bodyPr>
+          <a:lstStyle/>
+          <a:p>
+            <a:pPr marL="0" marR="0" lvl="0" indent="0" algn="just" rtl="0">
+              <a:lnSpc>
+                <a:spcPct val="115000"/>
+              </a:lnSpc>
+              <a:spcBef>
+                <a:spcPts val="0"/>
+              </a:spcBef>
+              <a:spcAft>
+                <a:spcPts val="0"/>
+              </a:spcAft>
+              <a:buClr>
+                <a:srgbClr val="000000"/>
+              </a:buClr>
+              <a:buSzPts val="1600"/>
+              <a:buFont typeface="Arial"/>
+              <a:buNone/>
+            </a:pPr>
+            <a:r>
+              <a:rPr lang="en-US" sz="1600" b="1" i="0" u="none" strike="noStrike" cap="none" dirty="0" err="1">
+                <a:solidFill>
+                  <a:srgbClr val="743673"/>
+                </a:solidFill>
+                <a:latin typeface="Montserrat"/>
+                <a:ea typeface="Montserrat"/>
+                <a:cs typeface="Montserrat"/>
+                <a:sym typeface="Montserrat"/>
+              </a:rPr>
+              <a:t>Fungsi</a:t>
+            </a:r>
+            <a:r>
+              <a:rPr lang="en-US" sz="1600" b="1" i="0" u="none" strike="noStrike" cap="none" dirty="0">
+                <a:solidFill>
+                  <a:srgbClr val="743673"/>
+                </a:solidFill>
+                <a:latin typeface="Montserrat"/>
+                <a:ea typeface="Montserrat"/>
+                <a:cs typeface="Montserrat"/>
+                <a:sym typeface="Montserrat"/>
+              </a:rPr>
+              <a:t> </a:t>
+            </a:r>
+            <a:r>
+              <a:rPr lang="en-US" sz="1600" b="1" i="0" u="none" strike="noStrike" cap="none" dirty="0" err="1">
+                <a:solidFill>
+                  <a:srgbClr val="743673"/>
+                </a:solidFill>
+                <a:latin typeface="Montserrat"/>
+                <a:ea typeface="Montserrat"/>
+                <a:cs typeface="Montserrat"/>
+                <a:sym typeface="Montserrat"/>
+              </a:rPr>
+              <a:t>dalam</a:t>
+            </a:r>
+            <a:r>
+              <a:rPr lang="en-US" sz="1600" b="1" i="0" u="none" strike="noStrike" cap="none" dirty="0">
+                <a:solidFill>
+                  <a:srgbClr val="743673"/>
+                </a:solidFill>
+                <a:latin typeface="Montserrat"/>
+                <a:ea typeface="Montserrat"/>
+                <a:cs typeface="Montserrat"/>
+                <a:sym typeface="Montserrat"/>
+              </a:rPr>
+              <a:t> PHP</a:t>
+            </a:r>
+          </a:p>
+        </p:txBody>
+      </p:sp>
+      <p:pic>
+        <p:nvPicPr>
+          <p:cNvPr id="4" name="Picture 3">
+            <a:extLst>
+              <a:ext uri="{FF2B5EF4-FFF2-40B4-BE49-F238E27FC236}">
+                <a16:creationId xmlns:a16="http://schemas.microsoft.com/office/drawing/2014/main" id="{0E7638F1-B114-5455-EDFC-8D88717E5654}"/>
+              </a:ext>
+            </a:extLst>
+          </p:cNvPr>
+          <p:cNvPicPr>
+            <a:picLocks noChangeAspect="1"/>
+          </p:cNvPicPr>
+          <p:nvPr/>
+        </p:nvPicPr>
+        <p:blipFill>
+          <a:blip r:embed="rId4"/>
+          <a:stretch>
+            <a:fillRect/>
+          </a:stretch>
+        </p:blipFill>
+        <p:spPr>
+          <a:xfrm>
+            <a:off x="454374" y="2028825"/>
+            <a:ext cx="6515100" cy="1085850"/>
+          </a:xfrm>
+          <a:prstGeom prst="rect">
+            <a:avLst/>
+          </a:prstGeom>
+        </p:spPr>
+      </p:pic>
+      <p:sp>
+        <p:nvSpPr>
+          <p:cNvPr id="7" name="TextBox 6">
+            <a:extLst>
+              <a:ext uri="{FF2B5EF4-FFF2-40B4-BE49-F238E27FC236}">
+                <a16:creationId xmlns:a16="http://schemas.microsoft.com/office/drawing/2014/main" id="{902D7CD7-AA66-32DE-85A0-867968745DCD}"/>
+              </a:ext>
+            </a:extLst>
+          </p:cNvPr>
+          <p:cNvSpPr txBox="1"/>
+          <p:nvPr/>
+        </p:nvSpPr>
+        <p:spPr>
+          <a:xfrm>
+            <a:off x="454374" y="1207402"/>
+            <a:ext cx="8591151" cy="738664"/>
+          </a:xfrm>
+          <a:prstGeom prst="rect">
+            <a:avLst/>
+          </a:prstGeom>
+          <a:noFill/>
+        </p:spPr>
+        <p:txBody>
+          <a:bodyPr wrap="square">
+            <a:spAutoFit/>
+          </a:bodyPr>
+          <a:lstStyle/>
+          <a:p>
+            <a:r>
+              <a:rPr lang="en-ID" dirty="0" err="1"/>
+              <a:t>Fungsi</a:t>
+            </a:r>
+            <a:r>
+              <a:rPr lang="en-ID" dirty="0"/>
+              <a:t> (</a:t>
+            </a:r>
+            <a:r>
+              <a:rPr lang="en-ID" dirty="0" err="1"/>
+              <a:t>atau</a:t>
+            </a:r>
+            <a:r>
+              <a:rPr lang="en-ID" dirty="0"/>
+              <a:t> Function) di </a:t>
+            </a:r>
+            <a:r>
+              <a:rPr lang="en-ID" dirty="0" err="1"/>
+              <a:t>bahasa</a:t>
+            </a:r>
+            <a:r>
+              <a:rPr lang="en-ID" dirty="0"/>
+              <a:t> </a:t>
+            </a:r>
+            <a:r>
+              <a:rPr lang="en-ID" dirty="0" err="1"/>
+              <a:t>pemograman</a:t>
+            </a:r>
+            <a:r>
+              <a:rPr lang="en-ID" dirty="0"/>
+              <a:t> </a:t>
+            </a:r>
+            <a:r>
+              <a:rPr lang="en-ID" dirty="0" err="1"/>
+              <a:t>adalah</a:t>
+            </a:r>
+            <a:r>
+              <a:rPr lang="en-ID" dirty="0"/>
+              <a:t> </a:t>
+            </a:r>
+            <a:r>
+              <a:rPr lang="en-ID" dirty="0" err="1"/>
+              <a:t>kode</a:t>
+            </a:r>
+            <a:r>
+              <a:rPr lang="en-ID" dirty="0"/>
+              <a:t> program yang </a:t>
+            </a:r>
+            <a:r>
+              <a:rPr lang="en-ID" dirty="0" err="1"/>
+              <a:t>dirancang</a:t>
+            </a:r>
+            <a:r>
+              <a:rPr lang="en-ID" dirty="0"/>
+              <a:t> </a:t>
+            </a:r>
+            <a:r>
+              <a:rPr lang="en-ID" dirty="0" err="1"/>
+              <a:t>untuk</a:t>
+            </a:r>
+            <a:r>
+              <a:rPr lang="en-ID" dirty="0"/>
+              <a:t> </a:t>
+            </a:r>
+            <a:r>
+              <a:rPr lang="en-ID" dirty="0" err="1"/>
+              <a:t>menyelesaikan</a:t>
+            </a:r>
+            <a:r>
+              <a:rPr lang="en-ID" dirty="0"/>
+              <a:t> </a:t>
+            </a:r>
+            <a:r>
+              <a:rPr lang="en-ID" dirty="0" err="1"/>
+              <a:t>sebuah</a:t>
+            </a:r>
+            <a:r>
+              <a:rPr lang="en-ID" dirty="0"/>
+              <a:t> </a:t>
+            </a:r>
+            <a:r>
+              <a:rPr lang="en-ID" dirty="0" err="1"/>
+              <a:t>tugas</a:t>
+            </a:r>
+            <a:r>
+              <a:rPr lang="en-ID" dirty="0"/>
+              <a:t> </a:t>
+            </a:r>
+            <a:r>
+              <a:rPr lang="en-ID" dirty="0" err="1"/>
+              <a:t>tertentu</a:t>
+            </a:r>
+            <a:r>
+              <a:rPr lang="en-ID" dirty="0"/>
+              <a:t>, dan </a:t>
+            </a:r>
+            <a:r>
+              <a:rPr lang="en-ID" dirty="0" err="1"/>
+              <a:t>merupakan</a:t>
+            </a:r>
+            <a:r>
+              <a:rPr lang="en-ID" dirty="0"/>
+              <a:t> </a:t>
+            </a:r>
+            <a:r>
+              <a:rPr lang="en-ID" dirty="0" err="1"/>
+              <a:t>bagian</a:t>
+            </a:r>
+            <a:r>
+              <a:rPr lang="en-ID" dirty="0"/>
+              <a:t> </a:t>
+            </a:r>
+            <a:r>
+              <a:rPr lang="en-ID" dirty="0" err="1"/>
+              <a:t>dari</a:t>
+            </a:r>
+            <a:r>
+              <a:rPr lang="en-ID" dirty="0"/>
+              <a:t> program </a:t>
+            </a:r>
+            <a:r>
+              <a:rPr lang="en-ID" dirty="0" err="1"/>
+              <a:t>utama</a:t>
+            </a:r>
+            <a:r>
+              <a:rPr lang="en-ID" dirty="0"/>
+              <a:t>. Kita </a:t>
+            </a:r>
+            <a:r>
+              <a:rPr lang="en-ID" dirty="0" err="1"/>
+              <a:t>dapat</a:t>
+            </a:r>
+            <a:r>
+              <a:rPr lang="en-ID" dirty="0"/>
+              <a:t> </a:t>
+            </a:r>
+            <a:r>
+              <a:rPr lang="en-ID" dirty="0" err="1"/>
+              <a:t>membuat</a:t>
+            </a:r>
+            <a:r>
+              <a:rPr lang="en-ID" dirty="0"/>
+              <a:t> </a:t>
+            </a:r>
+            <a:r>
+              <a:rPr lang="en-ID" dirty="0" err="1"/>
+              <a:t>fungsi</a:t>
+            </a:r>
+            <a:r>
+              <a:rPr lang="en-ID" dirty="0"/>
+              <a:t> </a:t>
+            </a:r>
+            <a:r>
+              <a:rPr lang="en-ID" dirty="0" err="1"/>
+              <a:t>sendiri</a:t>
+            </a:r>
+            <a:r>
+              <a:rPr lang="en-ID" dirty="0"/>
+              <a:t>, </a:t>
+            </a:r>
+            <a:r>
+              <a:rPr lang="en-ID" dirty="0" err="1"/>
+              <a:t>atau</a:t>
+            </a:r>
+            <a:r>
+              <a:rPr lang="en-ID" dirty="0"/>
+              <a:t> </a:t>
+            </a:r>
+            <a:r>
+              <a:rPr lang="en-ID" dirty="0" err="1"/>
+              <a:t>menggunakan</a:t>
+            </a:r>
+            <a:r>
+              <a:rPr lang="en-ID" dirty="0"/>
+              <a:t> </a:t>
+            </a:r>
+            <a:r>
+              <a:rPr lang="en-ID" dirty="0" err="1"/>
+              <a:t>fungsi</a:t>
+            </a:r>
+            <a:r>
+              <a:rPr lang="en-ID" dirty="0"/>
+              <a:t> yang </a:t>
+            </a:r>
+            <a:r>
+              <a:rPr lang="en-ID" dirty="0" err="1"/>
+              <a:t>dibuat</a:t>
+            </a:r>
+            <a:r>
+              <a:rPr lang="en-ID" dirty="0"/>
+              <a:t> oleh programmer lain.</a:t>
+            </a:r>
+          </a:p>
+        </p:txBody>
+      </p:sp>
+    </p:spTree>
+    <p:extLst>
+      <p:ext uri="{BB962C8B-B14F-4D97-AF65-F5344CB8AC3E}">
+        <p14:creationId xmlns:p14="http://schemas.microsoft.com/office/powerpoint/2010/main" val="2111901296"/>
+      </p:ext>
+    </p:extLst>
+  </p:cSld>
+  <p:clrMapOvr>
+    <a:masterClrMapping/>
+  </p:clrMapOvr>
+</p:sld>
+</file>
+
+<file path=ppt/slides/slide13.xml><?xml version="1.0" encoding="utf-8"?>
+<p:sld xmlns:a="http://schemas.openxmlformats.org/drawingml/2006/main" xmlns:r="http://schemas.openxmlformats.org/officeDocument/2006/relationships" xmlns:p="http://schemas.openxmlformats.org/presentationml/2006/main">
+  <p:cSld>
+    <p:bg>
+      <p:bgPr>
+        <a:solidFill>
+          <a:srgbClr val="FFFFFF"/>
+        </a:solidFill>
+        <a:effectLst/>
+      </p:bgPr>
+    </p:bg>
+    <p:spTree>
+      <p:nvGrpSpPr>
+        <p:cNvPr id="1" name="Shape 80"/>
+        <p:cNvGrpSpPr/>
+        <p:nvPr/>
+      </p:nvGrpSpPr>
+      <p:grpSpPr>
+        <a:xfrm>
+          <a:off x="0" y="0"/>
+          <a:ext cx="0" cy="0"/>
+          <a:chOff x="0" y="0"/>
+          <a:chExt cx="0" cy="0"/>
+        </a:xfrm>
+      </p:grpSpPr>
+      <p:pic>
+        <p:nvPicPr>
+          <p:cNvPr id="81" name="Google Shape;81;p16"/>
+          <p:cNvPicPr preferRelativeResize="0"/>
+          <p:nvPr/>
+        </p:nvPicPr>
+        <p:blipFill rotWithShape="1">
+          <a:blip r:embed="rId3">
+            <a:alphaModFix/>
+          </a:blip>
+          <a:srcRect/>
+          <a:stretch/>
+        </p:blipFill>
+        <p:spPr>
+          <a:xfrm>
+            <a:off x="6773933" y="144400"/>
+            <a:ext cx="2370067" cy="4838700"/>
+          </a:xfrm>
+          <a:prstGeom prst="rect">
+            <a:avLst/>
+          </a:prstGeom>
+          <a:noFill/>
+          <a:ln>
+            <a:noFill/>
+          </a:ln>
+        </p:spPr>
+      </p:pic>
+      <p:cxnSp>
+        <p:nvCxnSpPr>
+          <p:cNvPr id="82" name="Google Shape;82;p16"/>
+          <p:cNvCxnSpPr/>
+          <p:nvPr/>
+        </p:nvCxnSpPr>
+        <p:spPr>
+          <a:xfrm flipH="1">
+            <a:off x="1640225" y="427100"/>
+            <a:ext cx="5884200" cy="8400"/>
+          </a:xfrm>
+          <a:prstGeom prst="straightConnector1">
+            <a:avLst/>
+          </a:prstGeom>
+          <a:noFill/>
+          <a:ln w="19050" cap="flat" cmpd="sng">
+            <a:solidFill>
+              <a:srgbClr val="761A79"/>
+            </a:solidFill>
+            <a:prstDash val="solid"/>
+            <a:round/>
+            <a:headEnd type="none" w="sm" len="sm"/>
+            <a:tailEnd type="none" w="sm" len="sm"/>
+          </a:ln>
+        </p:spPr>
+      </p:cxnSp>
+      <p:sp>
+        <p:nvSpPr>
+          <p:cNvPr id="84" name="Google Shape;84;p16"/>
+          <p:cNvSpPr txBox="1"/>
+          <p:nvPr/>
+        </p:nvSpPr>
+        <p:spPr>
+          <a:xfrm>
+            <a:off x="454375" y="144400"/>
+            <a:ext cx="2499000" cy="572700"/>
+          </a:xfrm>
+          <a:prstGeom prst="rect">
+            <a:avLst/>
+          </a:prstGeom>
+          <a:noFill/>
+          <a:ln>
+            <a:noFill/>
+          </a:ln>
+        </p:spPr>
+        <p:txBody>
+          <a:bodyPr spcFirstLastPara="1" wrap="square" lIns="91425" tIns="91425" rIns="91425" bIns="91425" anchor="ctr" anchorCtr="0">
+            <a:normAutofit/>
+          </a:bodyPr>
+          <a:lstStyle/>
+          <a:p>
+            <a:pPr marL="0" marR="0" lvl="0" indent="0" algn="l" rtl="0">
+              <a:lnSpc>
+                <a:spcPct val="100000"/>
+              </a:lnSpc>
+              <a:spcBef>
+                <a:spcPts val="0"/>
+              </a:spcBef>
+              <a:spcAft>
+                <a:spcPts val="0"/>
+              </a:spcAft>
+              <a:buClr>
+                <a:srgbClr val="000000"/>
+              </a:buClr>
+              <a:buSzPts val="1400"/>
+              <a:buFont typeface="Arial"/>
+              <a:buNone/>
+            </a:pPr>
+            <a:r>
+              <a:rPr lang="en" sz="1400" b="0" i="0" u="none" strike="noStrike" cap="none">
+                <a:solidFill>
+                  <a:srgbClr val="761A79"/>
+                </a:solidFill>
+                <a:latin typeface="Montserrat ExtraBold"/>
+                <a:ea typeface="Montserrat ExtraBold"/>
+                <a:cs typeface="Montserrat ExtraBold"/>
+                <a:sym typeface="Montserrat ExtraBold"/>
+              </a:rPr>
+              <a:t>Pengantar</a:t>
+            </a:r>
+            <a:endParaRPr sz="1400" b="0" i="0" u="none" strike="noStrike" cap="none">
+              <a:solidFill>
+                <a:srgbClr val="761A79"/>
+              </a:solidFill>
+              <a:latin typeface="Montserrat ExtraBold"/>
+              <a:ea typeface="Montserrat ExtraBold"/>
+              <a:cs typeface="Montserrat ExtraBold"/>
+              <a:sym typeface="Montserrat ExtraBold"/>
+            </a:endParaRPr>
+          </a:p>
+        </p:txBody>
+      </p:sp>
+      <p:sp>
+        <p:nvSpPr>
+          <p:cNvPr id="85" name="Google Shape;85;p16"/>
+          <p:cNvSpPr txBox="1"/>
+          <p:nvPr/>
+        </p:nvSpPr>
+        <p:spPr>
+          <a:xfrm>
+            <a:off x="8382000" y="4648200"/>
+            <a:ext cx="548700" cy="393600"/>
+          </a:xfrm>
+          <a:prstGeom prst="rect">
+            <a:avLst/>
+          </a:prstGeom>
+          <a:noFill/>
+          <a:ln>
+            <a:noFill/>
+          </a:ln>
+        </p:spPr>
+        <p:txBody>
+          <a:bodyPr spcFirstLastPara="1" wrap="square" lIns="91425" tIns="91425" rIns="91425" bIns="91425" anchor="ctr" anchorCtr="0">
+            <a:noAutofit/>
+          </a:bodyPr>
+          <a:lstStyle/>
+          <a:p>
+            <a:pPr marL="0" marR="0" lvl="0" indent="0" algn="r" rtl="0">
+              <a:lnSpc>
+                <a:spcPct val="100000"/>
+              </a:lnSpc>
+              <a:spcBef>
+                <a:spcPts val="0"/>
+              </a:spcBef>
+              <a:spcAft>
+                <a:spcPts val="0"/>
+              </a:spcAft>
+              <a:buClr>
+                <a:srgbClr val="000000"/>
+              </a:buClr>
+              <a:buSzPts val="1000"/>
+              <a:buFont typeface="Arial"/>
+              <a:buNone/>
+            </a:pPr>
+            <a:fld id="{00000000-1234-1234-1234-123412341234}" type="slidenum">
+              <a:rPr lang="en" sz="1000" b="1" i="0" u="none" strike="noStrike" cap="none">
+                <a:solidFill>
+                  <a:srgbClr val="733572"/>
+                </a:solidFill>
+                <a:latin typeface="Montserrat"/>
+                <a:ea typeface="Montserrat"/>
+                <a:cs typeface="Montserrat"/>
+                <a:sym typeface="Montserrat"/>
+              </a:rPr>
+              <a:t>13</a:t>
+            </a:fld>
+            <a:endParaRPr sz="1000" b="1" i="0" u="none" strike="noStrike" cap="none">
+              <a:solidFill>
+                <a:srgbClr val="733572"/>
+              </a:solidFill>
+              <a:latin typeface="Montserrat"/>
+              <a:ea typeface="Montserrat"/>
+              <a:cs typeface="Montserrat"/>
+              <a:sym typeface="Montserrat"/>
+            </a:endParaRPr>
+          </a:p>
+        </p:txBody>
+      </p:sp>
+      <p:sp>
+        <p:nvSpPr>
+          <p:cNvPr id="86" name="Google Shape;86;p16"/>
+          <p:cNvSpPr txBox="1"/>
+          <p:nvPr/>
+        </p:nvSpPr>
+        <p:spPr>
+          <a:xfrm>
+            <a:off x="454375" y="606754"/>
+            <a:ext cx="7657998" cy="555900"/>
+          </a:xfrm>
+          <a:prstGeom prst="rect">
+            <a:avLst/>
+          </a:prstGeom>
+          <a:noFill/>
+          <a:ln>
+            <a:noFill/>
+          </a:ln>
+        </p:spPr>
+        <p:txBody>
+          <a:bodyPr spcFirstLastPara="1" wrap="square" lIns="91425" tIns="91425" rIns="91425" bIns="91425" anchor="ctr" anchorCtr="0">
+            <a:noAutofit/>
+          </a:bodyPr>
+          <a:lstStyle/>
+          <a:p>
+            <a:pPr marL="0" marR="0" lvl="0" indent="0" algn="just" rtl="0">
+              <a:lnSpc>
+                <a:spcPct val="115000"/>
+              </a:lnSpc>
+              <a:spcBef>
+                <a:spcPts val="0"/>
+              </a:spcBef>
+              <a:spcAft>
+                <a:spcPts val="0"/>
+              </a:spcAft>
+              <a:buClr>
+                <a:srgbClr val="000000"/>
+              </a:buClr>
+              <a:buSzPts val="1600"/>
+              <a:buFont typeface="Arial"/>
+              <a:buNone/>
+            </a:pPr>
+            <a:r>
+              <a:rPr lang="en-US" sz="1600" b="1" i="0" u="none" strike="noStrike" cap="none" dirty="0" err="1">
+                <a:solidFill>
+                  <a:srgbClr val="743673"/>
+                </a:solidFill>
+                <a:latin typeface="Montserrat"/>
+                <a:ea typeface="Montserrat"/>
+                <a:cs typeface="Montserrat"/>
+                <a:sym typeface="Montserrat"/>
+              </a:rPr>
+              <a:t>Contoh</a:t>
+            </a:r>
+            <a:r>
+              <a:rPr lang="en-US" sz="1600" b="1" i="0" u="none" strike="noStrike" cap="none" dirty="0">
+                <a:solidFill>
+                  <a:srgbClr val="743673"/>
+                </a:solidFill>
+                <a:latin typeface="Montserrat"/>
+                <a:ea typeface="Montserrat"/>
+                <a:cs typeface="Montserrat"/>
+                <a:sym typeface="Montserrat"/>
+              </a:rPr>
+              <a:t> </a:t>
+            </a:r>
+            <a:r>
+              <a:rPr lang="en-US" sz="1600" b="1" i="0" u="none" strike="noStrike" cap="none" dirty="0" err="1">
+                <a:solidFill>
+                  <a:srgbClr val="743673"/>
+                </a:solidFill>
+                <a:latin typeface="Montserrat"/>
+                <a:ea typeface="Montserrat"/>
+                <a:cs typeface="Montserrat"/>
+                <a:sym typeface="Montserrat"/>
+              </a:rPr>
+              <a:t>Fungsi</a:t>
+            </a:r>
+            <a:r>
+              <a:rPr lang="en-US" sz="1600" b="1" i="0" u="none" strike="noStrike" cap="none" dirty="0">
+                <a:solidFill>
+                  <a:srgbClr val="743673"/>
+                </a:solidFill>
+                <a:latin typeface="Montserrat"/>
+                <a:ea typeface="Montserrat"/>
+                <a:cs typeface="Montserrat"/>
+                <a:sym typeface="Montserrat"/>
+              </a:rPr>
+              <a:t> </a:t>
+            </a:r>
+            <a:r>
+              <a:rPr lang="en-US" sz="1600" b="1" i="0" u="none" strike="noStrike" cap="none" dirty="0" err="1">
+                <a:solidFill>
+                  <a:srgbClr val="743673"/>
+                </a:solidFill>
+                <a:latin typeface="Montserrat"/>
+                <a:ea typeface="Montserrat"/>
+                <a:cs typeface="Montserrat"/>
+                <a:sym typeface="Montserrat"/>
+              </a:rPr>
+              <a:t>tampa</a:t>
+            </a:r>
+            <a:r>
+              <a:rPr lang="en-US" sz="1600" b="1" i="0" u="none" strike="noStrike" cap="none" dirty="0">
+                <a:solidFill>
+                  <a:srgbClr val="743673"/>
+                </a:solidFill>
+                <a:latin typeface="Montserrat"/>
+                <a:ea typeface="Montserrat"/>
+                <a:cs typeface="Montserrat"/>
+                <a:sym typeface="Montserrat"/>
+              </a:rPr>
+              <a:t> parameter dan </a:t>
+            </a:r>
+            <a:r>
+              <a:rPr lang="en-US" sz="1600" b="1" i="0" u="none" strike="noStrike" cap="none" dirty="0" err="1">
+                <a:solidFill>
+                  <a:srgbClr val="743673"/>
+                </a:solidFill>
+                <a:latin typeface="Montserrat"/>
+                <a:ea typeface="Montserrat"/>
+                <a:cs typeface="Montserrat"/>
+                <a:sym typeface="Montserrat"/>
+              </a:rPr>
+              <a:t>dengan</a:t>
+            </a:r>
+            <a:r>
+              <a:rPr lang="en-US" sz="1600" b="1" i="0" u="none" strike="noStrike" cap="none" dirty="0">
+                <a:solidFill>
+                  <a:srgbClr val="743673"/>
+                </a:solidFill>
+                <a:latin typeface="Montserrat"/>
+                <a:ea typeface="Montserrat"/>
+                <a:cs typeface="Montserrat"/>
+                <a:sym typeface="Montserrat"/>
+              </a:rPr>
+              <a:t> parameter </a:t>
+            </a:r>
+          </a:p>
+        </p:txBody>
+      </p:sp>
+      <p:pic>
+        <p:nvPicPr>
+          <p:cNvPr id="4" name="Picture 3">
+            <a:extLst>
+              <a:ext uri="{FF2B5EF4-FFF2-40B4-BE49-F238E27FC236}">
+                <a16:creationId xmlns:a16="http://schemas.microsoft.com/office/drawing/2014/main" id="{78A8BE1E-A96E-BB89-CFF4-DAF647AC1254}"/>
+              </a:ext>
+            </a:extLst>
+          </p:cNvPr>
+          <p:cNvPicPr>
+            <a:picLocks noChangeAspect="1"/>
+          </p:cNvPicPr>
+          <p:nvPr/>
+        </p:nvPicPr>
+        <p:blipFill>
+          <a:blip r:embed="rId4"/>
+          <a:stretch>
+            <a:fillRect/>
+          </a:stretch>
+        </p:blipFill>
+        <p:spPr>
+          <a:xfrm>
+            <a:off x="459654" y="1171454"/>
+            <a:ext cx="4122671" cy="3622405"/>
+          </a:xfrm>
+          <a:prstGeom prst="rect">
+            <a:avLst/>
+          </a:prstGeom>
+        </p:spPr>
+      </p:pic>
+      <p:pic>
+        <p:nvPicPr>
+          <p:cNvPr id="6" name="Picture 5">
+            <a:extLst>
+              <a:ext uri="{FF2B5EF4-FFF2-40B4-BE49-F238E27FC236}">
+                <a16:creationId xmlns:a16="http://schemas.microsoft.com/office/drawing/2014/main" id="{F0F12D7F-10E3-C2D0-A856-98288C09E1C7}"/>
+              </a:ext>
+            </a:extLst>
+          </p:cNvPr>
+          <p:cNvPicPr>
+            <a:picLocks noChangeAspect="1"/>
+          </p:cNvPicPr>
+          <p:nvPr/>
+        </p:nvPicPr>
+        <p:blipFill>
+          <a:blip r:embed="rId5"/>
+          <a:stretch>
+            <a:fillRect/>
+          </a:stretch>
+        </p:blipFill>
+        <p:spPr>
+          <a:xfrm>
+            <a:off x="4973083" y="3812394"/>
+            <a:ext cx="3789398" cy="842889"/>
+          </a:xfrm>
+          <a:prstGeom prst="rect">
+            <a:avLst/>
+          </a:prstGeom>
+        </p:spPr>
+      </p:pic>
+      <p:sp>
+        <p:nvSpPr>
+          <p:cNvPr id="8" name="TextBox 7">
+            <a:extLst>
+              <a:ext uri="{FF2B5EF4-FFF2-40B4-BE49-F238E27FC236}">
+                <a16:creationId xmlns:a16="http://schemas.microsoft.com/office/drawing/2014/main" id="{72C5DC99-FAFC-B1A8-1BEE-D16FB630CCFC}"/>
+              </a:ext>
+            </a:extLst>
+          </p:cNvPr>
+          <p:cNvSpPr txBox="1"/>
+          <p:nvPr/>
+        </p:nvSpPr>
+        <p:spPr>
+          <a:xfrm>
+            <a:off x="6408164" y="3504617"/>
+            <a:ext cx="921103" cy="307777"/>
+          </a:xfrm>
+          <a:prstGeom prst="rect">
+            <a:avLst/>
+          </a:prstGeom>
+          <a:noFill/>
+        </p:spPr>
+        <p:txBody>
+          <a:bodyPr wrap="square">
+            <a:spAutoFit/>
+          </a:bodyPr>
+          <a:lstStyle/>
+          <a:p>
+            <a:r>
+              <a:rPr lang="en-ID" b="1" dirty="0"/>
+              <a:t>Output</a:t>
+            </a:r>
+          </a:p>
+        </p:txBody>
+      </p:sp>
+    </p:spTree>
+    <p:extLst>
+      <p:ext uri="{BB962C8B-B14F-4D97-AF65-F5344CB8AC3E}">
+        <p14:creationId xmlns:p14="http://schemas.microsoft.com/office/powerpoint/2010/main" val="1257891606"/>
+      </p:ext>
+    </p:extLst>
+  </p:cSld>
+  <p:clrMapOvr>
+    <a:masterClrMapping/>
+  </p:clrMapOvr>
+</p:sld>
+</file>
+
+<file path=ppt/slides/slide14.xml><?xml version="1.0" encoding="utf-8"?>
+<p:sld xmlns:a="http://schemas.openxmlformats.org/drawingml/2006/main" xmlns:r="http://schemas.openxmlformats.org/officeDocument/2006/relationships" xmlns:p="http://schemas.openxmlformats.org/presentationml/2006/main">
+  <p:cSld>
+    <p:bg>
+      <p:bgPr>
+        <a:solidFill>
+          <a:srgbClr val="FFFFFF"/>
+        </a:solidFill>
+        <a:effectLst/>
+      </p:bgPr>
+    </p:bg>
+    <p:spTree>
+      <p:nvGrpSpPr>
+        <p:cNvPr id="1" name="Shape 80"/>
+        <p:cNvGrpSpPr/>
+        <p:nvPr/>
+      </p:nvGrpSpPr>
+      <p:grpSpPr>
+        <a:xfrm>
+          <a:off x="0" y="0"/>
+          <a:ext cx="0" cy="0"/>
+          <a:chOff x="0" y="0"/>
+          <a:chExt cx="0" cy="0"/>
+        </a:xfrm>
+      </p:grpSpPr>
+      <p:pic>
+        <p:nvPicPr>
+          <p:cNvPr id="81" name="Google Shape;81;p16"/>
+          <p:cNvPicPr preferRelativeResize="0"/>
+          <p:nvPr/>
+        </p:nvPicPr>
+        <p:blipFill rotWithShape="1">
+          <a:blip r:embed="rId3">
+            <a:alphaModFix/>
+          </a:blip>
+          <a:srcRect/>
+          <a:stretch/>
+        </p:blipFill>
+        <p:spPr>
+          <a:xfrm>
+            <a:off x="6773933" y="144400"/>
+            <a:ext cx="2370067" cy="4838700"/>
+          </a:xfrm>
+          <a:prstGeom prst="rect">
+            <a:avLst/>
+          </a:prstGeom>
+          <a:noFill/>
+          <a:ln>
+            <a:noFill/>
+          </a:ln>
+        </p:spPr>
+      </p:pic>
+      <p:cxnSp>
+        <p:nvCxnSpPr>
+          <p:cNvPr id="82" name="Google Shape;82;p16"/>
+          <p:cNvCxnSpPr/>
+          <p:nvPr/>
+        </p:nvCxnSpPr>
+        <p:spPr>
+          <a:xfrm flipH="1">
+            <a:off x="1640225" y="427100"/>
+            <a:ext cx="5884200" cy="8400"/>
+          </a:xfrm>
+          <a:prstGeom prst="straightConnector1">
+            <a:avLst/>
+          </a:prstGeom>
+          <a:noFill/>
+          <a:ln w="19050" cap="flat" cmpd="sng">
+            <a:solidFill>
+              <a:srgbClr val="761A79"/>
+            </a:solidFill>
+            <a:prstDash val="solid"/>
+            <a:round/>
+            <a:headEnd type="none" w="sm" len="sm"/>
+            <a:tailEnd type="none" w="sm" len="sm"/>
+          </a:ln>
+        </p:spPr>
+      </p:cxnSp>
+      <p:sp>
+        <p:nvSpPr>
+          <p:cNvPr id="84" name="Google Shape;84;p16"/>
+          <p:cNvSpPr txBox="1"/>
+          <p:nvPr/>
+        </p:nvSpPr>
+        <p:spPr>
+          <a:xfrm>
+            <a:off x="454375" y="144400"/>
+            <a:ext cx="2499000" cy="572700"/>
+          </a:xfrm>
+          <a:prstGeom prst="rect">
+            <a:avLst/>
+          </a:prstGeom>
+          <a:noFill/>
+          <a:ln>
+            <a:noFill/>
+          </a:ln>
+        </p:spPr>
+        <p:txBody>
+          <a:bodyPr spcFirstLastPara="1" wrap="square" lIns="91425" tIns="91425" rIns="91425" bIns="91425" anchor="ctr" anchorCtr="0">
+            <a:normAutofit/>
+          </a:bodyPr>
+          <a:lstStyle/>
+          <a:p>
+            <a:pPr marL="0" marR="0" lvl="0" indent="0" algn="l" rtl="0">
+              <a:lnSpc>
+                <a:spcPct val="100000"/>
+              </a:lnSpc>
+              <a:spcBef>
+                <a:spcPts val="0"/>
+              </a:spcBef>
+              <a:spcAft>
+                <a:spcPts val="0"/>
+              </a:spcAft>
+              <a:buClr>
+                <a:srgbClr val="000000"/>
+              </a:buClr>
+              <a:buSzPts val="1400"/>
+              <a:buFont typeface="Arial"/>
+              <a:buNone/>
+            </a:pPr>
+            <a:r>
+              <a:rPr lang="en" sz="1400" b="0" i="0" u="none" strike="noStrike" cap="none">
+                <a:solidFill>
+                  <a:srgbClr val="761A79"/>
+                </a:solidFill>
+                <a:latin typeface="Montserrat ExtraBold"/>
+                <a:ea typeface="Montserrat ExtraBold"/>
+                <a:cs typeface="Montserrat ExtraBold"/>
+                <a:sym typeface="Montserrat ExtraBold"/>
+              </a:rPr>
+              <a:t>Pengantar</a:t>
+            </a:r>
+            <a:endParaRPr sz="1400" b="0" i="0" u="none" strike="noStrike" cap="none">
+              <a:solidFill>
+                <a:srgbClr val="761A79"/>
+              </a:solidFill>
+              <a:latin typeface="Montserrat ExtraBold"/>
+              <a:ea typeface="Montserrat ExtraBold"/>
+              <a:cs typeface="Montserrat ExtraBold"/>
+              <a:sym typeface="Montserrat ExtraBold"/>
+            </a:endParaRPr>
+          </a:p>
+        </p:txBody>
+      </p:sp>
+      <p:sp>
+        <p:nvSpPr>
+          <p:cNvPr id="85" name="Google Shape;85;p16"/>
+          <p:cNvSpPr txBox="1"/>
+          <p:nvPr/>
+        </p:nvSpPr>
+        <p:spPr>
+          <a:xfrm>
+            <a:off x="8382000" y="4648200"/>
+            <a:ext cx="548700" cy="393600"/>
+          </a:xfrm>
+          <a:prstGeom prst="rect">
+            <a:avLst/>
+          </a:prstGeom>
+          <a:noFill/>
+          <a:ln>
+            <a:noFill/>
+          </a:ln>
+        </p:spPr>
+        <p:txBody>
+          <a:bodyPr spcFirstLastPara="1" wrap="square" lIns="91425" tIns="91425" rIns="91425" bIns="91425" anchor="ctr" anchorCtr="0">
+            <a:noAutofit/>
+          </a:bodyPr>
+          <a:lstStyle/>
+          <a:p>
+            <a:pPr marL="0" marR="0" lvl="0" indent="0" algn="r" rtl="0">
+              <a:lnSpc>
+                <a:spcPct val="100000"/>
+              </a:lnSpc>
+              <a:spcBef>
+                <a:spcPts val="0"/>
+              </a:spcBef>
+              <a:spcAft>
+                <a:spcPts val="0"/>
+              </a:spcAft>
+              <a:buClr>
+                <a:srgbClr val="000000"/>
+              </a:buClr>
+              <a:buSzPts val="1000"/>
+              <a:buFont typeface="Arial"/>
+              <a:buNone/>
+            </a:pPr>
+            <a:fld id="{00000000-1234-1234-1234-123412341234}" type="slidenum">
+              <a:rPr lang="en" sz="1000" b="1" i="0" u="none" strike="noStrike" cap="none">
+                <a:solidFill>
+                  <a:srgbClr val="733572"/>
+                </a:solidFill>
+                <a:latin typeface="Montserrat"/>
+                <a:ea typeface="Montserrat"/>
+                <a:cs typeface="Montserrat"/>
+                <a:sym typeface="Montserrat"/>
+              </a:rPr>
+              <a:t>14</a:t>
+            </a:fld>
+            <a:endParaRPr sz="1000" b="1" i="0" u="none" strike="noStrike" cap="none">
+              <a:solidFill>
+                <a:srgbClr val="733572"/>
+              </a:solidFill>
+              <a:latin typeface="Montserrat"/>
+              <a:ea typeface="Montserrat"/>
+              <a:cs typeface="Montserrat"/>
+              <a:sym typeface="Montserrat"/>
+            </a:endParaRPr>
+          </a:p>
+        </p:txBody>
+      </p:sp>
+      <p:sp>
+        <p:nvSpPr>
+          <p:cNvPr id="86" name="Google Shape;86;p16"/>
+          <p:cNvSpPr txBox="1"/>
+          <p:nvPr/>
+        </p:nvSpPr>
+        <p:spPr>
+          <a:xfrm>
+            <a:off x="454375" y="606754"/>
+            <a:ext cx="7657998" cy="555900"/>
+          </a:xfrm>
+          <a:prstGeom prst="rect">
+            <a:avLst/>
+          </a:prstGeom>
+          <a:noFill/>
+          <a:ln>
+            <a:noFill/>
+          </a:ln>
+        </p:spPr>
+        <p:txBody>
+          <a:bodyPr spcFirstLastPara="1" wrap="square" lIns="91425" tIns="91425" rIns="91425" bIns="91425" anchor="ctr" anchorCtr="0">
+            <a:noAutofit/>
+          </a:bodyPr>
+          <a:lstStyle/>
+          <a:p>
+            <a:pPr marL="0" marR="0" lvl="0" indent="0" algn="just" rtl="0">
+              <a:lnSpc>
+                <a:spcPct val="115000"/>
+              </a:lnSpc>
+              <a:spcBef>
+                <a:spcPts val="0"/>
+              </a:spcBef>
+              <a:spcAft>
+                <a:spcPts val="0"/>
+              </a:spcAft>
+              <a:buClr>
+                <a:srgbClr val="000000"/>
+              </a:buClr>
+              <a:buSzPts val="1600"/>
+              <a:buFont typeface="Arial"/>
+              <a:buNone/>
+            </a:pPr>
+            <a:r>
+              <a:rPr lang="en-US" sz="1600" b="1" i="0" u="none" strike="noStrike" cap="none" dirty="0" err="1">
+                <a:solidFill>
+                  <a:srgbClr val="743673"/>
+                </a:solidFill>
+                <a:latin typeface="Montserrat"/>
+                <a:ea typeface="Montserrat"/>
+                <a:cs typeface="Montserrat"/>
+                <a:sym typeface="Montserrat"/>
+              </a:rPr>
+              <a:t>Contoh</a:t>
+            </a:r>
+            <a:r>
+              <a:rPr lang="en-US" sz="1600" b="1" i="0" u="none" strike="noStrike" cap="none" dirty="0">
+                <a:solidFill>
+                  <a:srgbClr val="743673"/>
+                </a:solidFill>
+                <a:latin typeface="Montserrat"/>
+                <a:ea typeface="Montserrat"/>
+                <a:cs typeface="Montserrat"/>
+                <a:sym typeface="Montserrat"/>
+              </a:rPr>
+              <a:t> </a:t>
+            </a:r>
+            <a:r>
+              <a:rPr lang="en-US" sz="1600" b="1" i="0" u="none" strike="noStrike" cap="none" dirty="0" err="1">
+                <a:solidFill>
+                  <a:srgbClr val="743673"/>
+                </a:solidFill>
+                <a:latin typeface="Montserrat"/>
+                <a:ea typeface="Montserrat"/>
+                <a:cs typeface="Montserrat"/>
+                <a:sym typeface="Montserrat"/>
+              </a:rPr>
+              <a:t>Fungsi:Program</a:t>
+            </a:r>
+            <a:r>
+              <a:rPr lang="en-US" sz="1600" b="1" i="0" u="none" strike="noStrike" cap="none" dirty="0">
+                <a:solidFill>
+                  <a:srgbClr val="743673"/>
+                </a:solidFill>
+                <a:latin typeface="Montserrat"/>
+                <a:ea typeface="Montserrat"/>
+                <a:cs typeface="Montserrat"/>
+                <a:sym typeface="Montserrat"/>
+              </a:rPr>
+              <a:t> </a:t>
+            </a:r>
+            <a:r>
+              <a:rPr lang="en-US" sz="1600" b="1" i="0" u="none" strike="noStrike" cap="none" dirty="0" err="1">
+                <a:solidFill>
+                  <a:srgbClr val="743673"/>
+                </a:solidFill>
+                <a:latin typeface="Montserrat"/>
+                <a:ea typeface="Montserrat"/>
+                <a:cs typeface="Montserrat"/>
+                <a:sym typeface="Montserrat"/>
+              </a:rPr>
+              <a:t>fungsi</a:t>
+            </a:r>
+            <a:r>
+              <a:rPr lang="en-US" sz="1600" b="1" i="0" u="none" strike="noStrike" cap="none" dirty="0">
+                <a:solidFill>
+                  <a:srgbClr val="743673"/>
+                </a:solidFill>
+                <a:latin typeface="Montserrat"/>
+                <a:ea typeface="Montserrat"/>
+                <a:cs typeface="Montserrat"/>
+                <a:sym typeface="Montserrat"/>
+              </a:rPr>
+              <a:t> yang </a:t>
+            </a:r>
+            <a:r>
+              <a:rPr lang="en-US" sz="1600" b="1" i="0" u="none" strike="noStrike" cap="none" dirty="0" err="1">
+                <a:solidFill>
+                  <a:srgbClr val="743673"/>
+                </a:solidFill>
+                <a:latin typeface="Montserrat"/>
+                <a:ea typeface="Montserrat"/>
+                <a:cs typeface="Montserrat"/>
+                <a:sym typeface="Montserrat"/>
+              </a:rPr>
+              <a:t>mengembalikan</a:t>
+            </a:r>
+            <a:r>
+              <a:rPr lang="en-US" sz="1600" b="1" i="0" u="none" strike="noStrike" cap="none" dirty="0">
+                <a:solidFill>
+                  <a:srgbClr val="743673"/>
+                </a:solidFill>
+                <a:latin typeface="Montserrat"/>
+                <a:ea typeface="Montserrat"/>
+                <a:cs typeface="Montserrat"/>
+                <a:sym typeface="Montserrat"/>
+              </a:rPr>
+              <a:t> </a:t>
+            </a:r>
+            <a:r>
+              <a:rPr lang="en-US" sz="1600" b="1" i="0" u="none" strike="noStrike" cap="none" dirty="0" err="1">
+                <a:solidFill>
+                  <a:srgbClr val="743673"/>
+                </a:solidFill>
+                <a:latin typeface="Montserrat"/>
+                <a:ea typeface="Montserrat"/>
+                <a:cs typeface="Montserrat"/>
+                <a:sym typeface="Montserrat"/>
+              </a:rPr>
+              <a:t>nilai</a:t>
+            </a:r>
+            <a:r>
+              <a:rPr lang="en-US" sz="1600" b="1" i="0" u="none" strike="noStrike" cap="none" dirty="0">
+                <a:solidFill>
+                  <a:srgbClr val="743673"/>
+                </a:solidFill>
+                <a:latin typeface="Montserrat"/>
+                <a:ea typeface="Montserrat"/>
+                <a:cs typeface="Montserrat"/>
+                <a:sym typeface="Montserrat"/>
+              </a:rPr>
+              <a:t> </a:t>
+            </a:r>
+          </a:p>
+        </p:txBody>
+      </p:sp>
+      <p:sp>
+        <p:nvSpPr>
+          <p:cNvPr id="8" name="TextBox 7">
+            <a:extLst>
+              <a:ext uri="{FF2B5EF4-FFF2-40B4-BE49-F238E27FC236}">
+                <a16:creationId xmlns:a16="http://schemas.microsoft.com/office/drawing/2014/main" id="{72C5DC99-FAFC-B1A8-1BEE-D16FB630CCFC}"/>
+              </a:ext>
+            </a:extLst>
+          </p:cNvPr>
+          <p:cNvSpPr txBox="1"/>
+          <p:nvPr/>
+        </p:nvSpPr>
+        <p:spPr>
+          <a:xfrm>
+            <a:off x="5409358" y="3723914"/>
+            <a:ext cx="921103" cy="307777"/>
+          </a:xfrm>
+          <a:prstGeom prst="rect">
+            <a:avLst/>
+          </a:prstGeom>
+          <a:noFill/>
+        </p:spPr>
+        <p:txBody>
+          <a:bodyPr wrap="square">
+            <a:spAutoFit/>
+          </a:bodyPr>
+          <a:lstStyle/>
+          <a:p>
+            <a:r>
+              <a:rPr lang="en-ID" b="1" dirty="0"/>
+              <a:t>Output</a:t>
+            </a:r>
+          </a:p>
+        </p:txBody>
+      </p:sp>
+      <p:pic>
+        <p:nvPicPr>
+          <p:cNvPr id="7" name="Picture 6">
+            <a:extLst>
+              <a:ext uri="{FF2B5EF4-FFF2-40B4-BE49-F238E27FC236}">
+                <a16:creationId xmlns:a16="http://schemas.microsoft.com/office/drawing/2014/main" id="{607F8F55-8873-4984-5950-DD0FE5EF7E60}"/>
+              </a:ext>
+            </a:extLst>
+          </p:cNvPr>
+          <p:cNvPicPr>
+            <a:picLocks noChangeAspect="1"/>
+          </p:cNvPicPr>
+          <p:nvPr/>
+        </p:nvPicPr>
+        <p:blipFill>
+          <a:blip r:embed="rId4"/>
+          <a:stretch>
+            <a:fillRect/>
+          </a:stretch>
+        </p:blipFill>
+        <p:spPr>
+          <a:xfrm>
+            <a:off x="506099" y="1235605"/>
+            <a:ext cx="5269128" cy="1849635"/>
+          </a:xfrm>
+          <a:prstGeom prst="rect">
+            <a:avLst/>
+          </a:prstGeom>
+        </p:spPr>
+      </p:pic>
+      <p:pic>
+        <p:nvPicPr>
+          <p:cNvPr id="10" name="Picture 9">
+            <a:extLst>
+              <a:ext uri="{FF2B5EF4-FFF2-40B4-BE49-F238E27FC236}">
+                <a16:creationId xmlns:a16="http://schemas.microsoft.com/office/drawing/2014/main" id="{B264F04C-9906-1E73-F59B-F32C8B7EF838}"/>
+              </a:ext>
+            </a:extLst>
+          </p:cNvPr>
+          <p:cNvPicPr>
+            <a:picLocks noChangeAspect="1"/>
+          </p:cNvPicPr>
+          <p:nvPr/>
+        </p:nvPicPr>
+        <p:blipFill>
+          <a:blip r:embed="rId5"/>
+          <a:stretch>
+            <a:fillRect/>
+          </a:stretch>
+        </p:blipFill>
+        <p:spPr>
+          <a:xfrm>
+            <a:off x="3528353" y="4046208"/>
+            <a:ext cx="4914900" cy="981075"/>
+          </a:xfrm>
+          <a:prstGeom prst="rect">
+            <a:avLst/>
+          </a:prstGeom>
+        </p:spPr>
+      </p:pic>
+    </p:spTree>
+    <p:extLst>
+      <p:ext uri="{BB962C8B-B14F-4D97-AF65-F5344CB8AC3E}">
+        <p14:creationId xmlns:p14="http://schemas.microsoft.com/office/powerpoint/2010/main" val="2079480790"/>
+      </p:ext>
+    </p:extLst>
+  </p:cSld>
+  <p:clrMapOvr>
+    <a:masterClrMapping/>
+  </p:clrMapOvr>
+</p:sld>
+</file>
+
+<file path=ppt/slides/slide15.xml><?xml version="1.0" encoding="utf-8"?>
+<p:sld xmlns:a="http://schemas.openxmlformats.org/drawingml/2006/main" xmlns:r="http://schemas.openxmlformats.org/officeDocument/2006/relationships" xmlns:p="http://schemas.openxmlformats.org/presentationml/2006/main">
+  <p:cSld>
+    <p:bg>
+      <p:bgPr>
+        <a:solidFill>
+          <a:srgbClr val="FFFFFF"/>
+        </a:solidFill>
+        <a:effectLst/>
+      </p:bgPr>
+    </p:bg>
+    <p:spTree>
+      <p:nvGrpSpPr>
+        <p:cNvPr id="1" name="Shape 80"/>
+        <p:cNvGrpSpPr/>
+        <p:nvPr/>
+      </p:nvGrpSpPr>
+      <p:grpSpPr>
+        <a:xfrm>
+          <a:off x="0" y="0"/>
+          <a:ext cx="0" cy="0"/>
+          <a:chOff x="0" y="0"/>
+          <a:chExt cx="0" cy="0"/>
+        </a:xfrm>
+      </p:grpSpPr>
+      <p:pic>
+        <p:nvPicPr>
+          <p:cNvPr id="81" name="Google Shape;81;p16"/>
+          <p:cNvPicPr preferRelativeResize="0"/>
+          <p:nvPr/>
+        </p:nvPicPr>
+        <p:blipFill rotWithShape="1">
+          <a:blip r:embed="rId3">
+            <a:alphaModFix/>
+          </a:blip>
+          <a:srcRect/>
+          <a:stretch/>
+        </p:blipFill>
+        <p:spPr>
+          <a:xfrm>
+            <a:off x="6773933" y="144400"/>
+            <a:ext cx="2370067" cy="4838700"/>
+          </a:xfrm>
+          <a:prstGeom prst="rect">
+            <a:avLst/>
+          </a:prstGeom>
+          <a:noFill/>
+          <a:ln>
+            <a:noFill/>
+          </a:ln>
+        </p:spPr>
+      </p:pic>
+      <p:cxnSp>
+        <p:nvCxnSpPr>
+          <p:cNvPr id="82" name="Google Shape;82;p16"/>
+          <p:cNvCxnSpPr/>
+          <p:nvPr/>
+        </p:nvCxnSpPr>
+        <p:spPr>
+          <a:xfrm flipH="1">
+            <a:off x="1640225" y="427100"/>
+            <a:ext cx="5884200" cy="8400"/>
+          </a:xfrm>
+          <a:prstGeom prst="straightConnector1">
+            <a:avLst/>
+          </a:prstGeom>
+          <a:noFill/>
+          <a:ln w="19050" cap="flat" cmpd="sng">
+            <a:solidFill>
+              <a:srgbClr val="761A79"/>
+            </a:solidFill>
+            <a:prstDash val="solid"/>
+            <a:round/>
+            <a:headEnd type="none" w="sm" len="sm"/>
+            <a:tailEnd type="none" w="sm" len="sm"/>
+          </a:ln>
+        </p:spPr>
+      </p:cxnSp>
+      <p:sp>
+        <p:nvSpPr>
+          <p:cNvPr id="84" name="Google Shape;84;p16"/>
+          <p:cNvSpPr txBox="1"/>
+          <p:nvPr/>
+        </p:nvSpPr>
+        <p:spPr>
+          <a:xfrm>
+            <a:off x="454375" y="144400"/>
+            <a:ext cx="2499000" cy="572700"/>
+          </a:xfrm>
+          <a:prstGeom prst="rect">
+            <a:avLst/>
+          </a:prstGeom>
+          <a:noFill/>
+          <a:ln>
+            <a:noFill/>
+          </a:ln>
+        </p:spPr>
+        <p:txBody>
+          <a:bodyPr spcFirstLastPara="1" wrap="square" lIns="91425" tIns="91425" rIns="91425" bIns="91425" anchor="ctr" anchorCtr="0">
+            <a:normAutofit/>
+          </a:bodyPr>
+          <a:lstStyle/>
+          <a:p>
+            <a:pPr marL="0" marR="0" lvl="0" indent="0" algn="l" rtl="0">
+              <a:lnSpc>
+                <a:spcPct val="100000"/>
+              </a:lnSpc>
+              <a:spcBef>
+                <a:spcPts val="0"/>
+              </a:spcBef>
+              <a:spcAft>
+                <a:spcPts val="0"/>
+              </a:spcAft>
+              <a:buClr>
+                <a:srgbClr val="000000"/>
+              </a:buClr>
+              <a:buSzPts val="1400"/>
+              <a:buFont typeface="Arial"/>
+              <a:buNone/>
+            </a:pPr>
+            <a:r>
+              <a:rPr lang="en" sz="1400" b="0" i="0" u="none" strike="noStrike" cap="none">
+                <a:solidFill>
+                  <a:srgbClr val="761A79"/>
+                </a:solidFill>
+                <a:latin typeface="Montserrat ExtraBold"/>
+                <a:ea typeface="Montserrat ExtraBold"/>
+                <a:cs typeface="Montserrat ExtraBold"/>
+                <a:sym typeface="Montserrat ExtraBold"/>
+              </a:rPr>
+              <a:t>Pengantar</a:t>
+            </a:r>
+            <a:endParaRPr sz="1400" b="0" i="0" u="none" strike="noStrike" cap="none">
+              <a:solidFill>
+                <a:srgbClr val="761A79"/>
+              </a:solidFill>
+              <a:latin typeface="Montserrat ExtraBold"/>
+              <a:ea typeface="Montserrat ExtraBold"/>
+              <a:cs typeface="Montserrat ExtraBold"/>
+              <a:sym typeface="Montserrat ExtraBold"/>
+            </a:endParaRPr>
+          </a:p>
+        </p:txBody>
+      </p:sp>
+      <p:sp>
+        <p:nvSpPr>
+          <p:cNvPr id="85" name="Google Shape;85;p16"/>
+          <p:cNvSpPr txBox="1"/>
+          <p:nvPr/>
+        </p:nvSpPr>
+        <p:spPr>
+          <a:xfrm>
+            <a:off x="8382000" y="4648200"/>
+            <a:ext cx="548700" cy="393600"/>
+          </a:xfrm>
+          <a:prstGeom prst="rect">
+            <a:avLst/>
+          </a:prstGeom>
+          <a:noFill/>
+          <a:ln>
+            <a:noFill/>
+          </a:ln>
+        </p:spPr>
+        <p:txBody>
+          <a:bodyPr spcFirstLastPara="1" wrap="square" lIns="91425" tIns="91425" rIns="91425" bIns="91425" anchor="ctr" anchorCtr="0">
+            <a:noAutofit/>
+          </a:bodyPr>
+          <a:lstStyle/>
+          <a:p>
+            <a:pPr marL="0" marR="0" lvl="0" indent="0" algn="r" rtl="0">
+              <a:lnSpc>
+                <a:spcPct val="100000"/>
+              </a:lnSpc>
+              <a:spcBef>
+                <a:spcPts val="0"/>
+              </a:spcBef>
+              <a:spcAft>
+                <a:spcPts val="0"/>
+              </a:spcAft>
+              <a:buClr>
+                <a:srgbClr val="000000"/>
+              </a:buClr>
+              <a:buSzPts val="1000"/>
+              <a:buFont typeface="Arial"/>
+              <a:buNone/>
+            </a:pPr>
+            <a:fld id="{00000000-1234-1234-1234-123412341234}" type="slidenum">
+              <a:rPr lang="en" sz="1000" b="1" i="0" u="none" strike="noStrike" cap="none">
+                <a:solidFill>
+                  <a:srgbClr val="733572"/>
+                </a:solidFill>
+                <a:latin typeface="Montserrat"/>
+                <a:ea typeface="Montserrat"/>
+                <a:cs typeface="Montserrat"/>
+                <a:sym typeface="Montserrat"/>
+              </a:rPr>
+              <a:t>15</a:t>
+            </a:fld>
+            <a:endParaRPr sz="1000" b="1" i="0" u="none" strike="noStrike" cap="none">
+              <a:solidFill>
+                <a:srgbClr val="733572"/>
+              </a:solidFill>
+              <a:latin typeface="Montserrat"/>
+              <a:ea typeface="Montserrat"/>
+              <a:cs typeface="Montserrat"/>
+              <a:sym typeface="Montserrat"/>
+            </a:endParaRPr>
+          </a:p>
+        </p:txBody>
+      </p:sp>
+      <p:sp>
+        <p:nvSpPr>
+          <p:cNvPr id="86" name="Google Shape;86;p16"/>
+          <p:cNvSpPr txBox="1"/>
+          <p:nvPr/>
+        </p:nvSpPr>
+        <p:spPr>
+          <a:xfrm>
+            <a:off x="454375" y="606754"/>
+            <a:ext cx="7657998" cy="555900"/>
+          </a:xfrm>
+          <a:prstGeom prst="rect">
+            <a:avLst/>
+          </a:prstGeom>
+          <a:noFill/>
+          <a:ln>
+            <a:noFill/>
+          </a:ln>
+        </p:spPr>
+        <p:txBody>
+          <a:bodyPr spcFirstLastPara="1" wrap="square" lIns="91425" tIns="91425" rIns="91425" bIns="91425" anchor="ctr" anchorCtr="0">
+            <a:noAutofit/>
+          </a:bodyPr>
+          <a:lstStyle/>
+          <a:p>
+            <a:pPr marL="0" marR="0" lvl="0" indent="0" algn="just" rtl="0">
+              <a:lnSpc>
+                <a:spcPct val="115000"/>
+              </a:lnSpc>
+              <a:spcBef>
+                <a:spcPts val="0"/>
+              </a:spcBef>
+              <a:spcAft>
+                <a:spcPts val="0"/>
+              </a:spcAft>
+              <a:buClr>
+                <a:srgbClr val="000000"/>
+              </a:buClr>
+              <a:buSzPts val="1600"/>
+              <a:buFont typeface="Arial"/>
+              <a:buNone/>
+            </a:pPr>
+            <a:r>
+              <a:rPr lang="en-US" sz="1600" b="1" i="0" u="none" strike="noStrike" cap="none" dirty="0" err="1">
+                <a:solidFill>
+                  <a:srgbClr val="743673"/>
+                </a:solidFill>
+                <a:latin typeface="Montserrat"/>
+                <a:ea typeface="Montserrat"/>
+                <a:cs typeface="Montserrat"/>
+                <a:sym typeface="Montserrat"/>
+              </a:rPr>
+              <a:t>Contoh</a:t>
+            </a:r>
+            <a:r>
+              <a:rPr lang="en-US" sz="1600" b="1" i="0" u="none" strike="noStrike" cap="none" dirty="0">
+                <a:solidFill>
+                  <a:srgbClr val="743673"/>
+                </a:solidFill>
+                <a:latin typeface="Montserrat"/>
+                <a:ea typeface="Montserrat"/>
+                <a:cs typeface="Montserrat"/>
+                <a:sym typeface="Montserrat"/>
+              </a:rPr>
+              <a:t> </a:t>
+            </a:r>
+            <a:r>
+              <a:rPr lang="en-US" sz="1600" b="1" i="0" u="none" strike="noStrike" cap="none" dirty="0" err="1">
+                <a:solidFill>
+                  <a:srgbClr val="743673"/>
+                </a:solidFill>
+                <a:latin typeface="Montserrat"/>
+                <a:ea typeface="Montserrat"/>
+                <a:cs typeface="Montserrat"/>
+                <a:sym typeface="Montserrat"/>
+              </a:rPr>
+              <a:t>Fungsi:Program</a:t>
+            </a:r>
+            <a:r>
+              <a:rPr lang="en-US" sz="1600" b="1" i="0" u="none" strike="noStrike" cap="none" dirty="0">
+                <a:solidFill>
+                  <a:srgbClr val="743673"/>
+                </a:solidFill>
+                <a:latin typeface="Montserrat"/>
+                <a:ea typeface="Montserrat"/>
+                <a:cs typeface="Montserrat"/>
+                <a:sym typeface="Montserrat"/>
+              </a:rPr>
+              <a:t> passing by value </a:t>
+            </a:r>
+            <a:r>
+              <a:rPr lang="en-US" sz="1600" b="1" i="0" u="none" strike="noStrike" cap="none" dirty="0" err="1">
+                <a:solidFill>
+                  <a:srgbClr val="743673"/>
+                </a:solidFill>
+                <a:latin typeface="Montserrat"/>
+                <a:ea typeface="Montserrat"/>
+                <a:cs typeface="Montserrat"/>
+                <a:sym typeface="Montserrat"/>
+              </a:rPr>
+              <a:t>dalam</a:t>
+            </a:r>
+            <a:r>
+              <a:rPr lang="en-US" sz="1600" b="1" i="0" u="none" strike="noStrike" cap="none" dirty="0">
+                <a:solidFill>
+                  <a:srgbClr val="743673"/>
+                </a:solidFill>
+                <a:latin typeface="Montserrat"/>
+                <a:ea typeface="Montserrat"/>
+                <a:cs typeface="Montserrat"/>
+                <a:sym typeface="Montserrat"/>
+              </a:rPr>
+              <a:t> </a:t>
+            </a:r>
+            <a:r>
+              <a:rPr lang="en-US" sz="1600" b="1" i="0" u="none" strike="noStrike" cap="none" dirty="0" err="1">
+                <a:solidFill>
+                  <a:srgbClr val="743673"/>
+                </a:solidFill>
+                <a:latin typeface="Montserrat"/>
+                <a:ea typeface="Montserrat"/>
+                <a:cs typeface="Montserrat"/>
+                <a:sym typeface="Montserrat"/>
+              </a:rPr>
+              <a:t>fungsi</a:t>
+            </a:r>
+            <a:endParaRPr lang="en-US" sz="1600" b="1" i="0" u="none" strike="noStrike" cap="none" dirty="0">
+              <a:solidFill>
+                <a:srgbClr val="743673"/>
+              </a:solidFill>
+              <a:latin typeface="Montserrat"/>
+              <a:ea typeface="Montserrat"/>
+              <a:cs typeface="Montserrat"/>
+              <a:sym typeface="Montserrat"/>
+            </a:endParaRPr>
+          </a:p>
+        </p:txBody>
+      </p:sp>
+      <p:sp>
+        <p:nvSpPr>
+          <p:cNvPr id="8" name="TextBox 7">
+            <a:extLst>
+              <a:ext uri="{FF2B5EF4-FFF2-40B4-BE49-F238E27FC236}">
+                <a16:creationId xmlns:a16="http://schemas.microsoft.com/office/drawing/2014/main" id="{72C5DC99-FAFC-B1A8-1BEE-D16FB630CCFC}"/>
+              </a:ext>
+            </a:extLst>
+          </p:cNvPr>
+          <p:cNvSpPr txBox="1"/>
+          <p:nvPr/>
+        </p:nvSpPr>
+        <p:spPr>
+          <a:xfrm>
+            <a:off x="6084409" y="2824043"/>
+            <a:ext cx="921103" cy="307777"/>
+          </a:xfrm>
+          <a:prstGeom prst="rect">
+            <a:avLst/>
+          </a:prstGeom>
+          <a:noFill/>
+        </p:spPr>
+        <p:txBody>
+          <a:bodyPr wrap="square">
+            <a:spAutoFit/>
+          </a:bodyPr>
+          <a:lstStyle/>
+          <a:p>
+            <a:r>
+              <a:rPr lang="en-ID" b="1" dirty="0"/>
+              <a:t>Output</a:t>
+            </a:r>
+          </a:p>
+        </p:txBody>
+      </p:sp>
+      <p:pic>
+        <p:nvPicPr>
+          <p:cNvPr id="3" name="Picture 2">
+            <a:extLst>
+              <a:ext uri="{FF2B5EF4-FFF2-40B4-BE49-F238E27FC236}">
+                <a16:creationId xmlns:a16="http://schemas.microsoft.com/office/drawing/2014/main" id="{27E67111-8856-89E5-1C8C-6A6E7648AD64}"/>
+              </a:ext>
+            </a:extLst>
+          </p:cNvPr>
+          <p:cNvPicPr>
+            <a:picLocks noChangeAspect="1"/>
+          </p:cNvPicPr>
+          <p:nvPr/>
+        </p:nvPicPr>
+        <p:blipFill>
+          <a:blip r:embed="rId4"/>
+          <a:stretch>
+            <a:fillRect/>
+          </a:stretch>
+        </p:blipFill>
+        <p:spPr>
+          <a:xfrm>
+            <a:off x="461409" y="1130177"/>
+            <a:ext cx="4533900" cy="685800"/>
+          </a:xfrm>
+          <a:prstGeom prst="rect">
+            <a:avLst/>
+          </a:prstGeom>
+        </p:spPr>
+      </p:pic>
+      <p:pic>
+        <p:nvPicPr>
+          <p:cNvPr id="9" name="Picture 8">
+            <a:extLst>
+              <a:ext uri="{FF2B5EF4-FFF2-40B4-BE49-F238E27FC236}">
+                <a16:creationId xmlns:a16="http://schemas.microsoft.com/office/drawing/2014/main" id="{CF32F5A6-A723-86A4-A540-9E0D64C88C4C}"/>
+              </a:ext>
+            </a:extLst>
+          </p:cNvPr>
+          <p:cNvPicPr>
+            <a:picLocks noChangeAspect="1"/>
+          </p:cNvPicPr>
+          <p:nvPr/>
+        </p:nvPicPr>
+        <p:blipFill>
+          <a:blip r:embed="rId5"/>
+          <a:stretch>
+            <a:fillRect/>
+          </a:stretch>
+        </p:blipFill>
+        <p:spPr>
+          <a:xfrm>
+            <a:off x="4095750" y="3107995"/>
+            <a:ext cx="5048250" cy="1428750"/>
+          </a:xfrm>
+          <a:prstGeom prst="rect">
+            <a:avLst/>
+          </a:prstGeom>
+        </p:spPr>
+      </p:pic>
+      <p:pic>
+        <p:nvPicPr>
+          <p:cNvPr id="12" name="Picture 11">
+            <a:extLst>
+              <a:ext uri="{FF2B5EF4-FFF2-40B4-BE49-F238E27FC236}">
+                <a16:creationId xmlns:a16="http://schemas.microsoft.com/office/drawing/2014/main" id="{16DBF277-4B04-B154-8DF5-1E1870FF0C82}"/>
+              </a:ext>
+            </a:extLst>
+          </p:cNvPr>
+          <p:cNvPicPr>
+            <a:picLocks noChangeAspect="1"/>
+          </p:cNvPicPr>
+          <p:nvPr/>
+        </p:nvPicPr>
+        <p:blipFill>
+          <a:blip r:embed="rId6"/>
+          <a:stretch>
+            <a:fillRect/>
+          </a:stretch>
+        </p:blipFill>
+        <p:spPr>
+          <a:xfrm>
+            <a:off x="632380" y="1933122"/>
+            <a:ext cx="3234398" cy="2603623"/>
+          </a:xfrm>
+          <a:prstGeom prst="rect">
+            <a:avLst/>
+          </a:prstGeom>
+        </p:spPr>
+      </p:pic>
+    </p:spTree>
+    <p:extLst>
+      <p:ext uri="{BB962C8B-B14F-4D97-AF65-F5344CB8AC3E}">
+        <p14:creationId xmlns:p14="http://schemas.microsoft.com/office/powerpoint/2010/main" val="2736933872"/>
+      </p:ext>
+    </p:extLst>
+  </p:cSld>
+  <p:clrMapOvr>
+    <a:masterClrMapping/>
+  </p:clrMapOvr>
+</p:sld>
+</file>
+
+<file path=ppt/slides/slide16.xml><?xml version="1.0" encoding="utf-8"?>
+<p:sld xmlns:a="http://schemas.openxmlformats.org/drawingml/2006/main" xmlns:r="http://schemas.openxmlformats.org/officeDocument/2006/relationships" xmlns:p="http://schemas.openxmlformats.org/presentationml/2006/main">
+  <p:cSld>
+    <p:bg>
+      <p:bgPr>
+        <a:solidFill>
+          <a:srgbClr val="FFFFFF"/>
+        </a:solidFill>
+        <a:effectLst/>
+      </p:bgPr>
+    </p:bg>
+    <p:spTree>
+      <p:nvGrpSpPr>
+        <p:cNvPr id="1" name="Shape 80"/>
+        <p:cNvGrpSpPr/>
+        <p:nvPr/>
+      </p:nvGrpSpPr>
+      <p:grpSpPr>
+        <a:xfrm>
+          <a:off x="0" y="0"/>
+          <a:ext cx="0" cy="0"/>
+          <a:chOff x="0" y="0"/>
+          <a:chExt cx="0" cy="0"/>
+        </a:xfrm>
+      </p:grpSpPr>
+      <p:pic>
+        <p:nvPicPr>
+          <p:cNvPr id="81" name="Google Shape;81;p16"/>
+          <p:cNvPicPr preferRelativeResize="0"/>
+          <p:nvPr/>
+        </p:nvPicPr>
+        <p:blipFill rotWithShape="1">
+          <a:blip r:embed="rId3">
+            <a:alphaModFix/>
+          </a:blip>
+          <a:srcRect/>
+          <a:stretch/>
+        </p:blipFill>
+        <p:spPr>
+          <a:xfrm>
+            <a:off x="6773925" y="101700"/>
+            <a:ext cx="2370067" cy="4838700"/>
+          </a:xfrm>
+          <a:prstGeom prst="rect">
+            <a:avLst/>
+          </a:prstGeom>
+          <a:noFill/>
+          <a:ln>
+            <a:noFill/>
+          </a:ln>
+        </p:spPr>
+      </p:pic>
+      <p:cxnSp>
+        <p:nvCxnSpPr>
+          <p:cNvPr id="82" name="Google Shape;82;p16"/>
+          <p:cNvCxnSpPr/>
+          <p:nvPr/>
+        </p:nvCxnSpPr>
+        <p:spPr>
+          <a:xfrm flipH="1">
+            <a:off x="1640225" y="427100"/>
+            <a:ext cx="5884200" cy="8400"/>
+          </a:xfrm>
+          <a:prstGeom prst="straightConnector1">
+            <a:avLst/>
+          </a:prstGeom>
+          <a:noFill/>
+          <a:ln w="19050" cap="flat" cmpd="sng">
+            <a:solidFill>
+              <a:srgbClr val="761A79"/>
+            </a:solidFill>
+            <a:prstDash val="solid"/>
+            <a:round/>
+            <a:headEnd type="none" w="sm" len="sm"/>
+            <a:tailEnd type="none" w="sm" len="sm"/>
+          </a:ln>
+        </p:spPr>
+      </p:cxnSp>
+      <p:sp>
+        <p:nvSpPr>
+          <p:cNvPr id="84" name="Google Shape;84;p16"/>
+          <p:cNvSpPr txBox="1"/>
+          <p:nvPr/>
+        </p:nvSpPr>
+        <p:spPr>
+          <a:xfrm>
+            <a:off x="454375" y="144400"/>
+            <a:ext cx="2499000" cy="572700"/>
+          </a:xfrm>
+          <a:prstGeom prst="rect">
+            <a:avLst/>
+          </a:prstGeom>
+          <a:noFill/>
+          <a:ln>
+            <a:noFill/>
+          </a:ln>
+        </p:spPr>
+        <p:txBody>
+          <a:bodyPr spcFirstLastPara="1" wrap="square" lIns="91425" tIns="91425" rIns="91425" bIns="91425" anchor="ctr" anchorCtr="0">
+            <a:normAutofit/>
+          </a:bodyPr>
+          <a:lstStyle/>
+          <a:p>
+            <a:pPr marL="0" marR="0" lvl="0" indent="0" algn="l" rtl="0">
+              <a:lnSpc>
+                <a:spcPct val="100000"/>
+              </a:lnSpc>
+              <a:spcBef>
+                <a:spcPts val="0"/>
+              </a:spcBef>
+              <a:spcAft>
+                <a:spcPts val="0"/>
+              </a:spcAft>
+              <a:buClr>
+                <a:srgbClr val="000000"/>
+              </a:buClr>
+              <a:buSzPts val="1400"/>
+              <a:buFont typeface="Arial"/>
+              <a:buNone/>
+            </a:pPr>
+            <a:r>
+              <a:rPr lang="en" sz="1400" b="0" i="0" u="none" strike="noStrike" cap="none">
+                <a:solidFill>
+                  <a:srgbClr val="761A79"/>
+                </a:solidFill>
+                <a:latin typeface="Montserrat ExtraBold"/>
+                <a:ea typeface="Montserrat ExtraBold"/>
+                <a:cs typeface="Montserrat ExtraBold"/>
+                <a:sym typeface="Montserrat ExtraBold"/>
+              </a:rPr>
+              <a:t>Pengantar</a:t>
+            </a:r>
+            <a:endParaRPr sz="1400" b="0" i="0" u="none" strike="noStrike" cap="none">
+              <a:solidFill>
+                <a:srgbClr val="761A79"/>
+              </a:solidFill>
+              <a:latin typeface="Montserrat ExtraBold"/>
+              <a:ea typeface="Montserrat ExtraBold"/>
+              <a:cs typeface="Montserrat ExtraBold"/>
+              <a:sym typeface="Montserrat ExtraBold"/>
+            </a:endParaRPr>
+          </a:p>
+        </p:txBody>
+      </p:sp>
+      <p:sp>
+        <p:nvSpPr>
+          <p:cNvPr id="85" name="Google Shape;85;p16"/>
+          <p:cNvSpPr txBox="1"/>
+          <p:nvPr/>
+        </p:nvSpPr>
+        <p:spPr>
+          <a:xfrm>
+            <a:off x="8382000" y="4648200"/>
+            <a:ext cx="548700" cy="393600"/>
+          </a:xfrm>
+          <a:prstGeom prst="rect">
+            <a:avLst/>
+          </a:prstGeom>
+          <a:noFill/>
+          <a:ln>
+            <a:noFill/>
+          </a:ln>
+        </p:spPr>
+        <p:txBody>
+          <a:bodyPr spcFirstLastPara="1" wrap="square" lIns="91425" tIns="91425" rIns="91425" bIns="91425" anchor="ctr" anchorCtr="0">
+            <a:noAutofit/>
+          </a:bodyPr>
+          <a:lstStyle/>
+          <a:p>
+            <a:pPr marL="0" marR="0" lvl="0" indent="0" algn="r" rtl="0">
+              <a:lnSpc>
+                <a:spcPct val="100000"/>
+              </a:lnSpc>
+              <a:spcBef>
+                <a:spcPts val="0"/>
+              </a:spcBef>
+              <a:spcAft>
+                <a:spcPts val="0"/>
+              </a:spcAft>
+              <a:buClr>
+                <a:srgbClr val="000000"/>
+              </a:buClr>
+              <a:buSzPts val="1000"/>
+              <a:buFont typeface="Arial"/>
+              <a:buNone/>
+            </a:pPr>
+            <a:fld id="{00000000-1234-1234-1234-123412341234}" type="slidenum">
+              <a:rPr lang="en" sz="1000" b="1" i="0" u="none" strike="noStrike" cap="none">
+                <a:solidFill>
+                  <a:srgbClr val="733572"/>
+                </a:solidFill>
+                <a:latin typeface="Montserrat"/>
+                <a:ea typeface="Montserrat"/>
+                <a:cs typeface="Montserrat"/>
+                <a:sym typeface="Montserrat"/>
+              </a:rPr>
+              <a:t>16</a:t>
+            </a:fld>
+            <a:endParaRPr sz="1000" b="1" i="0" u="none" strike="noStrike" cap="none">
+              <a:solidFill>
+                <a:srgbClr val="733572"/>
+              </a:solidFill>
+              <a:latin typeface="Montserrat"/>
+              <a:ea typeface="Montserrat"/>
+              <a:cs typeface="Montserrat"/>
+              <a:sym typeface="Montserrat"/>
+            </a:endParaRPr>
+          </a:p>
+        </p:txBody>
+      </p:sp>
+      <p:sp>
+        <p:nvSpPr>
+          <p:cNvPr id="2" name="Google Shape;86;p16">
+            <a:extLst>
+              <a:ext uri="{FF2B5EF4-FFF2-40B4-BE49-F238E27FC236}">
+                <a16:creationId xmlns:a16="http://schemas.microsoft.com/office/drawing/2014/main" id="{46473039-E300-538A-0723-1AEEE5568CA1}"/>
+              </a:ext>
+            </a:extLst>
+          </p:cNvPr>
+          <p:cNvSpPr txBox="1"/>
+          <p:nvPr/>
+        </p:nvSpPr>
+        <p:spPr>
+          <a:xfrm>
+            <a:off x="454375" y="646083"/>
+            <a:ext cx="3617814" cy="555900"/>
+          </a:xfrm>
+          <a:prstGeom prst="rect">
+            <a:avLst/>
+          </a:prstGeom>
+          <a:noFill/>
+          <a:ln>
+            <a:noFill/>
+          </a:ln>
+        </p:spPr>
+        <p:txBody>
+          <a:bodyPr spcFirstLastPara="1" wrap="square" lIns="91425" tIns="91425" rIns="91425" bIns="91425" anchor="ctr" anchorCtr="0">
+            <a:noAutofit/>
+          </a:bodyPr>
+          <a:lstStyle/>
+          <a:p>
+            <a:pPr marL="0" marR="0" lvl="0" indent="0" algn="just" rtl="0">
+              <a:lnSpc>
+                <a:spcPct val="115000"/>
+              </a:lnSpc>
+              <a:spcBef>
+                <a:spcPts val="0"/>
+              </a:spcBef>
+              <a:spcAft>
+                <a:spcPts val="0"/>
+              </a:spcAft>
+              <a:buClr>
+                <a:srgbClr val="000000"/>
+              </a:buClr>
+              <a:buSzPts val="1600"/>
+              <a:buFont typeface="Arial"/>
+              <a:buNone/>
+            </a:pPr>
+            <a:r>
+              <a:rPr lang="en-US" sz="1600" b="1" dirty="0" err="1">
+                <a:solidFill>
+                  <a:srgbClr val="743673"/>
+                </a:solidFill>
+                <a:latin typeface="Montserrat"/>
+                <a:ea typeface="Montserrat"/>
+                <a:cs typeface="Montserrat"/>
+                <a:sym typeface="Montserrat"/>
+              </a:rPr>
+              <a:t>Referensi</a:t>
+            </a:r>
+            <a:endParaRPr lang="en-US" sz="1000" b="0" i="0" u="none" strike="noStrike" cap="none" dirty="0">
+              <a:solidFill>
+                <a:srgbClr val="000000"/>
+              </a:solidFill>
+              <a:latin typeface="Montserrat"/>
+              <a:ea typeface="Montserrat"/>
+              <a:cs typeface="Montserrat"/>
+              <a:sym typeface="Montserrat"/>
+            </a:endParaRPr>
+          </a:p>
+        </p:txBody>
+      </p:sp>
+      <p:pic>
+        <p:nvPicPr>
+          <p:cNvPr id="3" name="Picture 2">
+            <a:extLst>
+              <a:ext uri="{FF2B5EF4-FFF2-40B4-BE49-F238E27FC236}">
+                <a16:creationId xmlns:a16="http://schemas.microsoft.com/office/drawing/2014/main" id="{026A254B-AE87-AAF5-23DD-4CEA9CDFAE87}"/>
+              </a:ext>
+            </a:extLst>
+          </p:cNvPr>
+          <p:cNvPicPr>
+            <a:picLocks noChangeAspect="1"/>
+          </p:cNvPicPr>
+          <p:nvPr/>
+        </p:nvPicPr>
+        <p:blipFill>
+          <a:blip r:embed="rId4"/>
+          <a:stretch>
+            <a:fillRect/>
+          </a:stretch>
+        </p:blipFill>
+        <p:spPr>
+          <a:xfrm>
+            <a:off x="557464" y="1412566"/>
+            <a:ext cx="7029450" cy="1885950"/>
+          </a:xfrm>
+          <a:prstGeom prst="rect">
+            <a:avLst/>
+          </a:prstGeom>
+        </p:spPr>
+      </p:pic>
+    </p:spTree>
+    <p:extLst>
+      <p:ext uri="{BB962C8B-B14F-4D97-AF65-F5344CB8AC3E}">
+        <p14:creationId xmlns:p14="http://schemas.microsoft.com/office/powerpoint/2010/main" val="153661479"/>
+      </p:ext>
+    </p:extLst>
+  </p:cSld>
+  <p:clrMapOvr>
+    <a:masterClrMapping/>
+  </p:clrMapOvr>
+</p:sld>
+</file>
+
+<file path=ppt/slides/slide17.xml><?xml version="1.0" encoding="utf-8"?>
+<p:sld xmlns:a="http://schemas.openxmlformats.org/drawingml/2006/main" xmlns:r="http://schemas.openxmlformats.org/officeDocument/2006/relationships" xmlns:p="http://schemas.openxmlformats.org/presentationml/2006/main">
+  <p:cSld>
+    <p:bg>
+      <p:bgPr>
+        <a:solidFill>
           <a:srgbClr val="761A79"/>
         </a:solidFill>
         <a:effectLst/>
@@ -6702,162 +10708,6 @@
             <a:noAutofit/>
           </a:bodyPr>
           <a:lstStyle/>
-          <a:p>
-            <a:pPr marL="0" marR="0" lvl="0" indent="0" algn="l" rtl="0">
-              <a:lnSpc>
-                <a:spcPct val="115000"/>
-              </a:lnSpc>
-              <a:spcBef>
-                <a:spcPts val="0"/>
-              </a:spcBef>
-              <a:spcAft>
-                <a:spcPts val="0"/>
-              </a:spcAft>
-              <a:buClr>
-                <a:srgbClr val="000000"/>
-              </a:buClr>
-              <a:buSzPts val="4000"/>
-              <a:buFont typeface="Arial"/>
-              <a:buNone/>
-            </a:pPr>
-            <a:r>
-              <a:rPr lang="en" b="1" dirty="0">
-                <a:solidFill>
-                  <a:schemeClr val="lt1"/>
-                </a:solidFill>
-                <a:latin typeface="Montserrat"/>
-                <a:ea typeface="Montserrat"/>
-                <a:cs typeface="Montserrat"/>
-                <a:sym typeface="Montserrat"/>
-              </a:rPr>
-              <a:t>Yuhuuu! Kamu udah berhasil menamatkan </a:t>
-            </a:r>
-            <a:r>
-              <a:rPr lang="en" b="1" dirty="0">
-                <a:solidFill>
-                  <a:srgbClr val="FF9900"/>
-                </a:solidFill>
-                <a:latin typeface="Montserrat"/>
-                <a:ea typeface="Montserrat"/>
-                <a:cs typeface="Montserrat"/>
-                <a:sym typeface="Montserrat"/>
-              </a:rPr>
-              <a:t>Pertemuan-11 </a:t>
-            </a:r>
-            <a:r>
-              <a:rPr lang="en" b="1" dirty="0">
-                <a:solidFill>
-                  <a:schemeClr val="lt1"/>
-                </a:solidFill>
-                <a:latin typeface="Montserrat"/>
-                <a:ea typeface="Montserrat"/>
-                <a:cs typeface="Montserrat"/>
-                <a:sym typeface="Montserrat"/>
-              </a:rPr>
-              <a:t>🥳</a:t>
-            </a:r>
-            <a:endParaRPr b="1" dirty="0">
-              <a:solidFill>
-                <a:schemeClr val="lt1"/>
-              </a:solidFill>
-              <a:latin typeface="Montserrat"/>
-              <a:ea typeface="Montserrat"/>
-              <a:cs typeface="Montserrat"/>
-              <a:sym typeface="Montserrat"/>
-            </a:endParaRPr>
-          </a:p>
-          <a:p>
-            <a:pPr marL="0" marR="0" lvl="0" indent="0" algn="l" rtl="0">
-              <a:lnSpc>
-                <a:spcPct val="115000"/>
-              </a:lnSpc>
-              <a:spcBef>
-                <a:spcPts val="1000"/>
-              </a:spcBef>
-              <a:spcAft>
-                <a:spcPts val="0"/>
-              </a:spcAft>
-              <a:buClr>
-                <a:srgbClr val="000000"/>
-              </a:buClr>
-              <a:buSzPts val="4000"/>
-              <a:buFont typeface="Arial"/>
-              <a:buNone/>
-            </a:pPr>
-            <a:r>
-              <a:rPr lang="en" b="1" dirty="0">
-                <a:solidFill>
-                  <a:schemeClr val="lt1"/>
-                </a:solidFill>
-                <a:latin typeface="Montserrat"/>
-                <a:ea typeface="Montserrat"/>
-                <a:cs typeface="Montserrat"/>
-                <a:sym typeface="Montserrat"/>
-              </a:rPr>
-              <a:t>Selanjutnya, kita bakal </a:t>
-            </a:r>
-            <a:r>
-              <a:rPr lang="en-US" b="1" dirty="0">
-                <a:solidFill>
-                  <a:schemeClr val="lt1"/>
-                </a:solidFill>
-                <a:latin typeface="Montserrat"/>
-                <a:ea typeface="Montserrat"/>
-                <a:cs typeface="Montserrat"/>
-                <a:sym typeface="Montserrat"/>
-              </a:rPr>
-              <a:t>UTS</a:t>
-            </a:r>
-            <a:endParaRPr b="1" dirty="0">
-              <a:solidFill>
-                <a:schemeClr val="lt1"/>
-              </a:solidFill>
-              <a:latin typeface="Montserrat"/>
-              <a:ea typeface="Montserrat"/>
-              <a:cs typeface="Montserrat"/>
-              <a:sym typeface="Montserrat"/>
-            </a:endParaRPr>
-          </a:p>
-          <a:p>
-            <a:pPr marL="0" marR="0" lvl="0" indent="0" algn="l" rtl="0">
-              <a:lnSpc>
-                <a:spcPct val="115000"/>
-              </a:lnSpc>
-              <a:spcBef>
-                <a:spcPts val="1000"/>
-              </a:spcBef>
-              <a:spcAft>
-                <a:spcPts val="0"/>
-              </a:spcAft>
-              <a:buClr>
-                <a:srgbClr val="000000"/>
-              </a:buClr>
-              <a:buSzPts val="4000"/>
-              <a:buFont typeface="Arial"/>
-              <a:buNone/>
-            </a:pPr>
-            <a:r>
-              <a:rPr lang="en" b="1" dirty="0">
-                <a:solidFill>
-                  <a:schemeClr val="lt1"/>
-                </a:solidFill>
-                <a:latin typeface="Montserrat"/>
-                <a:ea typeface="Montserrat"/>
-                <a:cs typeface="Montserrat"/>
-                <a:sym typeface="Montserrat"/>
-              </a:rPr>
-              <a:t>Penasaran kayak gimana? </a:t>
-            </a:r>
-            <a:endParaRPr b="1" dirty="0">
-              <a:solidFill>
-                <a:schemeClr val="lt1"/>
-              </a:solidFill>
-              <a:latin typeface="Montserrat"/>
-              <a:ea typeface="Montserrat"/>
-              <a:cs typeface="Montserrat"/>
-              <a:sym typeface="Montserrat"/>
-            </a:endParaRPr>
-          </a:p>
           <a:p>
             <a:pPr marL="0" marR="0" lvl="0" indent="0" algn="l" rtl="0">
               <a:lnSpc>
@@ -7616,14 +11466,6 @@
 <file path=ppt/slides/slide3.xml><?xml version="1.0" encoding="utf-8"?>
 <p:sld xmlns:a="http://schemas.openxmlformats.org/drawingml/2006/main" xmlns:r="http://schemas.openxmlformats.org/officeDocument/2006/relationships" xmlns:p="http://schemas.openxmlformats.org/presentationml/2006/main">
   <p:cSld>
-    <p:bg>
-      <p:bgPr>
-        <a:solidFill>
-          <a:srgbClr val="FFFFFF"/>
-        </a:solidFill>
-        <a:effectLst/>
-      </p:bgPr>
-    </p:bg>
     <p:spTree>
       <p:nvGrpSpPr>
         <p:cNvPr id="1" name="Shape 80"/>
@@ -7831,7 +11673,7 @@
         </p:nvSpPr>
         <p:spPr>
           <a:xfrm>
-            <a:off x="430925" y="763300"/>
+            <a:off x="402790" y="748200"/>
             <a:ext cx="7657998" cy="3900000"/>
           </a:xfrm>
           <a:prstGeom prst="rect">
@@ -7866,7 +11708,7 @@
               <a:buNone/>
             </a:pPr>
             <a:r>
-              <a:rPr lang="en-US" sz="1600" b="1" i="0" u="none" strike="noStrike" cap="none" dirty="0">
+              <a:rPr lang="en-US" sz="1600" b="1" i="0" u="none" strike="noStrike" cap="none" dirty="0" err="1">
                 <a:solidFill>
                   <a:srgbClr val="743673"/>
                 </a:solidFill>
@@ -7875,11 +11717,26 @@
                 <a:cs typeface="Montserrat"/>
                 <a:sym typeface="Montserrat"/>
               </a:rPr>
-              <a:t>Prepare</a:t>
-            </a:r>
+              <a:t>Materi</a:t>
+            </a:r>
+            <a:r>
+              <a:rPr lang="en-US" sz="1000" dirty="0">
+                <a:latin typeface="Montserrat"/>
+                <a:ea typeface="Montserrat"/>
+                <a:cs typeface="Montserrat"/>
+                <a:sym typeface="Montserrat"/>
+              </a:rPr>
+              <a:t> </a:t>
+            </a:r>
+            <a:endParaRPr lang="en-ID" sz="1800" b="1" dirty="0">
+              <a:effectLst/>
+              <a:latin typeface="Calibri" panose="020F0502020204030204" pitchFamily="34" charset="0"/>
+              <a:ea typeface="Calibri" panose="020F0502020204030204" pitchFamily="34" charset="0"/>
+              <a:cs typeface="Times New Roman" panose="02020603050405020304" pitchFamily="18" charset="0"/>
+            </a:endParaRPr>
           </a:p>
           <a:p>
-            <a:pPr marL="285750" marR="0" indent="-285750">
+            <a:pPr marL="342900" marR="0" lvl="0" indent="-342900">
               <a:lnSpc>
                 <a:spcPct val="107000"/>
               </a:lnSpc>
@@ -7887,11 +11744,23 @@
                 <a:spcPts val="0"/>
               </a:spcBef>
               <a:spcAft>
-                <a:spcPts val="800"/>
+                <a:spcPts val="0"/>
               </a:spcAft>
               <a:buFont typeface="Arial" panose="020B0604020202020204" pitchFamily="34" charset="0"/>
               <a:buChar char="•"/>
+              <a:tabLst>
+                <a:tab pos="457200" algn="l"/>
+              </a:tabLst>
             </a:pPr>
+            <a:r>
+              <a:rPr lang="en-ID" sz="1800" dirty="0" err="1">
+                <a:effectLst/>
+                <a:latin typeface="Calibri" panose="020F0502020204030204" pitchFamily="34" charset="0"/>
+                <a:ea typeface="Calibri" panose="020F0502020204030204" pitchFamily="34" charset="0"/>
+                <a:cs typeface="Times New Roman" panose="02020603050405020304" pitchFamily="18" charset="0"/>
+              </a:rPr>
+              <a:t>Pengantar</a:t>
+            </a:r>
             <a:r>
               <a:rPr lang="en-ID" sz="1800" dirty="0">
                 <a:effectLst/>
@@ -7899,8 +11768,26 @@
                 <a:ea typeface="Calibri" panose="020F0502020204030204" pitchFamily="34" charset="0"/>
                 <a:cs typeface="Times New Roman" panose="02020603050405020304" pitchFamily="18" charset="0"/>
               </a:rPr>
-              <a:t>Visual </a:t>
-            </a:r>
+              <a:t> Array</a:t>
+            </a:r>
+          </a:p>
+          <a:p>
+            <a:pPr marL="342900" marR="0" lvl="0" indent="-342900">
+              <a:lnSpc>
+                <a:spcPct val="107000"/>
+              </a:lnSpc>
+              <a:spcBef>
+                <a:spcPts val="0"/>
+              </a:spcBef>
+              <a:spcAft>
+                <a:spcPts val="0"/>
+              </a:spcAft>
+              <a:buFont typeface="Arial" panose="020B0604020202020204" pitchFamily="34" charset="0"/>
+              <a:buChar char="•"/>
+              <a:tabLst>
+                <a:tab pos="457200" algn="l"/>
+              </a:tabLst>
+            </a:pPr>
             <a:r>
               <a:rPr lang="en-ID" sz="1800" dirty="0" err="1">
                 <a:effectLst/>
@@ -7908,123 +11795,7 @@
                 <a:ea typeface="Calibri" panose="020F0502020204030204" pitchFamily="34" charset="0"/>
                 <a:cs typeface="Times New Roman" panose="02020603050405020304" pitchFamily="18" charset="0"/>
               </a:rPr>
-              <a:t>Studi</a:t>
-            </a:r>
-            <a:r>
-              <a:rPr lang="en-ID" sz="1800" dirty="0">
-                <a:effectLst/>
-                <a:latin typeface="Calibri" panose="020F0502020204030204" pitchFamily="34" charset="0"/>
-                <a:ea typeface="Calibri" panose="020F0502020204030204" pitchFamily="34" charset="0"/>
-                <a:cs typeface="Times New Roman" panose="02020603050405020304" pitchFamily="18" charset="0"/>
-              </a:rPr>
-              <a:t> Code</a:t>
-            </a:r>
-          </a:p>
-          <a:p>
-            <a:pPr marL="285750" marR="0" indent="-285750">
-              <a:lnSpc>
-                <a:spcPct val="107000"/>
-              </a:lnSpc>
-              <a:spcBef>
-                <a:spcPts val="0"/>
-              </a:spcBef>
-              <a:spcAft>
-                <a:spcPts val="800"/>
-              </a:spcAft>
-              <a:buFont typeface="Arial" panose="020B0604020202020204" pitchFamily="34" charset="0"/>
-              <a:buChar char="•"/>
-            </a:pPr>
-            <a:r>
-              <a:rPr lang="en-ID" sz="1800" dirty="0" err="1">
-                <a:effectLst/>
-                <a:latin typeface="Calibri" panose="020F0502020204030204" pitchFamily="34" charset="0"/>
-                <a:ea typeface="Calibri" panose="020F0502020204030204" pitchFamily="34" charset="0"/>
-                <a:cs typeface="Times New Roman" panose="02020603050405020304" pitchFamily="18" charset="0"/>
-              </a:rPr>
-              <a:t>Referensi</a:t>
-            </a:r>
-            <a:r>
-              <a:rPr lang="en-ID" sz="1800" dirty="0">
-                <a:effectLst/>
-                <a:latin typeface="Calibri" panose="020F0502020204030204" pitchFamily="34" charset="0"/>
-                <a:ea typeface="Calibri" panose="020F0502020204030204" pitchFamily="34" charset="0"/>
-                <a:cs typeface="Times New Roman" panose="02020603050405020304" pitchFamily="18" charset="0"/>
-              </a:rPr>
-              <a:t> : PEMPROGRAMAN WEB.pdf dan </a:t>
-            </a:r>
-            <a:r>
-              <a:rPr lang="en-ID" sz="1800" dirty="0" err="1">
-                <a:effectLst/>
-                <a:latin typeface="Calibri" panose="020F0502020204030204" pitchFamily="34" charset="0"/>
-                <a:ea typeface="Calibri" panose="020F0502020204030204" pitchFamily="34" charset="0"/>
-                <a:cs typeface="Times New Roman" panose="02020603050405020304" pitchFamily="18" charset="0"/>
-              </a:rPr>
-              <a:t>Pemrograman</a:t>
-            </a:r>
-            <a:r>
-              <a:rPr lang="en-ID" sz="1800" dirty="0">
-                <a:effectLst/>
-                <a:latin typeface="Calibri" panose="020F0502020204030204" pitchFamily="34" charset="0"/>
-                <a:ea typeface="Calibri" panose="020F0502020204030204" pitchFamily="34" charset="0"/>
-                <a:cs typeface="Times New Roman" panose="02020603050405020304" pitchFamily="18" charset="0"/>
-              </a:rPr>
-              <a:t> Web </a:t>
-            </a:r>
-            <a:r>
-              <a:rPr lang="en-ID" sz="1800" dirty="0" err="1">
-                <a:effectLst/>
-                <a:latin typeface="Calibri" panose="020F0502020204030204" pitchFamily="34" charset="0"/>
-                <a:ea typeface="Calibri" panose="020F0502020204030204" pitchFamily="34" charset="0"/>
-                <a:cs typeface="Times New Roman" panose="02020603050405020304" pitchFamily="18" charset="0"/>
-              </a:rPr>
-              <a:t>dengan</a:t>
-            </a:r>
-            <a:r>
-              <a:rPr lang="en-ID" sz="1800" dirty="0">
-                <a:effectLst/>
-                <a:latin typeface="Calibri" panose="020F0502020204030204" pitchFamily="34" charset="0"/>
-                <a:ea typeface="Calibri" panose="020F0502020204030204" pitchFamily="34" charset="0"/>
-                <a:cs typeface="Times New Roman" panose="02020603050405020304" pitchFamily="18" charset="0"/>
-              </a:rPr>
-              <a:t> PHP MySQL.pdf</a:t>
-            </a:r>
-            <a:endParaRPr lang="en-ID" sz="1800" dirty="0">
-              <a:latin typeface="Calibri" panose="020F0502020204030204" pitchFamily="34" charset="0"/>
-              <a:ea typeface="Calibri" panose="020F0502020204030204" pitchFamily="34" charset="0"/>
-              <a:cs typeface="Times New Roman" panose="02020603050405020304" pitchFamily="18" charset="0"/>
-            </a:endParaRPr>
-          </a:p>
-          <a:p>
-            <a:pPr marL="285750" marR="0" indent="-285750">
-              <a:lnSpc>
-                <a:spcPct val="107000"/>
-              </a:lnSpc>
-              <a:spcBef>
-                <a:spcPts val="0"/>
-              </a:spcBef>
-              <a:spcAft>
-                <a:spcPts val="800"/>
-              </a:spcAft>
-              <a:buFont typeface="Arial" panose="020B0604020202020204" pitchFamily="34" charset="0"/>
-              <a:buChar char="•"/>
-            </a:pPr>
-            <a:r>
-              <a:rPr lang="en-ID" sz="1800" dirty="0">
-                <a:effectLst/>
-                <a:latin typeface="Calibri" panose="020F0502020204030204" pitchFamily="34" charset="0"/>
-                <a:ea typeface="Calibri" panose="020F0502020204030204" pitchFamily="34" charset="0"/>
-                <a:cs typeface="Times New Roman" panose="02020603050405020304" pitchFamily="18" charset="0"/>
-              </a:rPr>
-              <a:t>Instal </a:t>
-            </a:r>
-            <a:r>
-              <a:rPr lang="en-ID" sz="1800" dirty="0" err="1">
-                <a:effectLst/>
-                <a:latin typeface="Calibri" panose="020F0502020204030204" pitchFamily="34" charset="0"/>
-                <a:ea typeface="Calibri" panose="020F0502020204030204" pitchFamily="34" charset="0"/>
-                <a:cs typeface="Times New Roman" panose="02020603050405020304" pitchFamily="18" charset="0"/>
-              </a:rPr>
-              <a:t>php</a:t>
+              <a:t>Mendeklarasikan</a:t>
             </a:r>
             <a:r>
               <a:rPr lang="en-ID" sz="1800" dirty="0">
@@ -8042,13 +11813,133 @@
                 <a:ea typeface="Calibri" panose="020F0502020204030204" pitchFamily="34" charset="0"/>
                 <a:cs typeface="Times New Roman" panose="02020603050405020304" pitchFamily="18" charset="0"/>
               </a:rPr>
-              <a:t>xampp</a:t>
-            </a:r>
-            <a:endParaRPr lang="en-ID" sz="1800" dirty="0">
-              <a:effectLst/>
-              <a:latin typeface="Calibri" panose="020F0502020204030204" pitchFamily="34" charset="0"/>
-              <a:ea typeface="Calibri" panose="020F0502020204030204" pitchFamily="34" charset="0"/>
-              <a:cs typeface="Times New Roman" panose="02020603050405020304" pitchFamily="18" charset="0"/>
+              <a:t>Menampilkan</a:t>
+            </a:r>
+            <a:r>
+              <a:rPr lang="en-ID" sz="1800" dirty="0">
+                <a:effectLst/>
+                <a:latin typeface="Calibri" panose="020F0502020204030204" pitchFamily="34" charset="0"/>
+                <a:ea typeface="Calibri" panose="020F0502020204030204" pitchFamily="34" charset="0"/>
+                <a:cs typeface="Times New Roman" panose="02020603050405020304" pitchFamily="18" charset="0"/>
+              </a:rPr>
+              <a:t> Array</a:t>
+            </a:r>
+          </a:p>
+          <a:p>
+            <a:pPr marL="342900" marR="0" lvl="0" indent="-342900">
+              <a:lnSpc>
+                <a:spcPct val="107000"/>
+              </a:lnSpc>
+              <a:spcBef>
+                <a:spcPts val="0"/>
+              </a:spcBef>
+              <a:spcAft>
+                <a:spcPts val="0"/>
+              </a:spcAft>
+              <a:buFont typeface="Arial" panose="020B0604020202020204" pitchFamily="34" charset="0"/>
+              <a:buChar char="•"/>
+              <a:tabLst>
+                <a:tab pos="457200" algn="l"/>
+              </a:tabLst>
+            </a:pPr>
+            <a:r>
+              <a:rPr lang="en-ID" sz="1800" dirty="0" err="1">
+                <a:effectLst/>
+                <a:latin typeface="Calibri" panose="020F0502020204030204" pitchFamily="34" charset="0"/>
+                <a:ea typeface="Calibri" panose="020F0502020204030204" pitchFamily="34" charset="0"/>
+                <a:cs typeface="Times New Roman" panose="02020603050405020304" pitchFamily="18" charset="0"/>
+              </a:rPr>
+              <a:t>Fungsi-fungsi</a:t>
+            </a:r>
+            <a:r>
+              <a:rPr lang="en-ID" sz="1800" dirty="0">
+                <a:effectLst/>
+                <a:latin typeface="Calibri" panose="020F0502020204030204" pitchFamily="34" charset="0"/>
+                <a:ea typeface="Calibri" panose="020F0502020204030204" pitchFamily="34" charset="0"/>
+                <a:cs typeface="Times New Roman" panose="02020603050405020304" pitchFamily="18" charset="0"/>
+              </a:rPr>
+              <a:t> Array </a:t>
+            </a:r>
+            <a:r>
+              <a:rPr lang="en-ID" sz="1800" dirty="0" err="1">
+                <a:effectLst/>
+                <a:latin typeface="Calibri" panose="020F0502020204030204" pitchFamily="34" charset="0"/>
+                <a:ea typeface="Calibri" panose="020F0502020204030204" pitchFamily="34" charset="0"/>
+                <a:cs typeface="Times New Roman" panose="02020603050405020304" pitchFamily="18" charset="0"/>
+              </a:rPr>
+              <a:t>dalam</a:t>
+            </a:r>
+            <a:r>
+              <a:rPr lang="en-ID" sz="1800" dirty="0">
+                <a:effectLst/>
+                <a:latin typeface="Calibri" panose="020F0502020204030204" pitchFamily="34" charset="0"/>
+                <a:ea typeface="Calibri" panose="020F0502020204030204" pitchFamily="34" charset="0"/>
+                <a:cs typeface="Times New Roman" panose="02020603050405020304" pitchFamily="18" charset="0"/>
+              </a:rPr>
+              <a:t> PHP</a:t>
+            </a:r>
+          </a:p>
+          <a:p>
+            <a:pPr marL="342900" marR="0" lvl="0" indent="-342900">
+              <a:lnSpc>
+                <a:spcPct val="107000"/>
+              </a:lnSpc>
+              <a:spcBef>
+                <a:spcPts val="0"/>
+              </a:spcBef>
+              <a:spcAft>
+                <a:spcPts val="0"/>
+              </a:spcAft>
+              <a:buFont typeface="Arial" panose="020B0604020202020204" pitchFamily="34" charset="0"/>
+              <a:buChar char="•"/>
+              <a:tabLst>
+                <a:tab pos="457200" algn="l"/>
+              </a:tabLst>
+            </a:pPr>
+            <a:r>
+              <a:rPr lang="en-ID" sz="1800" dirty="0" err="1">
+                <a:effectLst/>
+                <a:latin typeface="Calibri" panose="020F0502020204030204" pitchFamily="34" charset="0"/>
+                <a:ea typeface="Calibri" panose="020F0502020204030204" pitchFamily="34" charset="0"/>
+                <a:cs typeface="Times New Roman" panose="02020603050405020304" pitchFamily="18" charset="0"/>
+              </a:rPr>
+              <a:t>Fungsi</a:t>
+            </a:r>
+            <a:r>
+              <a:rPr lang="en-ID" sz="1800" dirty="0">
+                <a:effectLst/>
+                <a:latin typeface="Calibri" panose="020F0502020204030204" pitchFamily="34" charset="0"/>
+                <a:ea typeface="Calibri" panose="020F0502020204030204" pitchFamily="34" charset="0"/>
+                <a:cs typeface="Times New Roman" panose="02020603050405020304" pitchFamily="18" charset="0"/>
+              </a:rPr>
+              <a:t> </a:t>
+            </a:r>
+            <a:r>
+              <a:rPr lang="en-ID" sz="1800" dirty="0" err="1">
+                <a:effectLst/>
+                <a:latin typeface="Calibri" panose="020F0502020204030204" pitchFamily="34" charset="0"/>
+                <a:ea typeface="Calibri" panose="020F0502020204030204" pitchFamily="34" charset="0"/>
+                <a:cs typeface="Times New Roman" panose="02020603050405020304" pitchFamily="18" charset="0"/>
+              </a:rPr>
+              <a:t>dalam</a:t>
+            </a:r>
+            <a:r>
+              <a:rPr lang="en-ID" sz="1800" dirty="0">
+                <a:effectLst/>
+                <a:latin typeface="Calibri" panose="020F0502020204030204" pitchFamily="34" charset="0"/>
+                <a:ea typeface="Calibri" panose="020F0502020204030204" pitchFamily="34" charset="0"/>
+                <a:cs typeface="Times New Roman" panose="02020603050405020304" pitchFamily="18" charset="0"/>
+              </a:rPr>
+              <a:t> PHP</a:t>
+            </a:r>
+            <a:endParaRPr lang="en-ID" sz="1500" dirty="0">
+              <a:solidFill>
+                <a:srgbClr val="000000"/>
+              </a:solidFill>
+              <a:latin typeface="Montserrat"/>
+              <a:ea typeface="Montserrat"/>
+              <a:cs typeface="Montserrat"/>
+              <a:sym typeface="Montserrat"/>
             </a:endParaRPr>
           </a:p>
         </p:txBody>
@@ -8056,7 +11947,7 @@
     </p:spTree>
     <p:extLst>
       <p:ext uri="{BB962C8B-B14F-4D97-AF65-F5344CB8AC3E}">
-        <p14:creationId xmlns:p14="http://schemas.microsoft.com/office/powerpoint/2010/main" val="3482584857"/>
+        <p14:creationId xmlns:p14="http://schemas.microsoft.com/office/powerpoint/2010/main" val="2026519226"/>
       </p:ext>
     </p:extLst>
   </p:cSld>
@@ -8284,8 +12175,8 @@
         </p:nvSpPr>
         <p:spPr>
           <a:xfrm>
-            <a:off x="454375" y="748200"/>
-            <a:ext cx="7657998" cy="555900"/>
+            <a:off x="430925" y="763300"/>
+            <a:ext cx="7657998" cy="3900000"/>
           </a:xfrm>
           <a:prstGeom prst="rect">
             <a:avLst/>
@@ -8328,92 +12219,188 @@
                 <a:cs typeface="Montserrat"/>
                 <a:sym typeface="Montserrat"/>
               </a:rPr>
-              <a:t>Refer</a:t>
-            </a:r>
+              <a:t>Prepare</a:t>
+            </a:r>
+          </a:p>
+          <a:p>
+            <a:pPr marL="285750" marR="0" indent="-285750">
+              <a:lnSpc>
+                <a:spcPct val="107000"/>
+              </a:lnSpc>
+              <a:spcBef>
+                <a:spcPts val="0"/>
+              </a:spcBef>
+              <a:spcAft>
+                <a:spcPts val="800"/>
+              </a:spcAft>
+              <a:buFont typeface="Arial" panose="020B0604020202020204" pitchFamily="34" charset="0"/>
+              <a:buChar char="•"/>
+            </a:pPr>
+            <a:r>
+              <a:rPr lang="en-ID" sz="1800" dirty="0">
+                <a:effectLst/>
+                <a:latin typeface="Calibri" panose="020F0502020204030204" pitchFamily="34" charset="0"/>
+                <a:ea typeface="Calibri" panose="020F0502020204030204" pitchFamily="34" charset="0"/>
+                <a:cs typeface="Times New Roman" panose="02020603050405020304" pitchFamily="18" charset="0"/>
+              </a:rPr>
+              <a:t>Visual </a:t>
+            </a:r>
+            <a:r>
+              <a:rPr lang="en-ID" sz="1800" dirty="0" err="1">
+                <a:effectLst/>
+                <a:latin typeface="Calibri" panose="020F0502020204030204" pitchFamily="34" charset="0"/>
+                <a:ea typeface="Calibri" panose="020F0502020204030204" pitchFamily="34" charset="0"/>
+                <a:cs typeface="Times New Roman" panose="02020603050405020304" pitchFamily="18" charset="0"/>
+              </a:rPr>
+              <a:t>Studi</a:t>
+            </a:r>
+            <a:r>
+              <a:rPr lang="en-ID" sz="1800" dirty="0">
+                <a:effectLst/>
+                <a:latin typeface="Calibri" panose="020F0502020204030204" pitchFamily="34" charset="0"/>
+                <a:ea typeface="Calibri" panose="020F0502020204030204" pitchFamily="34" charset="0"/>
+                <a:cs typeface="Times New Roman" panose="02020603050405020304" pitchFamily="18" charset="0"/>
+              </a:rPr>
+              <a:t> Code</a:t>
+            </a:r>
+          </a:p>
+          <a:p>
+            <a:pPr marL="285750" marR="0" indent="-285750">
+              <a:lnSpc>
+                <a:spcPct val="107000"/>
+              </a:lnSpc>
+              <a:spcBef>
+                <a:spcPts val="0"/>
+              </a:spcBef>
+              <a:spcAft>
+                <a:spcPts val="800"/>
+              </a:spcAft>
+              <a:buFont typeface="Arial" panose="020B0604020202020204" pitchFamily="34" charset="0"/>
+              <a:buChar char="•"/>
+            </a:pPr>
+            <a:r>
+              <a:rPr lang="en-ID" sz="1800" dirty="0" err="1">
+                <a:effectLst/>
+                <a:latin typeface="Calibri" panose="020F0502020204030204" pitchFamily="34" charset="0"/>
+                <a:ea typeface="Calibri" panose="020F0502020204030204" pitchFamily="34" charset="0"/>
+                <a:cs typeface="Times New Roman" panose="02020603050405020304" pitchFamily="18" charset="0"/>
+              </a:rPr>
+              <a:t>Referensi</a:t>
+            </a:r>
+            <a:r>
+              <a:rPr lang="en-ID" sz="1800" dirty="0">
+                <a:effectLst/>
+                <a:latin typeface="Calibri" panose="020F0502020204030204" pitchFamily="34" charset="0"/>
+                <a:ea typeface="Calibri" panose="020F0502020204030204" pitchFamily="34" charset="0"/>
+                <a:cs typeface="Times New Roman" panose="02020603050405020304" pitchFamily="18" charset="0"/>
+              </a:rPr>
+              <a:t> : PEMPROGRAMAN WEB.pdf dan </a:t>
+            </a:r>
+            <a:r>
+              <a:rPr lang="en-ID" sz="1800" dirty="0" err="1">
+                <a:effectLst/>
+                <a:latin typeface="Calibri" panose="020F0502020204030204" pitchFamily="34" charset="0"/>
+                <a:ea typeface="Calibri" panose="020F0502020204030204" pitchFamily="34" charset="0"/>
+                <a:cs typeface="Times New Roman" panose="02020603050405020304" pitchFamily="18" charset="0"/>
+              </a:rPr>
+              <a:t>Pemrograman</a:t>
+            </a:r>
+            <a:r>
+              <a:rPr lang="en-ID" sz="1800" dirty="0">
+                <a:effectLst/>
+                <a:latin typeface="Calibri" panose="020F0502020204030204" pitchFamily="34" charset="0"/>
+                <a:ea typeface="Calibri" panose="020F0502020204030204" pitchFamily="34" charset="0"/>
+                <a:cs typeface="Times New Roman" panose="02020603050405020304" pitchFamily="18" charset="0"/>
+              </a:rPr>
+              <a:t> Web </a:t>
+            </a:r>
+            <a:r>
+              <a:rPr lang="en-ID" sz="1800" dirty="0" err="1">
+                <a:effectLst/>
+                <a:latin typeface="Calibri" panose="020F0502020204030204" pitchFamily="34" charset="0"/>
+                <a:ea typeface="Calibri" panose="020F0502020204030204" pitchFamily="34" charset="0"/>
+                <a:cs typeface="Times New Roman" panose="02020603050405020304" pitchFamily="18" charset="0"/>
+              </a:rPr>
+              <a:t>dengan</a:t>
+            </a:r>
+            <a:r>
+              <a:rPr lang="en-ID" sz="1800" dirty="0">
+                <a:effectLst/>
+                <a:latin typeface="Calibri" panose="020F0502020204030204" pitchFamily="34" charset="0"/>
+                <a:ea typeface="Calibri" panose="020F0502020204030204" pitchFamily="34" charset="0"/>
+                <a:cs typeface="Times New Roman" panose="02020603050405020304" pitchFamily="18" charset="0"/>
+              </a:rPr>
+              <a:t> PHP MySQL.pdf</a:t>
+            </a:r>
+            <a:endParaRPr lang="en-ID" sz="1800" dirty="0">
+              <a:latin typeface="Calibri" panose="020F0502020204030204" pitchFamily="34" charset="0"/>
+              <a:ea typeface="Calibri" panose="020F0502020204030204" pitchFamily="34" charset="0"/>
+              <a:cs typeface="Times New Roman" panose="02020603050405020304" pitchFamily="18" charset="0"/>
+            </a:endParaRPr>
+          </a:p>
+          <a:p>
+            <a:pPr marL="285750" marR="0" indent="-285750">
+              <a:lnSpc>
+                <a:spcPct val="107000"/>
+              </a:lnSpc>
+              <a:spcBef>
+                <a:spcPts val="0"/>
+              </a:spcBef>
+              <a:spcAft>
+                <a:spcPts val="800"/>
+              </a:spcAft>
+              <a:buFont typeface="Arial" panose="020B0604020202020204" pitchFamily="34" charset="0"/>
+              <a:buChar char="•"/>
+            </a:pPr>
+            <a:r>
+              <a:rPr lang="en-ID" sz="1800" dirty="0">
+                <a:effectLst/>
+                <a:latin typeface="Calibri" panose="020F0502020204030204" pitchFamily="34" charset="0"/>
+                <a:ea typeface="Calibri" panose="020F0502020204030204" pitchFamily="34" charset="0"/>
+                <a:cs typeface="Times New Roman" panose="02020603050405020304" pitchFamily="18" charset="0"/>
+              </a:rPr>
+              <a:t>Instal </a:t>
+            </a:r>
+            <a:r>
+              <a:rPr lang="en-ID" sz="1800" dirty="0" err="1">
+                <a:effectLst/>
+                <a:latin typeface="Calibri" panose="020F0502020204030204" pitchFamily="34" charset="0"/>
+                <a:ea typeface="Calibri" panose="020F0502020204030204" pitchFamily="34" charset="0"/>
+                <a:cs typeface="Times New Roman" panose="02020603050405020304" pitchFamily="18" charset="0"/>
+              </a:rPr>
+              <a:t>php</a:t>
+            </a:r>
+            <a:r>
+              <a:rPr lang="en-ID" sz="1800" dirty="0">
+                <a:effectLst/>
+                <a:latin typeface="Calibri" panose="020F0502020204030204" pitchFamily="34" charset="0"/>
+                <a:ea typeface="Calibri" panose="020F0502020204030204" pitchFamily="34" charset="0"/>
+                <a:cs typeface="Times New Roman" panose="02020603050405020304" pitchFamily="18" charset="0"/>
+              </a:rPr>
+              <a:t> dan </a:t>
+            </a:r>
+            <a:r>
+              <a:rPr lang="en-ID" sz="1800" dirty="0" err="1">
+                <a:effectLst/>
+                <a:latin typeface="Calibri" panose="020F0502020204030204" pitchFamily="34" charset="0"/>
+                <a:ea typeface="Calibri" panose="020F0502020204030204" pitchFamily="34" charset="0"/>
+                <a:cs typeface="Times New Roman" panose="02020603050405020304" pitchFamily="18" charset="0"/>
+              </a:rPr>
+              <a:t>xampp</a:t>
+            </a:r>
+            <a:endParaRPr lang="en-ID" sz="1800" dirty="0">
+              <a:effectLst/>
+              <a:latin typeface="Calibri" panose="020F0502020204030204" pitchFamily="34" charset="0"/>
+              <a:ea typeface="Calibri" panose="020F0502020204030204" pitchFamily="34" charset="0"/>
+              <a:cs typeface="Times New Roman" panose="02020603050405020304" pitchFamily="18" charset="0"/>
+            </a:endParaRPr>
           </a:p>
         </p:txBody>
       </p:sp>
-      <p:sp>
-        <p:nvSpPr>
-          <p:cNvPr id="3" name="TextBox 2">
-            <a:extLst>
-              <a:ext uri="{FF2B5EF4-FFF2-40B4-BE49-F238E27FC236}">
-                <a16:creationId xmlns:a16="http://schemas.microsoft.com/office/drawing/2014/main" id="{3196F618-6AB3-FC9E-C1F7-F4C8458B929E}"/>
-              </a:ext>
-            </a:extLst>
-          </p:cNvPr>
-          <p:cNvSpPr txBox="1"/>
-          <p:nvPr/>
-        </p:nvSpPr>
-        <p:spPr>
-          <a:xfrm>
-            <a:off x="454375" y="1335200"/>
-            <a:ext cx="4572000" cy="307777"/>
-          </a:xfrm>
-          <a:prstGeom prst="rect">
-            <a:avLst/>
-          </a:prstGeom>
-          <a:noFill/>
-        </p:spPr>
-        <p:txBody>
-          <a:bodyPr wrap="square">
-            <a:spAutoFit/>
-          </a:bodyPr>
-          <a:lstStyle/>
-          <a:p>
-            <a:r>
-              <a:rPr lang="en-ID" dirty="0" err="1"/>
-              <a:t>Pemrograman</a:t>
-            </a:r>
-            <a:r>
-              <a:rPr lang="en-ID" dirty="0"/>
-              <a:t> Web </a:t>
-            </a:r>
-            <a:r>
-              <a:rPr lang="en-ID" dirty="0" err="1"/>
-              <a:t>dengan</a:t>
-            </a:r>
-            <a:r>
-              <a:rPr lang="en-ID" dirty="0"/>
-              <a:t> PHP MySQL.pdf</a:t>
-            </a:r>
-          </a:p>
-        </p:txBody>
-      </p:sp>
-      <p:pic>
-        <p:nvPicPr>
-          <p:cNvPr id="7" name="Picture 6">
-            <a:extLst>
-              <a:ext uri="{FF2B5EF4-FFF2-40B4-BE49-F238E27FC236}">
-                <a16:creationId xmlns:a16="http://schemas.microsoft.com/office/drawing/2014/main" id="{21792069-CA77-DB00-08D0-C2043B7EC433}"/>
-              </a:ext>
-            </a:extLst>
-          </p:cNvPr>
-          <p:cNvPicPr>
-            <a:picLocks noChangeAspect="1"/>
-          </p:cNvPicPr>
-          <p:nvPr/>
-        </p:nvPicPr>
-        <p:blipFill>
-          <a:blip r:embed="rId4"/>
-          <a:stretch>
-            <a:fillRect/>
-          </a:stretch>
-        </p:blipFill>
-        <p:spPr>
-          <a:xfrm>
-            <a:off x="520505" y="1674077"/>
-            <a:ext cx="5199111" cy="3054395"/>
-          </a:xfrm>
-          <a:prstGeom prst="rect">
-            <a:avLst/>
-          </a:prstGeom>
-        </p:spPr>
-      </p:pic>
     </p:spTree>
     <p:extLst>
       <p:ext uri="{BB962C8B-B14F-4D97-AF65-F5344CB8AC3E}">
-        <p14:creationId xmlns:p14="http://schemas.microsoft.com/office/powerpoint/2010/main" val="2562106204"/>
+        <p14:creationId xmlns:p14="http://schemas.microsoft.com/office/powerpoint/2010/main" val="3482584857"/>
       </p:ext>
     </p:extLst>
   </p:cSld>
@@ -8685,7 +12672,54 @@
                 <a:cs typeface="Montserrat"/>
                 <a:sym typeface="Montserrat"/>
               </a:rPr>
-              <a:t>Form Input : input_01.php</a:t>
+              <a:t>Refer</a:t>
+            </a:r>
+          </a:p>
+        </p:txBody>
+      </p:sp>
+      <p:sp>
+        <p:nvSpPr>
+          <p:cNvPr id="3" name="TextBox 2">
+            <a:extLst>
+              <a:ext uri="{FF2B5EF4-FFF2-40B4-BE49-F238E27FC236}">
+                <a16:creationId xmlns:a16="http://schemas.microsoft.com/office/drawing/2014/main" id="{3196F618-6AB3-FC9E-C1F7-F4C8458B929E}"/>
+              </a:ext>
+            </a:extLst>
+          </p:cNvPr>
+          <p:cNvSpPr txBox="1"/>
+          <p:nvPr/>
+        </p:nvSpPr>
+        <p:spPr>
+          <a:xfrm>
+            <a:off x="454375" y="1335200"/>
+            <a:ext cx="4572000" cy="307777"/>
+          </a:xfrm>
+          <a:prstGeom prst="rect">
+            <a:avLst/>
+          </a:prstGeom>
+          <a:noFill/>
+        </p:spPr>
+        <p:txBody>
+          <a:bodyPr wrap="square">
+            <a:spAutoFit/>
+          </a:bodyPr>
+          <a:lstStyle/>
+          <a:p>
+            <a:r>
+              <a:rPr lang="en-ID" dirty="0" err="1"/>
+              <a:t>Pemrograman</a:t>
+            </a:r>
+            <a:r>
+              <a:rPr lang="en-ID" dirty="0"/>
+              <a:t> Web </a:t>
+            </a:r>
+            <a:r>
+              <a:rPr lang="en-ID" dirty="0" err="1"/>
+              <a:t>dengan</a:t>
+            </a:r>
+            <a:r>
+              <a:rPr lang="en-ID" dirty="0"/>
+              <a:t> PHP MySQL.pdf</a:t>
             </a:r>
           </a:p>
         </p:txBody>
@@ -8695,7 +12729,7 @@
           <p:cNvPr id="4" name="Picture 3">
             <a:extLst>
               <a:ext uri="{FF2B5EF4-FFF2-40B4-BE49-F238E27FC236}">
-                <a16:creationId xmlns:a16="http://schemas.microsoft.com/office/drawing/2014/main" id="{25731733-803C-43E1-3308-6D2E52DC108B}"/>
+                <a16:creationId xmlns:a16="http://schemas.microsoft.com/office/drawing/2014/main" id="{5185E9BE-4775-FF63-5C7B-724F621E3F32}"/>
               </a:ext>
             </a:extLst>
           </p:cNvPr>
@@ -8712,74 +12746,8 @@
         </p:blipFill>
         <p:spPr>
           <a:xfrm>
-            <a:off x="591351" y="1762880"/>
-            <a:ext cx="3641218" cy="1520795"/>
-          </a:xfrm>
-          <a:prstGeom prst="rect">
-            <a:avLst/>
-          </a:prstGeom>
-        </p:spPr>
-      </p:pic>
-      <p:sp>
-        <p:nvSpPr>
-          <p:cNvPr id="9" name="TextBox 8">
-            <a:extLst>
-              <a:ext uri="{FF2B5EF4-FFF2-40B4-BE49-F238E27FC236}">
-                <a16:creationId xmlns:a16="http://schemas.microsoft.com/office/drawing/2014/main" id="{E3018F77-1972-E51F-E720-DA651A0D326D}"/>
-              </a:ext>
-            </a:extLst>
-          </p:cNvPr>
-          <p:cNvSpPr txBox="1"/>
-          <p:nvPr/>
-        </p:nvSpPr>
-        <p:spPr>
-          <a:xfrm>
-            <a:off x="667375" y="3380620"/>
-            <a:ext cx="3914950" cy="307777"/>
-          </a:xfrm>
-          <a:prstGeom prst="rect">
-            <a:avLst/>
-          </a:prstGeom>
-          <a:noFill/>
-        </p:spPr>
-        <p:txBody>
-          <a:bodyPr wrap="square">
-            <a:spAutoFit/>
-          </a:bodyPr>
-          <a:lstStyle/>
-          <a:p>
-            <a:pPr algn="ctr"/>
-            <a:r>
-              <a:rPr lang="en-ID" b="1" dirty="0"/>
-              <a:t>Kode Program Input Text</a:t>
-            </a:r>
-          </a:p>
-        </p:txBody>
-      </p:sp>
-      <p:pic>
-        <p:nvPicPr>
-          <p:cNvPr id="12" name="Picture 11">
-            <a:extLst>
-              <a:ext uri="{FF2B5EF4-FFF2-40B4-BE49-F238E27FC236}">
-                <a16:creationId xmlns:a16="http://schemas.microsoft.com/office/drawing/2014/main" id="{1C900081-D551-20E2-9A69-E60F3AA853AF}"/>
-              </a:ext>
-            </a:extLst>
-          </p:cNvPr>
-          <p:cNvPicPr>
-            <a:picLocks noChangeAspect="1"/>
-          </p:cNvPicPr>
-          <p:nvPr/>
-        </p:nvPicPr>
-        <p:blipFill>
-          <a:blip r:embed="rId5"/>
-          <a:stretch>
-            <a:fillRect/>
-          </a:stretch>
-        </p:blipFill>
-        <p:spPr>
-          <a:xfrm>
-            <a:off x="4385377" y="1761895"/>
-            <a:ext cx="4672525" cy="2483153"/>
+            <a:off x="494975" y="1953451"/>
+            <a:ext cx="7029450" cy="1885950"/>
           </a:xfrm>
           <a:prstGeom prst="rect">
             <a:avLst/>
@@ -8789,7 +12757,7 @@
     </p:spTree>
     <p:extLst>
       <p:ext uri="{BB962C8B-B14F-4D97-AF65-F5344CB8AC3E}">
-        <p14:creationId xmlns:p14="http://schemas.microsoft.com/office/powerpoint/2010/main" val="1343112182"/>
+        <p14:creationId xmlns:p14="http://schemas.microsoft.com/office/powerpoint/2010/main" val="2562106204"/>
       </p:ext>
     </p:extLst>
   </p:cSld>
@@ -9052,6 +13020,18 @@
               <a:buNone/>
             </a:pPr>
             <a:r>
+              <a:rPr lang="en-US" sz="1600" b="1" i="0" u="none" strike="noStrike" cap="none" dirty="0" err="1">
+                <a:solidFill>
+                  <a:srgbClr val="743673"/>
+                </a:solidFill>
+                <a:latin typeface="Montserrat"/>
+                <a:ea typeface="Montserrat"/>
+                <a:cs typeface="Montserrat"/>
+                <a:sym typeface="Montserrat"/>
+              </a:rPr>
+              <a:t>Apa</a:t>
+            </a:r>
+            <a:r>
               <a:rPr lang="en-US" sz="1600" b="1" i="0" u="none" strike="noStrike" cap="none" dirty="0">
                 <a:solidFill>
                   <a:srgbClr val="743673"/>
@@ -9061,47 +13041,41 @@
                 <a:cs typeface="Montserrat"/>
                 <a:sym typeface="Montserrat"/>
               </a:rPr>
-              <a:t>Output Form Input : input_01.php</a:t>
+              <a:t> </a:t>
+            </a:r>
+            <a:r>
+              <a:rPr lang="en-US" sz="1600" b="1" i="0" u="none" strike="noStrike" cap="none" dirty="0" err="1">
+                <a:solidFill>
+                  <a:srgbClr val="743673"/>
+                </a:solidFill>
+                <a:latin typeface="Montserrat"/>
+                <a:ea typeface="Montserrat"/>
+                <a:cs typeface="Montserrat"/>
+                <a:sym typeface="Montserrat"/>
+              </a:rPr>
+              <a:t>itu</a:t>
+            </a:r>
+            <a:r>
+              <a:rPr lang="en-US" sz="1600" b="1" i="0" u="none" strike="noStrike" cap="none" dirty="0">
+                <a:solidFill>
+                  <a:srgbClr val="743673"/>
+                </a:solidFill>
+                <a:latin typeface="Montserrat"/>
+                <a:ea typeface="Montserrat"/>
+                <a:cs typeface="Montserrat"/>
+                <a:sym typeface="Montserrat"/>
+              </a:rPr>
+              <a:t> Array ?</a:t>
             </a:r>
           </a:p>
         </p:txBody>
       </p:sp>
-      <p:pic>
-        <p:nvPicPr>
-          <p:cNvPr id="6" name="Picture 5">
+      <p:sp>
+        <p:nvSpPr>
+          <p:cNvPr id="3" name="TextBox 2">
             <a:extLst>
               <a:ext uri="{FF2B5EF4-FFF2-40B4-BE49-F238E27FC236}">
-                <a16:creationId xmlns:a16="http://schemas.microsoft.com/office/drawing/2014/main" id="{E55D6F91-23E4-36A6-6C36-7A407AB15647}"/>
-              </a:ext>
-            </a:extLst>
-          </p:cNvPr>
-          <p:cNvPicPr>
-            <a:picLocks noChangeAspect="1"/>
-          </p:cNvPicPr>
-          <p:nvPr/>
-        </p:nvPicPr>
-        <p:blipFill>
-          <a:blip r:embed="rId4"/>
-          <a:stretch>
-            <a:fillRect/>
-          </a:stretch>
-        </p:blipFill>
-        <p:spPr>
-          <a:xfrm>
-            <a:off x="2906175" y="1475720"/>
-            <a:ext cx="2798664" cy="2363681"/>
-          </a:xfrm>
-          <a:prstGeom prst="rect">
-            <a:avLst/>
-          </a:prstGeom>
-        </p:spPr>
-      </p:pic>
-      <p:sp>
-        <p:nvSpPr>
-          <p:cNvPr id="10" name="TextBox 9">
-            <a:extLst>
-              <a:ext uri="{FF2B5EF4-FFF2-40B4-BE49-F238E27FC236}">
-                <a16:creationId xmlns:a16="http://schemas.microsoft.com/office/drawing/2014/main" id="{081D5924-DF1E-5D45-CA5B-9DD93E964A5F}"/>
+                <a16:creationId xmlns:a16="http://schemas.microsoft.com/office/drawing/2014/main" id="{761DC6D9-2AD3-CCDB-BD4C-01A60AF78C7F}"/>
               </a:ext>
             </a:extLst>
           </p:cNvPr>
@@ -9110,8 +13084,8 @@
         </p:nvSpPr>
         <p:spPr>
           <a:xfrm>
-            <a:off x="2348032" y="3685512"/>
-            <a:ext cx="3914950" cy="307777"/>
+            <a:off x="454375" y="1312900"/>
+            <a:ext cx="4572000" cy="1384995"/>
           </a:xfrm>
           <a:prstGeom prst="rect">
             <a:avLst/>
@@ -9124,18 +13098,232 @@
           </a:bodyPr>
           <a:lstStyle/>
           <a:p>
-            <a:pPr algn="ctr"/>
-            <a:r>
-              <a:rPr lang="en-ID" b="1" dirty="0"/>
-              <a:t>Output Input Text</a:t>
+            <a:r>
+              <a:rPr lang="en-ID" dirty="0"/>
+              <a:t>Array </a:t>
+            </a:r>
+            <a:r>
+              <a:rPr lang="en-ID" dirty="0" err="1"/>
+              <a:t>merupakan</a:t>
+            </a:r>
+            <a:r>
+              <a:rPr lang="en-ID" dirty="0"/>
+              <a:t> </a:t>
+            </a:r>
+            <a:r>
+              <a:rPr lang="en-ID" dirty="0" err="1"/>
+              <a:t>tipe</a:t>
+            </a:r>
+            <a:r>
+              <a:rPr lang="en-ID" dirty="0"/>
+              <a:t> data </a:t>
+            </a:r>
+            <a:r>
+              <a:rPr lang="en-ID" dirty="0" err="1"/>
+              <a:t>terstruktur</a:t>
+            </a:r>
+            <a:r>
+              <a:rPr lang="en-ID" dirty="0"/>
+              <a:t> yang </a:t>
+            </a:r>
+            <a:r>
+              <a:rPr lang="en-ID" dirty="0" err="1"/>
+              <a:t>berguna</a:t>
+            </a:r>
+            <a:r>
+              <a:rPr lang="en-ID" dirty="0"/>
+              <a:t> </a:t>
+            </a:r>
+            <a:r>
+              <a:rPr lang="en-ID" dirty="0" err="1"/>
+              <a:t>untuk</a:t>
+            </a:r>
+            <a:r>
+              <a:rPr lang="en-ID" dirty="0"/>
+              <a:t> </a:t>
+            </a:r>
+            <a:r>
+              <a:rPr lang="en-ID" dirty="0" err="1"/>
+              <a:t>menyimpan</a:t>
+            </a:r>
+            <a:r>
+              <a:rPr lang="en-ID" dirty="0"/>
+              <a:t> </a:t>
+            </a:r>
+            <a:r>
+              <a:rPr lang="en-ID" dirty="0" err="1"/>
+              <a:t>sejumlah</a:t>
+            </a:r>
+            <a:r>
+              <a:rPr lang="en-ID" dirty="0"/>
+              <a:t> data yang </a:t>
+            </a:r>
+            <a:r>
+              <a:rPr lang="en-ID" dirty="0" err="1"/>
+              <a:t>bertipe</a:t>
+            </a:r>
+            <a:r>
+              <a:rPr lang="en-ID" dirty="0"/>
+              <a:t> </a:t>
+            </a:r>
+            <a:r>
+              <a:rPr lang="en-ID" dirty="0" err="1"/>
+              <a:t>sama</a:t>
+            </a:r>
+            <a:r>
+              <a:rPr lang="en-ID" dirty="0"/>
+              <a:t>. Bagian yang </a:t>
+            </a:r>
+            <a:r>
+              <a:rPr lang="en-ID" dirty="0" err="1"/>
+              <a:t>menyusun</a:t>
+            </a:r>
+            <a:r>
+              <a:rPr lang="en-ID" dirty="0"/>
+              <a:t> array </a:t>
+            </a:r>
+            <a:r>
+              <a:rPr lang="en-ID" dirty="0" err="1"/>
+              <a:t>disebut</a:t>
+            </a:r>
+            <a:r>
+              <a:rPr lang="en-ID" dirty="0"/>
+              <a:t> </a:t>
+            </a:r>
+            <a:r>
+              <a:rPr lang="en-ID" dirty="0" err="1"/>
+              <a:t>elemen</a:t>
+            </a:r>
+            <a:r>
+              <a:rPr lang="en-ID" dirty="0"/>
+              <a:t> array, yang masing-masing </a:t>
+            </a:r>
+            <a:r>
+              <a:rPr lang="en-ID" dirty="0" err="1"/>
+              <a:t>elemen</a:t>
+            </a:r>
+            <a:r>
+              <a:rPr lang="en-ID" dirty="0"/>
+              <a:t> </a:t>
+            </a:r>
+            <a:r>
+              <a:rPr lang="en-ID" dirty="0" err="1"/>
+              <a:t>dapat</a:t>
+            </a:r>
+            <a:r>
+              <a:rPr lang="en-ID" dirty="0"/>
+              <a:t> </a:t>
+            </a:r>
+            <a:r>
+              <a:rPr lang="en-ID" dirty="0" err="1"/>
+              <a:t>diakses</a:t>
+            </a:r>
+            <a:r>
+              <a:rPr lang="en-ID" dirty="0"/>
+              <a:t> </a:t>
+            </a:r>
+            <a:r>
+              <a:rPr lang="en-ID" dirty="0" err="1"/>
+              <a:t>tersendiri</a:t>
+            </a:r>
+            <a:r>
+              <a:rPr lang="en-ID" dirty="0"/>
+              <a:t> </a:t>
+            </a:r>
+            <a:r>
+              <a:rPr lang="en-ID" dirty="0" err="1"/>
+              <a:t>melalui</a:t>
+            </a:r>
+            <a:r>
+              <a:rPr lang="en-ID" dirty="0"/>
+              <a:t> index array. Index array </a:t>
+            </a:r>
+            <a:r>
+              <a:rPr lang="en-ID" dirty="0" err="1"/>
+              <a:t>dapat</a:t>
+            </a:r>
+            <a:r>
+              <a:rPr lang="en-ID" dirty="0"/>
+              <a:t> </a:t>
+            </a:r>
+            <a:r>
+              <a:rPr lang="en-ID" dirty="0" err="1"/>
+              <a:t>berupa</a:t>
+            </a:r>
+            <a:r>
+              <a:rPr lang="en-ID" dirty="0"/>
+              <a:t> </a:t>
+            </a:r>
+            <a:r>
+              <a:rPr lang="en-ID" dirty="0" err="1"/>
+              <a:t>bilangan</a:t>
+            </a:r>
+            <a:r>
+              <a:rPr lang="en-ID" dirty="0"/>
+              <a:t> integer </a:t>
+            </a:r>
+            <a:r>
+              <a:rPr lang="en-ID" dirty="0" err="1"/>
+              <a:t>atau</a:t>
+            </a:r>
+            <a:r>
+              <a:rPr lang="en-ID" dirty="0"/>
+              <a:t> string. </a:t>
             </a:r>
           </a:p>
         </p:txBody>
       </p:sp>
+      <p:pic>
+        <p:nvPicPr>
+          <p:cNvPr id="1026" name="Picture 2" descr="Pengertian Array Dalam C++ – Materi Kuliah Program Studi Sistem Informasi">
+            <a:extLst>
+              <a:ext uri="{FF2B5EF4-FFF2-40B4-BE49-F238E27FC236}">
+                <a16:creationId xmlns:a16="http://schemas.microsoft.com/office/drawing/2014/main" id="{15001499-E3E2-918E-025D-AA49B4141F57}"/>
+              </a:ext>
+            </a:extLst>
+          </p:cNvPr>
+          <p:cNvPicPr>
+            <a:picLocks noChangeAspect="1" noChangeArrowheads="1"/>
+          </p:cNvPicPr>
+          <p:nvPr/>
+        </p:nvPicPr>
+        <p:blipFill>
+          <a:blip r:embed="rId4">
+            <a:extLst>
+              <a:ext uri="{28A0092B-C50C-407E-A947-70E740481C1C}">
+                <a14:useLocalDpi xmlns:a14="http://schemas.microsoft.com/office/drawing/2010/main" val="0"/>
+              </a:ext>
+            </a:extLst>
+          </a:blip>
+          <a:srcRect/>
+          <a:stretch>
+            <a:fillRect/>
+          </a:stretch>
+        </p:blipFill>
+        <p:spPr bwMode="auto">
+          <a:xfrm>
+            <a:off x="3320673" y="2497983"/>
+            <a:ext cx="5526252" cy="2504083"/>
+          </a:xfrm>
+          <a:prstGeom prst="rect">
+            <a:avLst/>
+          </a:prstGeom>
+          <a:noFill/>
+          <a:extLst>
+            <a:ext uri="{909E8E84-426E-40DD-AFC4-6F175D3DCCD1}">
+              <a14:hiddenFill xmlns:a14="http://schemas.microsoft.com/office/drawing/2010/main">
+                <a:solidFill>
+                  <a:srgbClr val="FFFFFF"/>
+                </a:solidFill>
+              </a14:hiddenFill>
+            </a:ext>
+          </a:extLst>
+        </p:spPr>
+      </p:pic>
     </p:spTree>
     <p:extLst>
       <p:ext uri="{BB962C8B-B14F-4D97-AF65-F5344CB8AC3E}">
-        <p14:creationId xmlns:p14="http://schemas.microsoft.com/office/powerpoint/2010/main" val="194999450"/>
+        <p14:creationId xmlns:p14="http://schemas.microsoft.com/office/powerpoint/2010/main" val="1343112182"/>
       </p:ext>
     </p:extLst>
   </p:cSld>
@@ -9398,6 +13586,18 @@
               <a:buNone/>
             </a:pPr>
             <a:r>
+              <a:rPr lang="en-US" sz="1600" b="1" i="0" u="none" strike="noStrike" cap="none" dirty="0" err="1">
+                <a:solidFill>
+                  <a:srgbClr val="743673"/>
+                </a:solidFill>
+                <a:latin typeface="Montserrat"/>
+                <a:ea typeface="Montserrat"/>
+                <a:cs typeface="Montserrat"/>
+                <a:sym typeface="Montserrat"/>
+              </a:rPr>
+              <a:t>Contoh</a:t>
+            </a:r>
+            <a:r>
               <a:rPr lang="en-US" sz="1600" b="1" i="0" u="none" strike="noStrike" cap="none" dirty="0">
                 <a:solidFill>
                   <a:srgbClr val="743673"/>
@@ -9407,7 +13607,7 @@
                 <a:cs typeface="Montserrat"/>
                 <a:sym typeface="Montserrat"/>
               </a:rPr>
-              <a:t>Form Input dan Proses </a:t>
+              <a:t> Array Pada </a:t>
             </a:r>
             <a:r>
               <a:rPr lang="en-US" sz="1600" b="1" i="0" u="none" strike="noStrike" cap="none" dirty="0" err="1">
@@ -9419,29 +13619,26 @@
                 <a:cs typeface="Montserrat"/>
                 <a:sym typeface="Montserrat"/>
               </a:rPr>
-              <a:t>beda</a:t>
-            </a:r>
-            <a:r>
-              <a:rPr lang="en-US" sz="1600" b="1" i="0" u="none" strike="noStrike" cap="none" dirty="0">
-                <a:solidFill>
-                  <a:srgbClr val="743673"/>
-                </a:solidFill>
-                <a:latin typeface="Montserrat"/>
-                <a:ea typeface="Montserrat"/>
-                <a:cs typeface="Montserrat"/>
-                <a:sym typeface="Montserrat"/>
-              </a:rPr>
-              <a:t> Class</a:t>
-            </a:r>
+              <a:t>Php</a:t>
+            </a:r>
+            <a:endParaRPr lang="en-US" sz="1600" b="1" i="0" u="none" strike="noStrike" cap="none" dirty="0">
+              <a:solidFill>
+                <a:srgbClr val="743673"/>
+              </a:solidFill>
+              <a:latin typeface="Montserrat"/>
+              <a:ea typeface="Montserrat"/>
+              <a:cs typeface="Montserrat"/>
+              <a:sym typeface="Montserrat"/>
+            </a:endParaRPr>
           </a:p>
         </p:txBody>
       </p:sp>
       <p:pic>
         <p:nvPicPr>
-          <p:cNvPr id="3" name="Picture 2">
+          <p:cNvPr id="4" name="Picture 3">
             <a:extLst>
               <a:ext uri="{FF2B5EF4-FFF2-40B4-BE49-F238E27FC236}">
-                <a16:creationId xmlns:a16="http://schemas.microsoft.com/office/drawing/2014/main" id="{24A07009-BD47-DEBB-68CC-61FD03425C0D}"/>
+                <a16:creationId xmlns:a16="http://schemas.microsoft.com/office/drawing/2014/main" id="{3F67B9AE-29DB-952E-AD0E-1D69C7B2FC5E}"/>
               </a:ext>
             </a:extLst>
           </p:cNvPr>
@@ -9458,8 +13655,8 @@
         </p:blipFill>
         <p:spPr>
           <a:xfrm>
-            <a:off x="454375" y="1312900"/>
-            <a:ext cx="4863213" cy="1720610"/>
+            <a:off x="454375" y="1394021"/>
+            <a:ext cx="4476351" cy="2134676"/>
           </a:xfrm>
           <a:prstGeom prst="rect">
             <a:avLst/>
@@ -9471,7 +13668,7 @@
           <p:cNvPr id="6" name="Picture 5">
             <a:extLst>
               <a:ext uri="{FF2B5EF4-FFF2-40B4-BE49-F238E27FC236}">
-                <a16:creationId xmlns:a16="http://schemas.microsoft.com/office/drawing/2014/main" id="{DFC13E3D-3B88-E1FF-465E-5C3343E00BDE}"/>
+                <a16:creationId xmlns:a16="http://schemas.microsoft.com/office/drawing/2014/main" id="{08936987-FB02-BED5-35C5-FAFAFD77D51E}"/>
               </a:ext>
             </a:extLst>
           </p:cNvPr>
@@ -9488,18 +13685,83 @@
         </p:blipFill>
         <p:spPr>
           <a:xfrm>
-            <a:off x="392137" y="3054300"/>
-            <a:ext cx="6629400" cy="1790700"/>
+            <a:off x="5267803" y="2921979"/>
+            <a:ext cx="3662897" cy="1923021"/>
           </a:xfrm>
           <a:prstGeom prst="rect">
             <a:avLst/>
           </a:prstGeom>
         </p:spPr>
       </p:pic>
+      <p:pic>
+        <p:nvPicPr>
+          <p:cNvPr id="10" name="Picture 9">
+            <a:extLst>
+              <a:ext uri="{FF2B5EF4-FFF2-40B4-BE49-F238E27FC236}">
+                <a16:creationId xmlns:a16="http://schemas.microsoft.com/office/drawing/2014/main" id="{3FAA25FC-4386-0C20-ABAC-AE7FBF41B06B}"/>
+              </a:ext>
+            </a:extLst>
+          </p:cNvPr>
+          <p:cNvPicPr>
+            <a:picLocks noChangeAspect="1"/>
+          </p:cNvPicPr>
+          <p:nvPr/>
+        </p:nvPicPr>
+        <p:blipFill>
+          <a:blip r:embed="rId6"/>
+          <a:stretch>
+            <a:fillRect/>
+          </a:stretch>
+        </p:blipFill>
+        <p:spPr>
+          <a:xfrm>
+            <a:off x="613861" y="3618618"/>
+            <a:ext cx="4249789" cy="1313571"/>
+          </a:xfrm>
+          <a:prstGeom prst="rect">
+            <a:avLst/>
+          </a:prstGeom>
+        </p:spPr>
+      </p:pic>
+      <p:sp>
+        <p:nvSpPr>
+          <p:cNvPr id="12" name="TextBox 11">
+            <a:extLst>
+              <a:ext uri="{FF2B5EF4-FFF2-40B4-BE49-F238E27FC236}">
+                <a16:creationId xmlns:a16="http://schemas.microsoft.com/office/drawing/2014/main" id="{7C5EF881-4A58-90D6-25C5-303AEE4ABE8B}"/>
+              </a:ext>
+            </a:extLst>
+          </p:cNvPr>
+          <p:cNvSpPr txBox="1"/>
+          <p:nvPr/>
+        </p:nvSpPr>
+        <p:spPr>
+          <a:xfrm>
+            <a:off x="6632917" y="2775879"/>
+            <a:ext cx="1167618" cy="307777"/>
+          </a:xfrm>
+          <a:prstGeom prst="rect">
+            <a:avLst/>
+          </a:prstGeom>
+          <a:noFill/>
+        </p:spPr>
+        <p:txBody>
+          <a:bodyPr wrap="square">
+            <a:spAutoFit/>
+          </a:bodyPr>
+          <a:lstStyle/>
+          <a:p>
+            <a:r>
+              <a:rPr lang="en-ID" b="1" dirty="0"/>
+              <a:t>Output</a:t>
+            </a:r>
+          </a:p>
+        </p:txBody>
+      </p:sp>
     </p:spTree>
     <p:extLst>
       <p:ext uri="{BB962C8B-B14F-4D97-AF65-F5344CB8AC3E}">
-        <p14:creationId xmlns:p14="http://schemas.microsoft.com/office/powerpoint/2010/main" val="2111901296"/>
+        <p14:creationId xmlns:p14="http://schemas.microsoft.com/office/powerpoint/2010/main" val="1258780139"/>
       </p:ext>
     </p:extLst>
   </p:cSld>
@@ -9727,7 +13989,7 @@
         </p:nvSpPr>
         <p:spPr>
           <a:xfrm>
-            <a:off x="454375" y="606754"/>
+            <a:off x="454375" y="748200"/>
             <a:ext cx="7657998" cy="555900"/>
           </a:xfrm>
           <a:prstGeom prst="rect">
@@ -9771,7 +14033,7 @@
                 <a:cs typeface="Montserrat"/>
                 <a:sym typeface="Montserrat"/>
               </a:rPr>
-              <a:t>Output Form Input dan Proses </a:t>
+              <a:t>Program </a:t>
             </a:r>
             <a:r>
               <a:rPr lang="en-US" sz="1600" b="1" i="0" u="none" strike="noStrike" cap="none" dirty="0" err="1">
@@ -9783,7 +14045,7 @@
                 <a:cs typeface="Montserrat"/>
                 <a:sym typeface="Montserrat"/>
               </a:rPr>
-              <a:t>beda</a:t>
+              <a:t>mendeklarasikan</a:t>
             </a:r>
             <a:r>
               <a:rPr lang="en-US" sz="1600" b="1" i="0" u="none" strike="noStrike" cap="none" dirty="0">
@@ -9795,43 +14057,31 @@
                 <a:cs typeface="Montserrat"/>
                 <a:sym typeface="Montserrat"/>
               </a:rPr>
-              <a:t> Class</a:t>
-            </a:r>
-          </a:p>
-        </p:txBody>
-      </p:sp>
-      <p:sp>
-        <p:nvSpPr>
-          <p:cNvPr id="10" name="TextBox 9">
-            <a:extLst>
-              <a:ext uri="{FF2B5EF4-FFF2-40B4-BE49-F238E27FC236}">
-                <a16:creationId xmlns:a16="http://schemas.microsoft.com/office/drawing/2014/main" id="{081D5924-DF1E-5D45-CA5B-9DD93E964A5F}"/>
-              </a:ext>
-            </a:extLst>
-          </p:cNvPr>
-          <p:cNvSpPr txBox="1"/>
-          <p:nvPr/>
-        </p:nvSpPr>
-        <p:spPr>
-          <a:xfrm>
-            <a:off x="2348032" y="3685512"/>
-            <a:ext cx="3914950" cy="307777"/>
-          </a:xfrm>
-          <a:prstGeom prst="rect">
-            <a:avLst/>
-          </a:prstGeom>
-          <a:noFill/>
-        </p:spPr>
-        <p:txBody>
-          <a:bodyPr wrap="square">
-            <a:spAutoFit/>
-          </a:bodyPr>
-          <a:lstStyle/>
-          <a:p>
-            <a:pPr algn="ctr"/>
-            <a:r>
-              <a:rPr lang="en-ID" b="1" dirty="0"/>
-              <a:t>Output Input Text</a:t>
+              <a:t> array </a:t>
+            </a:r>
+            <a:r>
+              <a:rPr lang="en-US" sz="1600" b="1" i="0" u="none" strike="noStrike" cap="none" dirty="0" err="1">
+                <a:solidFill>
+                  <a:srgbClr val="743673"/>
+                </a:solidFill>
+                <a:latin typeface="Montserrat"/>
+                <a:ea typeface="Montserrat"/>
+                <a:cs typeface="Montserrat"/>
+                <a:sym typeface="Montserrat"/>
+              </a:rPr>
+              <a:t>dengan</a:t>
+            </a:r>
+            <a:r>
+              <a:rPr lang="en-US" sz="1600" b="1" i="0" u="none" strike="noStrike" cap="none" dirty="0">
+                <a:solidFill>
+                  <a:srgbClr val="743673"/>
+                </a:solidFill>
+                <a:latin typeface="Montserrat"/>
+                <a:ea typeface="Montserrat"/>
+                <a:cs typeface="Montserrat"/>
+                <a:sym typeface="Montserrat"/>
+              </a:rPr>
+              <a:t> index string</a:t>
             </a:r>
           </a:p>
         </p:txBody>
@@ -9841,7 +14091,7 @@
           <p:cNvPr id="3" name="Picture 2">
             <a:extLst>
               <a:ext uri="{FF2B5EF4-FFF2-40B4-BE49-F238E27FC236}">
-                <a16:creationId xmlns:a16="http://schemas.microsoft.com/office/drawing/2014/main" id="{49587CD2-AFF4-A3E0-BA34-E454881D5F51}"/>
+                <a16:creationId xmlns:a16="http://schemas.microsoft.com/office/drawing/2014/main" id="{D5D09652-F319-7802-3A54-EDEB49E01F3A}"/>
               </a:ext>
             </a:extLst>
           </p:cNvPr>
@@ -9858,8 +14108,38 @@
         </p:blipFill>
         <p:spPr>
           <a:xfrm>
-            <a:off x="2741571" y="1052307"/>
-            <a:ext cx="3681507" cy="3989493"/>
+            <a:off x="532852" y="1456005"/>
+            <a:ext cx="3729611" cy="1986183"/>
+          </a:xfrm>
+          <a:prstGeom prst="rect">
+            <a:avLst/>
+          </a:prstGeom>
+        </p:spPr>
+      </p:pic>
+      <p:pic>
+        <p:nvPicPr>
+          <p:cNvPr id="7" name="Picture 6">
+            <a:extLst>
+              <a:ext uri="{FF2B5EF4-FFF2-40B4-BE49-F238E27FC236}">
+                <a16:creationId xmlns:a16="http://schemas.microsoft.com/office/drawing/2014/main" id="{787104C0-421B-22CC-9E87-01488A87F486}"/>
+              </a:ext>
+            </a:extLst>
+          </p:cNvPr>
+          <p:cNvPicPr>
+            <a:picLocks noChangeAspect="1"/>
+          </p:cNvPicPr>
+          <p:nvPr/>
+        </p:nvPicPr>
+        <p:blipFill>
+          <a:blip r:embed="rId5"/>
+          <a:stretch>
+            <a:fillRect/>
+          </a:stretch>
+        </p:blipFill>
+        <p:spPr>
+          <a:xfrm>
+            <a:off x="4283374" y="1616800"/>
+            <a:ext cx="4729062" cy="2778500"/>
           </a:xfrm>
           <a:prstGeom prst="rect">
             <a:avLst/>
@@ -9869,7 +14149,7 @@
     </p:spTree>
     <p:extLst>
       <p:ext uri="{BB962C8B-B14F-4D97-AF65-F5344CB8AC3E}">
-        <p14:creationId xmlns:p14="http://schemas.microsoft.com/office/powerpoint/2010/main" val="1257891606"/>
+        <p14:creationId xmlns:p14="http://schemas.microsoft.com/office/powerpoint/2010/main" val="2181083662"/>
       </p:ext>
     </p:extLst>
   </p:cSld>
@@ -9919,7 +14199,7 @@
         </p:blipFill>
         <p:spPr>
           <a:xfrm>
-            <a:off x="6773925" y="101700"/>
+            <a:off x="6773925" y="152400"/>
             <a:ext cx="2370067" cy="4838700"/>
           </a:xfrm>
           <a:prstGeom prst="rect">
@@ -10091,20 +14371,14 @@
       </p:sp>
       <p:sp>
         <p:nvSpPr>
-          <p:cNvPr id="2" name="Google Shape;86;p16">
-            <a:extLst>
-              <a:ext uri="{FF2B5EF4-FFF2-40B4-BE49-F238E27FC236}">
-                <a16:creationId xmlns:a16="http://schemas.microsoft.com/office/drawing/2014/main" id="{46473039-E300-538A-0723-1AEEE5568CA1}"/>
-              </a:ext>
-            </a:extLst>
-          </p:cNvPr>
+          <p:cNvPr id="86" name="Google Shape;86;p16"/>
           <p:cNvSpPr txBox="1"/>
           <p:nvPr/>
         </p:nvSpPr>
         <p:spPr>
           <a:xfrm>
-            <a:off x="454375" y="646083"/>
-            <a:ext cx="3617814" cy="555900"/>
+            <a:off x="454375" y="748200"/>
+            <a:ext cx="7657998" cy="555900"/>
           </a:xfrm>
           <a:prstGeom prst="rect">
             <a:avLst/>
@@ -10138,7 +14412,7 @@
               <a:buNone/>
             </a:pPr>
             <a:r>
-              <a:rPr lang="en-US" sz="1600" b="1" dirty="0" err="1">
+              <a:rPr lang="en-US" sz="1600" b="1" i="0" u="none" strike="noStrike" cap="none" dirty="0">
                 <a:solidFill>
                   <a:srgbClr val="743673"/>
                 </a:solidFill>
@@ -10147,11 +14421,119 @@
                 <a:cs typeface="Montserrat"/>
                 <a:sym typeface="Montserrat"/>
               </a:rPr>
-              <a:t>Referensi</a:t>
-            </a:r>
-            <a:endParaRPr lang="en-US" sz="1000" b="0" i="0" u="none" strike="noStrike" cap="none" dirty="0">
+              <a:t>Program </a:t>
+            </a:r>
+            <a:r>
+              <a:rPr lang="en-US" sz="1600" b="1" i="0" u="none" strike="noStrike" cap="none" dirty="0" err="1">
+                <a:solidFill>
+                  <a:srgbClr val="743673"/>
+                </a:solidFill>
+                <a:latin typeface="Montserrat"/>
+                <a:ea typeface="Montserrat"/>
+                <a:cs typeface="Montserrat"/>
+                <a:sym typeface="Montserrat"/>
+              </a:rPr>
+              <a:t>menampilkan</a:t>
+            </a:r>
+            <a:r>
+              <a:rPr lang="en-US" sz="1600" b="1" i="0" u="none" strike="noStrike" cap="none" dirty="0">
+                <a:solidFill>
+                  <a:srgbClr val="743673"/>
+                </a:solidFill>
+                <a:latin typeface="Montserrat"/>
+                <a:ea typeface="Montserrat"/>
+                <a:cs typeface="Montserrat"/>
+                <a:sym typeface="Montserrat"/>
+              </a:rPr>
+              <a:t> </a:t>
+            </a:r>
+            <a:r>
+              <a:rPr lang="en-US" sz="1600" b="1" i="0" u="none" strike="noStrike" cap="none" dirty="0" err="1">
+                <a:solidFill>
+                  <a:srgbClr val="743673"/>
+                </a:solidFill>
+                <a:latin typeface="Montserrat"/>
+                <a:ea typeface="Montserrat"/>
+                <a:cs typeface="Montserrat"/>
+                <a:sym typeface="Montserrat"/>
+              </a:rPr>
+              <a:t>seluruh</a:t>
+            </a:r>
+            <a:r>
+              <a:rPr lang="en-US" sz="1600" b="1" i="0" u="none" strike="noStrike" cap="none" dirty="0">
+                <a:solidFill>
+                  <a:srgbClr val="743673"/>
+                </a:solidFill>
+                <a:latin typeface="Montserrat"/>
+                <a:ea typeface="Montserrat"/>
+                <a:cs typeface="Montserrat"/>
+                <a:sym typeface="Montserrat"/>
+              </a:rPr>
+              <a:t> </a:t>
+            </a:r>
+            <a:r>
+              <a:rPr lang="en-US" sz="1600" b="1" i="0" u="none" strike="noStrike" cap="none" dirty="0" err="1">
+                <a:solidFill>
+                  <a:srgbClr val="743673"/>
+                </a:solidFill>
+                <a:latin typeface="Montserrat"/>
+                <a:ea typeface="Montserrat"/>
+                <a:cs typeface="Montserrat"/>
+                <a:sym typeface="Montserrat"/>
+              </a:rPr>
+              <a:t>isi</a:t>
+            </a:r>
+            <a:r>
+              <a:rPr lang="en-US" sz="1600" b="1" i="0" u="none" strike="noStrike" cap="none" dirty="0">
+                <a:solidFill>
+                  <a:srgbClr val="743673"/>
+                </a:solidFill>
+                <a:latin typeface="Montserrat"/>
+                <a:ea typeface="Montserrat"/>
+                <a:cs typeface="Montserrat"/>
+                <a:sym typeface="Montserrat"/>
+              </a:rPr>
+              <a:t> array </a:t>
+            </a:r>
+            <a:r>
+              <a:rPr lang="en-US" sz="1600" b="1" i="0" u="none" strike="noStrike" cap="none" dirty="0" err="1">
+                <a:solidFill>
+                  <a:srgbClr val="743673"/>
+                </a:solidFill>
+                <a:latin typeface="Montserrat"/>
+                <a:ea typeface="Montserrat"/>
+                <a:cs typeface="Montserrat"/>
+                <a:sym typeface="Montserrat"/>
+              </a:rPr>
+              <a:t>dengan</a:t>
+            </a:r>
+            <a:r>
+              <a:rPr lang="en-US" sz="1600" b="1" i="0" u="none" strike="noStrike" cap="none" dirty="0">
+                <a:solidFill>
+                  <a:srgbClr val="743673"/>
+                </a:solidFill>
+                <a:latin typeface="Montserrat"/>
+                <a:ea typeface="Montserrat"/>
+                <a:cs typeface="Montserrat"/>
+                <a:sym typeface="Montserrat"/>
+              </a:rPr>
+              <a:t> index </a:t>
+            </a:r>
+            <a:r>
+              <a:rPr lang="en-US" sz="1600" b="1" i="0" u="none" strike="noStrike" cap="none" dirty="0" err="1">
+                <a:solidFill>
+                  <a:srgbClr val="743673"/>
+                </a:solidFill>
+                <a:latin typeface="Montserrat"/>
+                <a:ea typeface="Montserrat"/>
+                <a:cs typeface="Montserrat"/>
+                <a:sym typeface="Montserrat"/>
+              </a:rPr>
+              <a:t>numerik</a:t>
+            </a:r>
+            <a:endParaRPr lang="en-US" sz="1600" b="1" i="0" u="none" strike="noStrike" cap="none" dirty="0">
               <a:solidFill>
-                <a:srgbClr val="000000"/>
+                <a:srgbClr val="743673"/>
               </a:solidFill>
               <a:latin typeface="Montserrat"/>
               <a:ea typeface="Montserrat"/>
@@ -10161,10 +14543,70 @@
           </a:p>
         </p:txBody>
       </p:sp>
+      <p:pic>
+        <p:nvPicPr>
+          <p:cNvPr id="4" name="Picture 3">
+            <a:extLst>
+              <a:ext uri="{FF2B5EF4-FFF2-40B4-BE49-F238E27FC236}">
+                <a16:creationId xmlns:a16="http://schemas.microsoft.com/office/drawing/2014/main" id="{E7A1968B-A386-AD64-B62A-0DE30A70D28F}"/>
+              </a:ext>
+            </a:extLst>
+          </p:cNvPr>
+          <p:cNvPicPr>
+            <a:picLocks noChangeAspect="1"/>
+          </p:cNvPicPr>
+          <p:nvPr/>
+        </p:nvPicPr>
+        <p:blipFill>
+          <a:blip r:embed="rId4"/>
+          <a:stretch>
+            <a:fillRect/>
+          </a:stretch>
+        </p:blipFill>
+        <p:spPr>
+          <a:xfrm>
+            <a:off x="525251" y="1406328"/>
+            <a:ext cx="3813386" cy="2110887"/>
+          </a:xfrm>
+          <a:prstGeom prst="rect">
+            <a:avLst/>
+          </a:prstGeom>
+        </p:spPr>
+      </p:pic>
+      <p:pic>
+        <p:nvPicPr>
+          <p:cNvPr id="6" name="Picture 5">
+            <a:extLst>
+              <a:ext uri="{FF2B5EF4-FFF2-40B4-BE49-F238E27FC236}">
+                <a16:creationId xmlns:a16="http://schemas.microsoft.com/office/drawing/2014/main" id="{31647C2F-466D-E60E-DDF9-94E203DDE275}"/>
+              </a:ext>
+            </a:extLst>
+          </p:cNvPr>
+          <p:cNvPicPr>
+            <a:picLocks noChangeAspect="1"/>
+          </p:cNvPicPr>
+          <p:nvPr/>
+        </p:nvPicPr>
+        <p:blipFill>
+          <a:blip r:embed="rId5"/>
+          <a:stretch>
+            <a:fillRect/>
+          </a:stretch>
+        </p:blipFill>
+        <p:spPr>
+          <a:xfrm>
+            <a:off x="4571999" y="1174652"/>
+            <a:ext cx="4046749" cy="3947503"/>
+          </a:xfrm>
+          <a:prstGeom prst="rect">
+            <a:avLst/>
+          </a:prstGeom>
+        </p:spPr>
+      </p:pic>
     </p:spTree>
     <p:extLst>
       <p:ext uri="{BB962C8B-B14F-4D97-AF65-F5344CB8AC3E}">
-        <p14:creationId xmlns:p14="http://schemas.microsoft.com/office/powerpoint/2010/main" val="153661479"/>
+        <p14:creationId xmlns:p14="http://schemas.microsoft.com/office/powerpoint/2010/main" val="3520449922"/>
       </p:ext>
     </p:extLst>
   </p:cSld>
